--- a/Courses/Applied-Programmer/Programming-Fundamentals/02-Типове-данни/07.Типове-данни-преобразуване-на-типове.pptx
+++ b/Courses/Applied-Programmer/Programming-Fundamentals/02-Типове-данни/07.Типове-данни-преобразуване-на-типове.pptx
@@ -210,188 +210,6 @@
 </p:cmAuthorLst>
 </file>
 
-<file path=ppt/comments/comment1.xml><?xml version="1.0" encoding="utf-8"?>
-<p:cmLst xmlns:a="http://schemas.openxmlformats.org/drawingml/2006/main" xmlns:r="http://schemas.openxmlformats.org/officeDocument/2006/relationships" xmlns:p="http://schemas.openxmlformats.org/presentationml/2006/main">
-  <p:cm authorId="1" dt="2018-01-15T01:02:09.326" idx="3">
-    <p:pos x="10" y="10"/>
-    <p:text>1-2 м</p:text>
-    <p:extLst>
-      <p:ext uri="{C676402C-5697-4E1C-873F-D02D1690AC5C}">
-        <p15:threadingInfo xmlns:p15="http://schemas.microsoft.com/office/powerpoint/2012/main" timeZoneBias="-120"/>
-      </p:ext>
-    </p:extLst>
-  </p:cm>
-</p:cmLst>
-</file>
-
-<file path=ppt/comments/comment10.xml><?xml version="1.0" encoding="utf-8"?>
-<p:cmLst xmlns:a="http://schemas.openxmlformats.org/drawingml/2006/main" xmlns:r="http://schemas.openxmlformats.org/officeDocument/2006/relationships" xmlns:p="http://schemas.openxmlformats.org/presentationml/2006/main">
-  <p:cm authorId="1" dt="2018-01-15T01:03:09.591" idx="9">
-    <p:pos x="10" y="10"/>
-    <p:text>3 мин</p:text>
-    <p:extLst>
-      <p:ext uri="{C676402C-5697-4E1C-873F-D02D1690AC5C}">
-        <p15:threadingInfo xmlns:p15="http://schemas.microsoft.com/office/powerpoint/2012/main" timeZoneBias="-120"/>
-      </p:ext>
-    </p:extLst>
-  </p:cm>
-</p:cmLst>
-</file>
-
-<file path=ppt/comments/comment11.xml><?xml version="1.0" encoding="utf-8"?>
-<p:cmLst xmlns:a="http://schemas.openxmlformats.org/drawingml/2006/main" xmlns:r="http://schemas.openxmlformats.org/officeDocument/2006/relationships" xmlns:p="http://schemas.openxmlformats.org/presentationml/2006/main">
-  <p:cm authorId="1" dt="2018-01-15T01:03:23.279" idx="10">
-    <p:pos x="10" y="10"/>
-    <p:text>5 мин</p:text>
-    <p:extLst>
-      <p:ext uri="{C676402C-5697-4E1C-873F-D02D1690AC5C}">
-        <p15:threadingInfo xmlns:p15="http://schemas.microsoft.com/office/powerpoint/2012/main" timeZoneBias="-120"/>
-      </p:ext>
-    </p:extLst>
-  </p:cm>
-</p:cmLst>
-</file>
-
-<file path=ppt/comments/comment12.xml><?xml version="1.0" encoding="utf-8"?>
-<p:cmLst xmlns:a="http://schemas.openxmlformats.org/drawingml/2006/main" xmlns:r="http://schemas.openxmlformats.org/officeDocument/2006/relationships" xmlns:p="http://schemas.openxmlformats.org/presentationml/2006/main">
-  <p:cm authorId="1" dt="2018-01-15T01:03:34.185" idx="11">
-    <p:pos x="10" y="10"/>
-    <p:text>5 мин</p:text>
-    <p:extLst>
-      <p:ext uri="{C676402C-5697-4E1C-873F-D02D1690AC5C}">
-        <p15:threadingInfo xmlns:p15="http://schemas.microsoft.com/office/powerpoint/2012/main" timeZoneBias="-120"/>
-      </p:ext>
-    </p:extLst>
-  </p:cm>
-</p:cmLst>
-</file>
-
-<file path=ppt/comments/comment13.xml><?xml version="1.0" encoding="utf-8"?>
-<p:cmLst xmlns:a="http://schemas.openxmlformats.org/drawingml/2006/main" xmlns:r="http://schemas.openxmlformats.org/officeDocument/2006/relationships" xmlns:p="http://schemas.openxmlformats.org/presentationml/2006/main">
-  <p:cm authorId="1" dt="2018-01-15T01:03:41.685" idx="12">
-    <p:pos x="10" y="10"/>
-    <p:text>4 мин</p:text>
-    <p:extLst>
-      <p:ext uri="{C676402C-5697-4E1C-873F-D02D1690AC5C}">
-        <p15:threadingInfo xmlns:p15="http://schemas.microsoft.com/office/powerpoint/2012/main" timeZoneBias="-120"/>
-      </p:ext>
-    </p:extLst>
-  </p:cm>
-</p:cmLst>
-</file>
-
-<file path=ppt/comments/comment2.xml><?xml version="1.0" encoding="utf-8"?>
-<p:cmLst xmlns:a="http://schemas.openxmlformats.org/drawingml/2006/main" xmlns:r="http://schemas.openxmlformats.org/officeDocument/2006/relationships" xmlns:p="http://schemas.openxmlformats.org/presentationml/2006/main">
-  <p:cm authorId="1" dt="2018-01-15T00:06:48.933" idx="2">
-    <p:pos x="10" y="10"/>
-    <p:text>1 мин</p:text>
-    <p:extLst>
-      <p:ext uri="{C676402C-5697-4E1C-873F-D02D1690AC5C}">
-        <p15:threadingInfo xmlns:p15="http://schemas.microsoft.com/office/powerpoint/2012/main" timeZoneBias="-120"/>
-      </p:ext>
-    </p:extLst>
-  </p:cm>
-</p:cmLst>
-</file>
-
-<file path=ppt/comments/comment3.xml><?xml version="1.0" encoding="utf-8"?>
-<p:cmLst xmlns:a="http://schemas.openxmlformats.org/drawingml/2006/main" xmlns:r="http://schemas.openxmlformats.org/officeDocument/2006/relationships" xmlns:p="http://schemas.openxmlformats.org/presentationml/2006/main">
-  <p:cm authorId="1" dt="2018-01-15T01:02:16.716" idx="4">
-    <p:pos x="10" y="10"/>
-    <p:text>3м</p:text>
-    <p:extLst>
-      <p:ext uri="{C676402C-5697-4E1C-873F-D02D1690AC5C}">
-        <p15:threadingInfo xmlns:p15="http://schemas.microsoft.com/office/powerpoint/2012/main" timeZoneBias="-120"/>
-      </p:ext>
-    </p:extLst>
-  </p:cm>
-</p:cmLst>
-</file>
-
-<file path=ppt/comments/comment4.xml><?xml version="1.0" encoding="utf-8"?>
-<p:cmLst xmlns:a="http://schemas.openxmlformats.org/drawingml/2006/main" xmlns:r="http://schemas.openxmlformats.org/officeDocument/2006/relationships" xmlns:p="http://schemas.openxmlformats.org/presentationml/2006/main">
-  <p:cm authorId="1" dt="2018-01-15T01:02:30.201" idx="5">
-    <p:pos x="10" y="10"/>
-    <p:text>4м</p:text>
-    <p:extLst>
-      <p:ext uri="{C676402C-5697-4E1C-873F-D02D1690AC5C}">
-        <p15:threadingInfo xmlns:p15="http://schemas.microsoft.com/office/powerpoint/2012/main" timeZoneBias="-120"/>
-      </p:ext>
-    </p:extLst>
-  </p:cm>
-</p:cmLst>
-</file>
-
-<file path=ppt/comments/comment5.xml><?xml version="1.0" encoding="utf-8"?>
-<p:cmLst xmlns:a="http://schemas.openxmlformats.org/drawingml/2006/main" xmlns:r="http://schemas.openxmlformats.org/officeDocument/2006/relationships" xmlns:p="http://schemas.openxmlformats.org/presentationml/2006/main">
-  <p:cm authorId="1" dt="2018-01-15T01:02:35.763" idx="6">
-    <p:pos x="10" y="10"/>
-    <p:text>3м</p:text>
-    <p:extLst>
-      <p:ext uri="{C676402C-5697-4E1C-873F-D02D1690AC5C}">
-        <p15:threadingInfo xmlns:p15="http://schemas.microsoft.com/office/powerpoint/2012/main" timeZoneBias="-120"/>
-      </p:ext>
-    </p:extLst>
-  </p:cm>
-</p:cmLst>
-</file>
-
-<file path=ppt/comments/comment6.xml><?xml version="1.0" encoding="utf-8"?>
-<p:cmLst xmlns:a="http://schemas.openxmlformats.org/drawingml/2006/main" xmlns:r="http://schemas.openxmlformats.org/officeDocument/2006/relationships" xmlns:p="http://schemas.openxmlformats.org/presentationml/2006/main">
-  <p:cm authorId="1" dt="2018-01-15T01:02:42.701" idx="7">
-    <p:pos x="10" y="10"/>
-    <p:text>7мин</p:text>
-    <p:extLst>
-      <p:ext uri="{C676402C-5697-4E1C-873F-D02D1690AC5C}">
-        <p15:threadingInfo xmlns:p15="http://schemas.microsoft.com/office/powerpoint/2012/main" timeZoneBias="-120"/>
-      </p:ext>
-    </p:extLst>
-  </p:cm>
-</p:cmLst>
-</file>
-
-<file path=ppt/comments/comment7.xml><?xml version="1.0" encoding="utf-8"?>
-<p:cmLst xmlns:a="http://schemas.openxmlformats.org/drawingml/2006/main" xmlns:r="http://schemas.openxmlformats.org/officeDocument/2006/relationships" xmlns:p="http://schemas.openxmlformats.org/presentationml/2006/main">
-  <p:cm authorId="1" dt="2018-01-15T01:02:42.701" idx="7">
-    <p:pos x="10" y="10"/>
-    <p:text>7мин</p:text>
-    <p:extLst>
-      <p:ext uri="{C676402C-5697-4E1C-873F-D02D1690AC5C}">
-        <p15:threadingInfo xmlns:p15="http://schemas.microsoft.com/office/powerpoint/2012/main" timeZoneBias="-120"/>
-      </p:ext>
-    </p:extLst>
-  </p:cm>
-</p:cmLst>
-</file>
-
-<file path=ppt/comments/comment8.xml><?xml version="1.0" encoding="utf-8"?>
-<p:cmLst xmlns:a="http://schemas.openxmlformats.org/drawingml/2006/main" xmlns:r="http://schemas.openxmlformats.org/officeDocument/2006/relationships" xmlns:p="http://schemas.openxmlformats.org/presentationml/2006/main">
-  <p:cm authorId="1" dt="2018-01-15T01:02:50.420" idx="8">
-    <p:pos x="10" y="10"/>
-    <p:text>3 мин</p:text>
-    <p:extLst>
-      <p:ext uri="{C676402C-5697-4E1C-873F-D02D1690AC5C}">
-        <p15:threadingInfo xmlns:p15="http://schemas.microsoft.com/office/powerpoint/2012/main" timeZoneBias="-120"/>
-      </p:ext>
-    </p:extLst>
-  </p:cm>
-</p:cmLst>
-</file>
-
-<file path=ppt/comments/comment9.xml><?xml version="1.0" encoding="utf-8"?>
-<p:cmLst xmlns:a="http://schemas.openxmlformats.org/drawingml/2006/main" xmlns:r="http://schemas.openxmlformats.org/officeDocument/2006/relationships" xmlns:p="http://schemas.openxmlformats.org/presentationml/2006/main">
-  <p:cm authorId="1" dt="2018-01-15T01:02:50.420" idx="8">
-    <p:pos x="10" y="10"/>
-    <p:text>3 мин</p:text>
-    <p:extLst>
-      <p:ext uri="{C676402C-5697-4E1C-873F-D02D1690AC5C}">
-        <p15:threadingInfo xmlns:p15="http://schemas.microsoft.com/office/powerpoint/2012/main" timeZoneBias="-120"/>
-      </p:ext>
-    </p:extLst>
-  </p:cm>
-</p:cmLst>
-</file>
-
 <file path=ppt/handoutMasters/handoutMaster1.xml><?xml version="1.0" encoding="utf-8"?>
 <p:handoutMaster xmlns:a="http://schemas.openxmlformats.org/drawingml/2006/main" xmlns:r="http://schemas.openxmlformats.org/officeDocument/2006/relationships" xmlns:p="http://schemas.openxmlformats.org/presentationml/2006/main">
   <p:cSld>
@@ -549,7 +367,7 @@
             <a:fld id="{FE5B4EDC-59C0-49C7-8ADA-5A781B329E02}" type="datetimeFigureOut">
               <a:rPr lang="en-US"/>
               <a:pPr/>
-              <a:t>16-Dec-19</a:t>
+              <a:t>10-Nov-20</a:t>
             </a:fld>
             <a:endParaRPr dirty="0"/>
           </a:p>
@@ -847,7 +665,7 @@
             <a:fld id="{F2D8D46A-B586-417D-BFBD-8C8FE0AAF762}" type="datetimeFigureOut">
               <a:rPr lang="en-US" smtClean="0"/>
               <a:pPr/>
-              <a:t>16-Dec-19</a:t>
+              <a:t>10-Nov-20</a:t>
             </a:fld>
             <a:endParaRPr lang="en-US" dirty="0"/>
           </a:p>
@@ -5929,7 +5747,7 @@
             </a:r>
             <a:r>
               <a:rPr lang="bg-BG" dirty="0"/>
-              <a:t>Специални числа</a:t>
+              <a:t>Специални числа – решение</a:t>
             </a:r>
             <a:endParaRPr lang="en-US" dirty="0"/>
           </a:p>
@@ -5945,7 +5763,7 @@
         </p:nvSpPr>
         <p:spPr bwMode="auto">
           <a:xfrm>
-            <a:off x="760412" y="1066800"/>
+            <a:off x="760412" y="1214714"/>
             <a:ext cx="10668000" cy="5033686"/>
           </a:xfrm>
           <a:prstGeom prst="rect">
@@ -6936,15 +6754,10 @@
         </p:spPr>
         <p:txBody>
           <a:bodyPr>
-            <a:normAutofit fontScale="85000" lnSpcReduction="10000"/>
+            <a:normAutofit/>
           </a:bodyPr>
           <a:lstStyle/>
           <a:p>
-            <a:pPr>
-              <a:spcBef>
-                <a:spcPts val="1200"/>
-              </a:spcBef>
-            </a:pPr>
             <a:r>
               <a:rPr lang="en-US" dirty="0">
                 <a:solidFill>
@@ -6961,98 +6774,193 @@
             </a:r>
             <a:r>
               <a:rPr lang="bg-BG" dirty="0"/>
-              <a:t>позволява да се извършват преобразувания на данни:</a:t>
+              <a:t>извършва преобразувания на данни:</a:t>
             </a:r>
             <a:endParaRPr lang="en-US" dirty="0"/>
           </a:p>
           <a:p>
-            <a:pPr lvl="1">
-              <a:spcBef>
-                <a:spcPts val="1200"/>
-              </a:spcBef>
-            </a:pPr>
-            <a:r>
-              <a:rPr lang="en-US" dirty="0"/>
+            <a:pPr lvl="1"/>
+            <a:r>
+              <a:rPr lang="en-US" b="1" dirty="0">
+                <a:solidFill>
+                  <a:schemeClr val="tx2">
+                    <a:lumMod val="75000"/>
+                  </a:schemeClr>
+                </a:solidFill>
+                <a:latin typeface="Consolas" panose="020B0609020204030204" pitchFamily="49" charset="0"/>
+              </a:rPr>
               <a:t>Convert.ToInt32(</a:t>
             </a:r>
             <a:r>
+              <a:rPr lang="bg-BG" b="1" dirty="0">
+                <a:solidFill>
+                  <a:schemeClr val="tx2">
+                    <a:lumMod val="75000"/>
+                  </a:schemeClr>
+                </a:solidFill>
+                <a:latin typeface="Consolas" panose="020B0609020204030204" pitchFamily="49" charset="0"/>
+              </a:rPr>
+              <a:t>данни,</a:t>
+            </a:r>
+            <a:r>
               <a:rPr lang="bg-BG" dirty="0"/>
-              <a:t>данни, основа</a:t>
-            </a:r>
-            <a:r>
-              <a:rPr lang="en-US" dirty="0"/>
+              <a:t> </a:t>
+            </a:r>
+            <a:r>
+              <a:rPr lang="bg-BG" b="1" dirty="0">
+                <a:solidFill>
+                  <a:schemeClr val="tx2">
+                    <a:lumMod val="75000"/>
+                  </a:schemeClr>
+                </a:solidFill>
+                <a:latin typeface="Consolas" panose="020B0609020204030204" pitchFamily="49" charset="0"/>
+              </a:rPr>
+              <a:t>основа</a:t>
+            </a:r>
+            <a:r>
+              <a:rPr lang="en-US" b="1" dirty="0">
+                <a:solidFill>
+                  <a:schemeClr val="tx2">
+                    <a:lumMod val="75000"/>
+                  </a:schemeClr>
+                </a:solidFill>
+                <a:latin typeface="Consolas" panose="020B0609020204030204" pitchFamily="49" charset="0"/>
+              </a:rPr>
               <a:t>)</a:t>
             </a:r>
             <a:r>
               <a:rPr lang="bg-BG" dirty="0"/>
-              <a:t> – позволява ни да преобразуваме текстов низ със записано число в бройна система към цяло число от тип </a:t>
-            </a:r>
-            <a:r>
-              <a:rPr lang="en-US" dirty="0" err="1"/>
+              <a:t> – преобразува стринг в дадена бройна система към цяло число (</a:t>
+            </a:r>
+            <a:r>
+              <a:rPr lang="en-US" b="1" dirty="0">
+                <a:solidFill>
+                  <a:schemeClr val="tx2">
+                    <a:lumMod val="75000"/>
+                  </a:schemeClr>
+                </a:solidFill>
+                <a:latin typeface="Consolas" panose="020B0609020204030204" pitchFamily="49" charset="0"/>
+              </a:rPr>
               <a:t>int</a:t>
             </a:r>
+            <a:r>
+              <a:rPr lang="bg-BG" dirty="0"/>
+              <a:t>)</a:t>
+            </a:r>
+          </a:p>
+          <a:p>
+            <a:pPr lvl="1"/>
+            <a:endParaRPr lang="en-US" dirty="0"/>
+          </a:p>
+          <a:p>
+            <a:pPr lvl="1"/>
+            <a:r>
+              <a:rPr lang="en-US" b="1" noProof="1">
+                <a:solidFill>
+                  <a:schemeClr val="tx2">
+                    <a:lumMod val="75000"/>
+                  </a:schemeClr>
+                </a:solidFill>
+                <a:latin typeface="Consolas" panose="020B0609020204030204" pitchFamily="49" charset="0"/>
+              </a:rPr>
+              <a:t>Convert.ToString</a:t>
+            </a:r>
+            <a:r>
+              <a:rPr lang="en-US" b="1" dirty="0">
+                <a:solidFill>
+                  <a:schemeClr val="tx2">
+                    <a:lumMod val="75000"/>
+                  </a:schemeClr>
+                </a:solidFill>
+                <a:latin typeface="Consolas" panose="020B0609020204030204" pitchFamily="49" charset="0"/>
+              </a:rPr>
+              <a:t>(</a:t>
+            </a:r>
+            <a:r>
+              <a:rPr lang="bg-BG" b="1" dirty="0">
+                <a:solidFill>
+                  <a:schemeClr val="tx2">
+                    <a:lumMod val="75000"/>
+                  </a:schemeClr>
+                </a:solidFill>
+                <a:latin typeface="Consolas" panose="020B0609020204030204" pitchFamily="49" charset="0"/>
+              </a:rPr>
+              <a:t>данни)</a:t>
+            </a:r>
+            <a:r>
+              <a:rPr lang="bg-BG" dirty="0"/>
+              <a:t> – </a:t>
+            </a:r>
+            <a:r>
+              <a:rPr lang="bg-BG" dirty="0" err="1"/>
+              <a:t>кконвертира</a:t>
+            </a:r>
+            <a:r>
+              <a:rPr lang="bg-BG" dirty="0"/>
+              <a:t> число към стринг</a:t>
+            </a:r>
+          </a:p>
+          <a:p>
+            <a:pPr lvl="1"/>
             <a:endParaRPr lang="bg-BG" dirty="0"/>
           </a:p>
           <a:p>
-            <a:pPr lvl="1">
-              <a:spcBef>
-                <a:spcPts val="1200"/>
-              </a:spcBef>
-            </a:pPr>
-            <a:endParaRPr lang="en-US" dirty="0"/>
-          </a:p>
-          <a:p>
-            <a:pPr lvl="1">
-              <a:spcBef>
-                <a:spcPts val="1200"/>
-              </a:spcBef>
-            </a:pPr>
-            <a:r>
-              <a:rPr lang="en-US" dirty="0" err="1"/>
+            <a:pPr lvl="1"/>
+            <a:r>
+              <a:rPr lang="en-US" b="1" noProof="1">
+                <a:solidFill>
+                  <a:schemeClr val="tx2">
+                    <a:lumMod val="75000"/>
+                  </a:schemeClr>
+                </a:solidFill>
+                <a:latin typeface="Consolas" panose="020B0609020204030204" pitchFamily="49" charset="0"/>
+              </a:rPr>
               <a:t>Convert.ToString</a:t>
             </a:r>
             <a:r>
-              <a:rPr lang="en-US" dirty="0"/>
+              <a:rPr lang="en-US" b="1" dirty="0">
+                <a:solidFill>
+                  <a:schemeClr val="tx2">
+                    <a:lumMod val="75000"/>
+                  </a:schemeClr>
+                </a:solidFill>
+                <a:latin typeface="Consolas" panose="020B0609020204030204" pitchFamily="49" charset="0"/>
+              </a:rPr>
               <a:t>(</a:t>
             </a:r>
             <a:r>
+              <a:rPr lang="bg-BG" b="1" dirty="0">
+                <a:solidFill>
+                  <a:schemeClr val="tx2">
+                    <a:lumMod val="75000"/>
+                  </a:schemeClr>
+                </a:solidFill>
+                <a:latin typeface="Consolas" panose="020B0609020204030204" pitchFamily="49" charset="0"/>
+              </a:rPr>
+              <a:t>данни,</a:t>
+            </a:r>
+            <a:r>
               <a:rPr lang="bg-BG" dirty="0"/>
-              <a:t>данни) – позволява ни да преобразуваме данни от променлива към низ</a:t>
-            </a:r>
-          </a:p>
-          <a:p>
-            <a:pPr lvl="1">
-              <a:spcBef>
-                <a:spcPts val="1200"/>
-              </a:spcBef>
-            </a:pPr>
-            <a:endParaRPr lang="bg-BG" dirty="0"/>
-          </a:p>
-          <a:p>
-            <a:pPr lvl="1">
-              <a:spcBef>
-                <a:spcPts val="1200"/>
-              </a:spcBef>
-            </a:pPr>
-            <a:r>
-              <a:rPr lang="en-US" dirty="0" err="1"/>
-              <a:t>Convert.ToString</a:t>
-            </a:r>
-            <a:r>
-              <a:rPr lang="en-US" dirty="0"/>
-              <a:t>(</a:t>
+              <a:t> </a:t>
+            </a:r>
+            <a:r>
+              <a:rPr lang="bg-BG" b="1" dirty="0">
+                <a:solidFill>
+                  <a:schemeClr val="tx2">
+                    <a:lumMod val="75000"/>
+                  </a:schemeClr>
+                </a:solidFill>
+                <a:latin typeface="Consolas" panose="020B0609020204030204" pitchFamily="49" charset="0"/>
+              </a:rPr>
+              <a:t>основа)</a:t>
             </a:r>
             <a:r>
               <a:rPr lang="bg-BG" dirty="0"/>
-              <a:t>данни, основа) – позволява ни да преобразуваме данни от променлива към число в бройна система със зададена основа. Числото се записва като низ</a:t>
-            </a:r>
-          </a:p>
-          <a:p>
-            <a:pPr lvl="1">
-              <a:spcBef>
-                <a:spcPts val="1200"/>
-              </a:spcBef>
-            </a:pPr>
+              <a:t> – преобразува число към стойност в дадена бройна система (резултатът е стринг)</a:t>
+            </a:r>
+          </a:p>
+          <a:p>
+            <a:pPr lvl="1"/>
             <a:endParaRPr lang="en-US" dirty="0"/>
           </a:p>
         </p:txBody>
@@ -7094,7 +7002,7 @@
         </p:nvSpPr>
         <p:spPr bwMode="auto">
           <a:xfrm>
-            <a:off x="758824" y="2590800"/>
+            <a:off x="758824" y="2851124"/>
             <a:ext cx="10668000" cy="501676"/>
           </a:xfrm>
           <a:prstGeom prst="rect">
@@ -7135,36 +7043,21 @@
               <a:buSzPct val="70000"/>
             </a:pPr>
             <a:r>
-              <a:rPr lang="en-US" sz="2800" dirty="0"/>
-              <a:t> </a:t>
-            </a:r>
-            <a:r>
-              <a:rPr lang="en-US" sz="2800" dirty="0" err="1"/>
-              <a:t>int</a:t>
-            </a:r>
-            <a:r>
-              <a:rPr lang="en-US" sz="2800" dirty="0"/>
-              <a:t> </a:t>
-            </a:r>
-            <a:r>
-              <a:rPr lang="en-US" sz="2800" dirty="0" err="1"/>
-              <a:t>nums</a:t>
-            </a:r>
-            <a:r>
-              <a:rPr lang="en-US" sz="2800" dirty="0"/>
-              <a:t> = Convert.ToInt32(</a:t>
-            </a:r>
-            <a:r>
-              <a:rPr lang="en-US" sz="2800" dirty="0" err="1"/>
-              <a:t>Console.ReadLine</a:t>
-            </a:r>
-            <a:r>
-              <a:rPr lang="en-US" sz="2800" dirty="0"/>
-              <a:t>(), 16);</a:t>
+              <a:rPr lang="en-US" sz="2800" b="1" noProof="1">
+                <a:solidFill>
+                  <a:schemeClr val="tx2">
+                    <a:lumMod val="75000"/>
+                  </a:schemeClr>
+                </a:solidFill>
+                <a:latin typeface="Consolas" panose="020B0609020204030204" pitchFamily="49" charset="0"/>
+              </a:rPr>
+              <a:t> int nums = Convert.ToInt32(Console.ReadLine(), 16);</a:t>
             </a:r>
             <a:endParaRPr lang="en-US" sz="2600" b="1" noProof="1">
               <a:solidFill>
-                <a:schemeClr val="tx2"/>
+                <a:schemeClr val="tx2">
+                  <a:lumMod val="75000"/>
+                </a:schemeClr>
               </a:solidFill>
               <a:effectLst>
                 <a:outerShdw blurRad="38100" dist="38100" dir="2700000" algn="tl">
@@ -7173,7 +7066,7 @@
                   </a:srgbClr>
                 </a:outerShdw>
               </a:effectLst>
-              <a:latin typeface="Consolas" pitchFamily="49" charset="0"/>
+              <a:latin typeface="Consolas" panose="020B0609020204030204" pitchFamily="49" charset="0"/>
               <a:cs typeface="Consolas" pitchFamily="49" charset="0"/>
             </a:endParaRPr>
           </a:p>
@@ -7218,28 +7111,65 @@
           <a:lstStyle/>
           <a:p>
             <a:r>
-              <a:rPr lang="en-US" sz="2800" dirty="0"/>
+              <a:rPr lang="en-US" sz="2800" b="1" dirty="0">
+                <a:solidFill>
+                  <a:schemeClr val="tx2">
+                    <a:lumMod val="75000"/>
+                  </a:schemeClr>
+                </a:solidFill>
+                <a:latin typeface="Consolas" panose="020B0609020204030204" pitchFamily="49" charset="0"/>
+              </a:rPr>
               <a:t>string output = "Value: " + </a:t>
             </a:r>
             <a:r>
-              <a:rPr lang="en-US" sz="2800" dirty="0" err="1"/>
+              <a:rPr lang="en-US" sz="2800" b="1" dirty="0" err="1">
+                <a:solidFill>
+                  <a:schemeClr val="tx2">
+                    <a:lumMod val="75000"/>
+                  </a:schemeClr>
+                </a:solidFill>
+                <a:latin typeface="Consolas" panose="020B0609020204030204" pitchFamily="49" charset="0"/>
+              </a:rPr>
               <a:t>Convert.ToString</a:t>
             </a:r>
             <a:r>
-              <a:rPr lang="en-US" sz="2800" dirty="0"/>
+              <a:rPr lang="en-US" sz="2800" b="1" dirty="0">
+                <a:solidFill>
+                  <a:schemeClr val="tx2">
+                    <a:lumMod val="75000"/>
+                  </a:schemeClr>
+                </a:solidFill>
+                <a:latin typeface="Consolas" panose="020B0609020204030204" pitchFamily="49" charset="0"/>
+              </a:rPr>
               <a:t>(</a:t>
             </a:r>
             <a:r>
-              <a:rPr lang="en-US" sz="2800" dirty="0" err="1"/>
+              <a:rPr lang="en-US" sz="2800" b="1" dirty="0" err="1">
+                <a:solidFill>
+                  <a:schemeClr val="tx2">
+                    <a:lumMod val="75000"/>
+                  </a:schemeClr>
+                </a:solidFill>
+                <a:latin typeface="Consolas" panose="020B0609020204030204" pitchFamily="49" charset="0"/>
+              </a:rPr>
               <a:t>nums</a:t>
             </a:r>
             <a:r>
-              <a:rPr lang="en-US" sz="2800" dirty="0"/>
+              <a:rPr lang="en-US" sz="2800" b="1" dirty="0">
+                <a:solidFill>
+                  <a:schemeClr val="tx2">
+                    <a:lumMod val="75000"/>
+                  </a:schemeClr>
+                </a:solidFill>
+                <a:latin typeface="Consolas" panose="020B0609020204030204" pitchFamily="49" charset="0"/>
+              </a:rPr>
               <a:t>);</a:t>
             </a:r>
             <a:endParaRPr lang="en-US" sz="2600" b="1" noProof="1">
               <a:solidFill>
-                <a:schemeClr val="tx2"/>
+                <a:schemeClr val="tx2">
+                  <a:lumMod val="75000"/>
+                </a:schemeClr>
               </a:solidFill>
               <a:effectLst>
                 <a:outerShdw blurRad="38100" dist="38100" dir="2700000" algn="tl">
@@ -7248,7 +7178,7 @@
                   </a:srgbClr>
                 </a:outerShdw>
               </a:effectLst>
-              <a:latin typeface="Consolas" pitchFamily="49" charset="0"/>
+              <a:latin typeface="Consolas" panose="020B0609020204030204" pitchFamily="49" charset="0"/>
               <a:cs typeface="Consolas" pitchFamily="49" charset="0"/>
             </a:endParaRPr>
           </a:p>
@@ -7264,8 +7194,8 @@
         </p:nvSpPr>
         <p:spPr bwMode="auto">
           <a:xfrm>
-            <a:off x="760412" y="6182380"/>
-            <a:ext cx="10668000" cy="523220"/>
+            <a:off x="760412" y="6015335"/>
+            <a:ext cx="10668000" cy="461665"/>
           </a:xfrm>
           <a:prstGeom prst="rect">
             <a:avLst/>
@@ -7293,32 +7223,76 @@
           <a:lstStyle/>
           <a:p>
             <a:r>
-              <a:rPr lang="en-US" sz="2800" dirty="0"/>
-              <a:t>string output = "Binary Value: " + </a:t>
-            </a:r>
-            <a:r>
-              <a:rPr lang="en-US" sz="2800" dirty="0" err="1"/>
+              <a:rPr lang="en-US" b="1" dirty="0">
+                <a:solidFill>
+                  <a:schemeClr val="tx2">
+                    <a:lumMod val="75000"/>
+                  </a:schemeClr>
+                </a:solidFill>
+                <a:latin typeface="Consolas" panose="020B0609020204030204" pitchFamily="49" charset="0"/>
+              </a:rPr>
+              <a:t>string output = "Binary value: " + </a:t>
+            </a:r>
+            <a:r>
+              <a:rPr lang="en-US" b="1" dirty="0" err="1">
+                <a:solidFill>
+                  <a:schemeClr val="tx2">
+                    <a:lumMod val="75000"/>
+                  </a:schemeClr>
+                </a:solidFill>
+                <a:latin typeface="Consolas" panose="020B0609020204030204" pitchFamily="49" charset="0"/>
+              </a:rPr>
               <a:t>Convert.ToString</a:t>
             </a:r>
             <a:r>
-              <a:rPr lang="en-US" sz="2800" dirty="0"/>
+              <a:rPr lang="en-US" b="1" dirty="0">
+                <a:solidFill>
+                  <a:schemeClr val="tx2">
+                    <a:lumMod val="75000"/>
+                  </a:schemeClr>
+                </a:solidFill>
+                <a:latin typeface="Consolas" panose="020B0609020204030204" pitchFamily="49" charset="0"/>
+              </a:rPr>
               <a:t>(</a:t>
             </a:r>
             <a:r>
-              <a:rPr lang="en-US" sz="2800" dirty="0" err="1"/>
+              <a:rPr lang="en-US" b="1" dirty="0" err="1">
+                <a:solidFill>
+                  <a:schemeClr val="tx2">
+                    <a:lumMod val="75000"/>
+                  </a:schemeClr>
+                </a:solidFill>
+                <a:latin typeface="Consolas" panose="020B0609020204030204" pitchFamily="49" charset="0"/>
+              </a:rPr>
               <a:t>nums</a:t>
             </a:r>
             <a:r>
-              <a:rPr lang="bg-BG" sz="2800" dirty="0"/>
+              <a:rPr lang="bg-BG" b="1" dirty="0">
+                <a:solidFill>
+                  <a:schemeClr val="tx2">
+                    <a:lumMod val="75000"/>
+                  </a:schemeClr>
+                </a:solidFill>
+                <a:latin typeface="Consolas" panose="020B0609020204030204" pitchFamily="49" charset="0"/>
+              </a:rPr>
               <a:t>, 2</a:t>
             </a:r>
             <a:r>
-              <a:rPr lang="en-US" sz="2800" dirty="0"/>
+              <a:rPr lang="en-US" b="1" dirty="0">
+                <a:solidFill>
+                  <a:schemeClr val="tx2">
+                    <a:lumMod val="75000"/>
+                  </a:schemeClr>
+                </a:solidFill>
+                <a:latin typeface="Consolas" panose="020B0609020204030204" pitchFamily="49" charset="0"/>
+              </a:rPr>
               <a:t>);</a:t>
             </a:r>
-            <a:endParaRPr lang="en-US" sz="2600" b="1" noProof="1">
+            <a:endParaRPr lang="en-US" b="1" noProof="1">
               <a:solidFill>
-                <a:schemeClr val="tx2"/>
+                <a:schemeClr val="tx2">
+                  <a:lumMod val="75000"/>
+                </a:schemeClr>
               </a:solidFill>
               <a:effectLst>
                 <a:outerShdw blurRad="38100" dist="38100" dir="2700000" algn="tl">
@@ -7327,7 +7301,7 @@
                   </a:srgbClr>
                 </a:outerShdw>
               </a:effectLst>
-              <a:latin typeface="Consolas" pitchFamily="49" charset="0"/>
+              <a:latin typeface="Consolas" panose="020B0609020204030204" pitchFamily="49" charset="0"/>
               <a:cs typeface="Consolas" pitchFamily="49" charset="0"/>
             </a:endParaRPr>
           </a:p>
@@ -7735,8 +7709,8 @@
         </p:blipFill>
         <p:spPr bwMode="auto">
           <a:xfrm>
-            <a:off x="7687711" y="1538001"/>
-            <a:ext cx="4121701" cy="1447800"/>
+            <a:off x="7999412" y="1619511"/>
+            <a:ext cx="3657600" cy="1284779"/>
           </a:xfrm>
           <a:prstGeom prst="rect">
             <a:avLst/>
@@ -8864,7 +8838,7 @@
         </p:nvSpPr>
         <p:spPr bwMode="auto">
           <a:xfrm>
-            <a:off x="2665412" y="3890306"/>
+            <a:off x="2665412" y="4073845"/>
             <a:ext cx="685800" cy="692085"/>
           </a:xfrm>
           <a:prstGeom prst="rect">
@@ -8934,7 +8908,7 @@
         </p:nvSpPr>
         <p:spPr bwMode="auto">
           <a:xfrm>
-            <a:off x="4570412" y="2398491"/>
+            <a:off x="4570412" y="2582030"/>
             <a:ext cx="1063303" cy="3666370"/>
           </a:xfrm>
           <a:prstGeom prst="rect">
@@ -9219,7 +9193,7 @@
         </p:nvSpPr>
         <p:spPr>
           <a:xfrm>
-            <a:off x="3732212" y="4048905"/>
+            <a:off x="3732212" y="4232444"/>
             <a:ext cx="457200" cy="381000"/>
           </a:xfrm>
           <a:prstGeom prst="rightArrow">
@@ -9261,7 +9235,7 @@
         </p:nvSpPr>
         <p:spPr bwMode="auto">
           <a:xfrm>
-            <a:off x="5633716" y="2398491"/>
+            <a:off x="5633716" y="2582030"/>
             <a:ext cx="1025846" cy="3666370"/>
           </a:xfrm>
           <a:prstGeom prst="rect">
@@ -9548,7 +9522,7 @@
         </p:nvSpPr>
         <p:spPr bwMode="auto">
           <a:xfrm>
-            <a:off x="6659563" y="2398488"/>
+            <a:off x="6659563" y="2582027"/>
             <a:ext cx="1035050" cy="3666370"/>
           </a:xfrm>
           <a:prstGeom prst="rect">
@@ -9835,7 +9809,7 @@
         </p:nvSpPr>
         <p:spPr bwMode="auto">
           <a:xfrm>
-            <a:off x="7694613" y="2398485"/>
+            <a:off x="7694613" y="2582024"/>
             <a:ext cx="1025848" cy="3666370"/>
           </a:xfrm>
           <a:prstGeom prst="rect">
@@ -10231,7 +10205,7 @@
         <p:spPr bwMode="auto">
           <a:xfrm>
             <a:off x="760412" y="1187708"/>
-            <a:ext cx="10668000" cy="4832092"/>
+            <a:ext cx="10668000" cy="5170646"/>
           </a:xfrm>
           <a:prstGeom prst="rect">
             <a:avLst/>
@@ -10268,7 +10242,7 @@
               <a:buSzPct val="70000"/>
             </a:pPr>
             <a:r>
-              <a:rPr lang="en-US" sz="2800" b="1" noProof="1">
+              <a:rPr lang="en-US" sz="3000" b="1" noProof="1">
                 <a:solidFill>
                   <a:schemeClr val="tx2"/>
                 </a:solidFill>
@@ -10296,7 +10270,7 @@
               <a:buSzPct val="70000"/>
             </a:pPr>
             <a:r>
-              <a:rPr lang="en-US" sz="2800" b="1" noProof="1">
+              <a:rPr lang="en-US" sz="3000" b="1" noProof="1">
                 <a:solidFill>
                   <a:schemeClr val="tx2"/>
                 </a:solidFill>
@@ -10310,7 +10284,7 @@
                 <a:latin typeface="Consolas" pitchFamily="49" charset="0"/>
                 <a:cs typeface="Consolas" pitchFamily="49" charset="0"/>
               </a:rPr>
-              <a:t>  for (int i1 = 0; i1 &lt; n; i1++)</a:t>
+              <a:t>for (int i1 = 0; i1 &lt; n; i1++)</a:t>
             </a:r>
           </a:p>
           <a:p>
@@ -10324,7 +10298,7 @@
               <a:buSzPct val="70000"/>
             </a:pPr>
             <a:r>
-              <a:rPr lang="en-US" sz="2800" b="1" noProof="1">
+              <a:rPr lang="en-US" sz="3000" b="1" noProof="1">
                 <a:solidFill>
                   <a:schemeClr val="tx2"/>
                 </a:solidFill>
@@ -10338,7 +10312,7 @@
                 <a:latin typeface="Consolas" pitchFamily="49" charset="0"/>
                 <a:cs typeface="Consolas" pitchFamily="49" charset="0"/>
               </a:rPr>
-              <a:t>    for (int i2 = 0; i2 &lt; n; i2++)</a:t>
+              <a:t>  for (int i2 = 0; i2 &lt; n; i2++)</a:t>
             </a:r>
           </a:p>
           <a:p>
@@ -10352,7 +10326,7 @@
               <a:buSzPct val="70000"/>
             </a:pPr>
             <a:r>
-              <a:rPr lang="en-US" sz="2800" b="1" noProof="1">
+              <a:rPr lang="en-US" sz="3000" b="1" noProof="1">
                 <a:solidFill>
                   <a:schemeClr val="tx2"/>
                 </a:solidFill>
@@ -10366,7 +10340,7 @@
                 <a:latin typeface="Consolas" pitchFamily="49" charset="0"/>
                 <a:cs typeface="Consolas" pitchFamily="49" charset="0"/>
               </a:rPr>
-              <a:t>      for (int i3 = 0; i3 &lt; n; i3++)</a:t>
+              <a:t>    for (int i3 = 0; i3 &lt; n; i3++)</a:t>
             </a:r>
           </a:p>
           <a:p>
@@ -10380,7 +10354,7 @@
               <a:buSzPct val="70000"/>
             </a:pPr>
             <a:r>
-              <a:rPr lang="en-US" sz="2800" b="1" noProof="1">
+              <a:rPr lang="en-US" sz="3000" b="1" noProof="1">
                 <a:solidFill>
                   <a:schemeClr val="tx2"/>
                 </a:solidFill>
@@ -10394,7 +10368,7 @@
                 <a:latin typeface="Consolas" pitchFamily="49" charset="0"/>
                 <a:cs typeface="Consolas" pitchFamily="49" charset="0"/>
               </a:rPr>
-              <a:t>      {</a:t>
+              <a:t>    {</a:t>
             </a:r>
           </a:p>
           <a:p>
@@ -10408,7 +10382,7 @@
               <a:buSzPct val="70000"/>
             </a:pPr>
             <a:r>
-              <a:rPr lang="en-US" sz="2800" b="1" noProof="1">
+              <a:rPr lang="en-US" sz="3000" b="1" noProof="1">
                 <a:solidFill>
                   <a:schemeClr val="tx2"/>
                 </a:solidFill>
@@ -10422,10 +10396,10 @@
                 <a:latin typeface="Consolas" pitchFamily="49" charset="0"/>
                 <a:cs typeface="Consolas" pitchFamily="49" charset="0"/>
               </a:rPr>
-              <a:t>        char letter1 = </a:t>
-            </a:r>
-            <a:r>
-              <a:rPr lang="en-US" sz="2800" b="1" noProof="1">
+              <a:t>      char letter1 = </a:t>
+            </a:r>
+            <a:r>
+              <a:rPr lang="en-US" sz="3000" b="1" noProof="1">
                 <a:solidFill>
                   <a:schemeClr val="tx2">
                     <a:lumMod val="75000"/>
@@ -10444,7 +10418,7 @@
               <a:t>(char)('a' + i1)</a:t>
             </a:r>
             <a:r>
-              <a:rPr lang="en-US" sz="2800" b="1" noProof="1">
+              <a:rPr lang="en-US" sz="3000" b="1" noProof="1">
                 <a:solidFill>
                   <a:schemeClr val="tx2"/>
                 </a:solidFill>
@@ -10472,7 +10446,7 @@
               <a:buSzPct val="70000"/>
             </a:pPr>
             <a:r>
-              <a:rPr lang="en-US" sz="2800" b="1" noProof="1">
+              <a:rPr lang="en-US" sz="3000" b="1" noProof="1">
                 <a:solidFill>
                   <a:schemeClr val="tx2"/>
                 </a:solidFill>
@@ -10486,10 +10460,10 @@
                 <a:latin typeface="Consolas" pitchFamily="49" charset="0"/>
                 <a:cs typeface="Consolas" pitchFamily="49" charset="0"/>
               </a:rPr>
-              <a:t>        char letter2 = </a:t>
-            </a:r>
-            <a:r>
-              <a:rPr lang="en-US" sz="2800" b="1" noProof="1">
+              <a:t>      char letter2 = </a:t>
+            </a:r>
+            <a:r>
+              <a:rPr lang="en-US" sz="3000" b="1" noProof="1">
                 <a:solidFill>
                   <a:schemeClr val="tx2">
                     <a:lumMod val="75000"/>
@@ -10508,7 +10482,7 @@
               <a:t>// TODO: </a:t>
             </a:r>
             <a:r>
-              <a:rPr lang="bg-BG" sz="2800" b="1" noProof="1">
+              <a:rPr lang="bg-BG" sz="3000" b="1" noProof="1">
                 <a:solidFill>
                   <a:schemeClr val="tx2">
                     <a:lumMod val="75000"/>
@@ -10526,7 +10500,7 @@
               </a:rPr>
               <a:t>довърши</a:t>
             </a:r>
-            <a:endParaRPr lang="en-US" sz="2800" b="1" noProof="1">
+            <a:endParaRPr lang="en-US" sz="3000" b="1" noProof="1">
               <a:solidFill>
                 <a:schemeClr val="tx2">
                   <a:lumMod val="75000"/>
@@ -10554,7 +10528,7 @@
               <a:buSzPct val="70000"/>
             </a:pPr>
             <a:r>
-              <a:rPr lang="en-US" sz="2800" b="1" noProof="1">
+              <a:rPr lang="en-US" sz="3000" b="1" noProof="1">
                 <a:solidFill>
                   <a:schemeClr val="tx2"/>
                 </a:solidFill>
@@ -10568,10 +10542,10 @@
                 <a:latin typeface="Consolas" pitchFamily="49" charset="0"/>
                 <a:cs typeface="Consolas" pitchFamily="49" charset="0"/>
               </a:rPr>
-              <a:t>        char letter3 = </a:t>
-            </a:r>
-            <a:r>
-              <a:rPr lang="en-US" sz="2800" b="1" noProof="1">
+              <a:t>      char letter3 = </a:t>
+            </a:r>
+            <a:r>
+              <a:rPr lang="en-US" sz="3000" b="1" noProof="1">
                 <a:solidFill>
                   <a:schemeClr val="tx2">
                     <a:lumMod val="75000"/>
@@ -10590,7 +10564,7 @@
               <a:t>// TODO: </a:t>
             </a:r>
             <a:r>
-              <a:rPr lang="bg-BG" sz="2800" b="1" noProof="1">
+              <a:rPr lang="bg-BG" sz="3000" b="1" noProof="1">
                 <a:solidFill>
                   <a:schemeClr val="tx2">
                     <a:lumMod val="75000"/>
@@ -10608,7 +10582,7 @@
               </a:rPr>
               <a:t>довърши и това</a:t>
             </a:r>
-            <a:endParaRPr lang="en-US" sz="2800" b="1" noProof="1">
+            <a:endParaRPr lang="en-US" sz="3000" b="1" noProof="1">
               <a:solidFill>
                 <a:schemeClr val="tx2">
                   <a:lumMod val="75000"/>
@@ -10636,7 +10610,7 @@
               <a:buSzPct val="70000"/>
             </a:pPr>
             <a:r>
-              <a:rPr lang="en-US" sz="2800" b="1" noProof="1">
+              <a:rPr lang="en-US" sz="3000" b="1" noProof="1">
                 <a:solidFill>
                   <a:schemeClr val="tx2"/>
                 </a:solidFill>
@@ -10650,7 +10624,7 @@
                 <a:latin typeface="Consolas" pitchFamily="49" charset="0"/>
                 <a:cs typeface="Consolas" pitchFamily="49" charset="0"/>
               </a:rPr>
-              <a:t>        Console.WriteLine("{0}{1}{2}",</a:t>
+              <a:t>      Console.WriteLine("{0}{1}{2}",</a:t>
             </a:r>
           </a:p>
           <a:p>
@@ -10664,7 +10638,7 @@
               <a:buSzPct val="70000"/>
             </a:pPr>
             <a:r>
-              <a:rPr lang="en-US" sz="2800" b="1" noProof="1">
+              <a:rPr lang="en-US" sz="3000" b="1" noProof="1">
                 <a:solidFill>
                   <a:schemeClr val="tx2"/>
                 </a:solidFill>
@@ -10678,7 +10652,7 @@
                 <a:latin typeface="Consolas" pitchFamily="49" charset="0"/>
                 <a:cs typeface="Consolas" pitchFamily="49" charset="0"/>
               </a:rPr>
-              <a:t>          letter1, letter2, letter3);</a:t>
+              <a:t>        letter1, letter2, letter3);</a:t>
             </a:r>
           </a:p>
           <a:p>
@@ -10692,7 +10666,7 @@
               <a:buSzPct val="70000"/>
             </a:pPr>
             <a:r>
-              <a:rPr lang="en-US" sz="2800" b="1" noProof="1">
+              <a:rPr lang="en-US" sz="3000" b="1" noProof="1">
                 <a:solidFill>
                   <a:schemeClr val="tx2"/>
                 </a:solidFill>
@@ -10706,7 +10680,7 @@
                 <a:latin typeface="Consolas" pitchFamily="49" charset="0"/>
                 <a:cs typeface="Consolas" pitchFamily="49" charset="0"/>
               </a:rPr>
-              <a:t>      }</a:t>
+              <a:t>    }</a:t>
             </a:r>
           </a:p>
         </p:txBody>
@@ -11188,9 +11162,12 @@
           <a:p>
             <a:r>
               <a:rPr lang="bg-BG" dirty="0"/>
-              <a:t>Екраниращи знаци</a:t>
-            </a:r>
-            <a:endParaRPr lang="en-US" dirty="0"/>
+              <a:t>Екраниращи знаци (</a:t>
+            </a:r>
+            <a:r>
+              <a:rPr lang="en-US" dirty="0"/>
+              <a:t>escaping sequences)</a:t>
+            </a:r>
           </a:p>
         </p:txBody>
       </p:sp>
@@ -17559,6 +17536,14 @@
               <a:rPr lang="bg-BG" dirty="0"/>
               <a:t>Булева променлива</a:t>
             </a:r>
+            <a:r>
+              <a:rPr lang="en-US" dirty="0"/>
+              <a:t> – </a:t>
+            </a:r>
+            <a:r>
+              <a:rPr lang="bg-BG" dirty="0"/>
+              <a:t>решение</a:t>
+            </a:r>
             <a:endParaRPr lang="en-US" dirty="0"/>
           </a:p>
         </p:txBody>
@@ -17573,8 +17558,8 @@
         </p:nvSpPr>
         <p:spPr bwMode="auto">
           <a:xfrm>
-            <a:off x="760412" y="1066800"/>
-            <a:ext cx="10668000" cy="2753061"/>
+            <a:off x="760412" y="1201948"/>
+            <a:ext cx="10668000" cy="3674852"/>
           </a:xfrm>
           <a:prstGeom prst="rect">
             <a:avLst/>
@@ -17603,7 +17588,7 @@
           <a:p>
             <a:pPr eaLnBrk="0" hangingPunct="0">
               <a:lnSpc>
-                <a:spcPct val="95000"/>
+                <a:spcPct val="120000"/>
               </a:lnSpc>
               <a:buClr>
                 <a:schemeClr val="accent5">
@@ -17614,7 +17599,7 @@
               <a:buSzPct val="70000"/>
             </a:pPr>
             <a:r>
-              <a:rPr lang="en-US" sz="2600" b="1" noProof="1">
+              <a:rPr lang="en-US" sz="2800" b="1" noProof="1">
                 <a:solidFill>
                   <a:schemeClr val="tx2"/>
                 </a:solidFill>
@@ -17634,7 +17619,7 @@
           <a:p>
             <a:pPr eaLnBrk="0" hangingPunct="0">
               <a:lnSpc>
-                <a:spcPct val="95000"/>
+                <a:spcPct val="120000"/>
               </a:lnSpc>
               <a:buClr>
                 <a:schemeClr val="accent5">
@@ -17645,7 +17630,7 @@
               <a:buSzPct val="70000"/>
             </a:pPr>
             <a:r>
-              <a:rPr lang="en-US" sz="2600" b="1" noProof="1">
+              <a:rPr lang="en-US" sz="2800" b="1" noProof="1">
                 <a:solidFill>
                   <a:schemeClr val="tx2"/>
                 </a:solidFill>
@@ -17665,7 +17650,7 @@
           <a:p>
             <a:pPr eaLnBrk="0" hangingPunct="0">
               <a:lnSpc>
-                <a:spcPct val="95000"/>
+                <a:spcPct val="120000"/>
               </a:lnSpc>
               <a:buClr>
                 <a:schemeClr val="accent5">
@@ -17676,7 +17661,7 @@
               <a:buSzPct val="70000"/>
             </a:pPr>
             <a:r>
-              <a:rPr lang="en-US" sz="2600" b="1" noProof="1">
+              <a:rPr lang="en-US" sz="2800" b="1" noProof="1">
                 <a:solidFill>
                   <a:schemeClr val="tx2"/>
                 </a:solidFill>
@@ -17693,7 +17678,7 @@
               <a:t>if (variable == true)</a:t>
             </a:r>
             <a:r>
-              <a:rPr lang="bg-BG" sz="2600" b="1" noProof="1">
+              <a:rPr lang="bg-BG" sz="2800" b="1" noProof="1">
                 <a:solidFill>
                   <a:schemeClr val="tx2"/>
                 </a:solidFill>
@@ -17710,7 +17695,7 @@
               <a:t> </a:t>
             </a:r>
             <a:r>
-              <a:rPr lang="en-US" sz="2600" b="1" noProof="1">
+              <a:rPr lang="en-US" sz="2800" b="1" noProof="1">
                 <a:solidFill>
                   <a:schemeClr val="tx2"/>
                 </a:solidFill>
@@ -17726,7 +17711,7 @@
               </a:rPr>
               <a:t>{</a:t>
             </a:r>
-            <a:endParaRPr lang="bg-BG" sz="2600" b="1" noProof="1">
+            <a:endParaRPr lang="bg-BG" sz="2800" b="1" noProof="1">
               <a:solidFill>
                 <a:schemeClr val="tx2"/>
               </a:solidFill>
@@ -17744,7 +17729,7 @@
           <a:p>
             <a:pPr eaLnBrk="0" hangingPunct="0">
               <a:lnSpc>
-                <a:spcPct val="95000"/>
+                <a:spcPct val="120000"/>
               </a:lnSpc>
               <a:buClr>
                 <a:schemeClr val="accent5">
@@ -17755,7 +17740,7 @@
               <a:buSzPct val="70000"/>
             </a:pPr>
             <a:r>
-              <a:rPr lang="bg-BG" sz="2600" b="1" noProof="1">
+              <a:rPr lang="bg-BG" sz="2800" b="1" noProof="1">
                 <a:solidFill>
                   <a:schemeClr val="tx2"/>
                 </a:solidFill>
@@ -17772,7 +17757,7 @@
               <a:t>    </a:t>
             </a:r>
             <a:r>
-              <a:rPr lang="en-US" sz="2600" b="1" noProof="1">
+              <a:rPr lang="en-US" sz="2800" b="1" noProof="1">
                 <a:solidFill>
                   <a:schemeClr val="tx2"/>
                 </a:solidFill>
@@ -17792,7 +17777,7 @@
           <a:p>
             <a:pPr eaLnBrk="0" hangingPunct="0">
               <a:lnSpc>
-                <a:spcPct val="95000"/>
+                <a:spcPct val="120000"/>
               </a:lnSpc>
               <a:buClr>
                 <a:schemeClr val="accent5">
@@ -17803,7 +17788,7 @@
               <a:buSzPct val="70000"/>
             </a:pPr>
             <a:r>
-              <a:rPr lang="en-US" sz="2600" b="1" noProof="1">
+              <a:rPr lang="en-US" sz="2800" b="1" noProof="1">
                 <a:solidFill>
                   <a:schemeClr val="tx2"/>
                 </a:solidFill>
@@ -17823,7 +17808,7 @@
           <a:p>
             <a:pPr eaLnBrk="0" hangingPunct="0">
               <a:lnSpc>
-                <a:spcPct val="95000"/>
+                <a:spcPct val="120000"/>
               </a:lnSpc>
               <a:buClr>
                 <a:schemeClr val="accent5">
@@ -17834,7 +17819,7 @@
               <a:buSzPct val="70000"/>
             </a:pPr>
             <a:r>
-              <a:rPr lang="en-US" sz="2600" b="1" noProof="1">
+              <a:rPr lang="en-US" sz="2800" b="1" noProof="1">
                 <a:solidFill>
                   <a:schemeClr val="tx2"/>
                 </a:solidFill>
@@ -17854,7 +17839,7 @@
           <a:p>
             <a:pPr eaLnBrk="0" hangingPunct="0">
               <a:lnSpc>
-                <a:spcPct val="95000"/>
+                <a:spcPct val="120000"/>
               </a:lnSpc>
               <a:buClr>
                 <a:schemeClr val="accent5">
@@ -17865,7 +17850,7 @@
               <a:buSzPct val="70000"/>
             </a:pPr>
             <a:r>
-              <a:rPr lang="en-US" sz="2600" b="1" noProof="1">
+              <a:rPr lang="en-US" sz="2800" b="1" noProof="1">
                 <a:solidFill>
                   <a:schemeClr val="tx2"/>
                 </a:solidFill>

--- a/Courses/Applied-Programmer/Programming-Fundamentals/02-Типове-данни/07.Типове-данни-преобразуване-на-типове.pptx
+++ b/Courses/Applied-Programmer/Programming-Fundamentals/02-Типове-данни/07.Типове-данни-преобразуване-на-типове.pptx
@@ -367,7 +367,7 @@
             <a:fld id="{FE5B4EDC-59C0-49C7-8ADA-5A781B329E02}" type="datetimeFigureOut">
               <a:rPr lang="en-US"/>
               <a:pPr/>
-              <a:t>10-Nov-20</a:t>
+              <a:t>11-Nov-20</a:t>
             </a:fld>
             <a:endParaRPr dirty="0"/>
           </a:p>
@@ -665,7 +665,7 @@
             <a:fld id="{F2D8D46A-B586-417D-BFBD-8C8FE0AAF762}" type="datetimeFigureOut">
               <a:rPr lang="en-US" smtClean="0"/>
               <a:pPr/>
-              <a:t>10-Nov-20</a:t>
+              <a:t>11-Nov-20</a:t>
             </a:fld>
             <a:endParaRPr lang="en-US" dirty="0"/>
           </a:p>
@@ -5702,6 +5702,13 @@
   <p:clrMapOvr>
     <a:masterClrMapping/>
   </p:clrMapOvr>
+  <p:timing>
+    <p:tnLst>
+      <p:par>
+        <p:cTn id="1" dur="indefinite" restart="never" nodeType="tmRoot"/>
+      </p:par>
+    </p:tnLst>
+  </p:timing>
 </p:sld>
 </file>
 
@@ -7378,6 +7385,13 @@
     <a:masterClrMapping/>
   </p:clrMapOvr>
   <p:transition/>
+  <p:timing>
+    <p:tnLst>
+      <p:par>
+        <p:cTn id="1" dur="indefinite" restart="never" nodeType="tmRoot"/>
+      </p:par>
+    </p:tnLst>
+  </p:timing>
 </p:sld>
 </file>
 
@@ -7794,6 +7808,13 @@
     <a:masterClrMapping/>
   </p:clrMapOvr>
   <p:transition/>
+  <p:timing>
+    <p:tnLst>
+      <p:par>
+        <p:cTn id="1" dur="indefinite" restart="never" nodeType="tmRoot"/>
+      </p:par>
+    </p:tnLst>
+  </p:timing>
 </p:sld>
 </file>
 
@@ -8673,6 +8694,13 @@
     <a:masterClrMapping/>
   </p:clrMapOvr>
   <p:transition/>
+  <p:timing>
+    <p:tnLst>
+      <p:par>
+        <p:cTn id="1" dur="indefinite" restart="never" nodeType="tmRoot"/>
+      </p:par>
+    </p:tnLst>
+  </p:timing>
 </p:sld>
 </file>
 
@@ -10131,6 +10159,184 @@
           </a:p>
         </p:txBody>
       </p:sp>
+      <p:sp>
+        <p:nvSpPr>
+          <p:cNvPr id="15" name="Текстово поле 8">
+            <a:extLst>
+              <a:ext uri="{FF2B5EF4-FFF2-40B4-BE49-F238E27FC236}">
+                <a16:creationId xmlns:a16="http://schemas.microsoft.com/office/drawing/2014/main" id="{B775C725-2D35-46A8-AC07-A0FDF9684789}"/>
+              </a:ext>
+            </a:extLst>
+          </p:cNvPr>
+          <p:cNvSpPr txBox="1"/>
+          <p:nvPr/>
+        </p:nvSpPr>
+        <p:spPr>
+          <a:xfrm>
+            <a:off x="431791" y="6294294"/>
+            <a:ext cx="10820400" cy="487506"/>
+          </a:xfrm>
+          <a:prstGeom prst="rect">
+            <a:avLst/>
+          </a:prstGeom>
+          <a:noFill/>
+        </p:spPr>
+        <p:txBody>
+          <a:bodyPr wrap="square">
+            <a:spAutoFit/>
+          </a:bodyPr>
+          <a:lstStyle>
+            <a:defPPr>
+              <a:defRPr lang="en-US"/>
+            </a:defPPr>
+            <a:lvl1pPr marL="0" algn="l" defTabSz="1218987" rtl="0" eaLnBrk="1" latinLnBrk="0" hangingPunct="1">
+              <a:defRPr sz="2400" kern="1200">
+                <a:solidFill>
+                  <a:schemeClr val="tx1"/>
+                </a:solidFill>
+                <a:latin typeface="+mn-lt"/>
+                <a:ea typeface="+mn-ea"/>
+                <a:cs typeface="+mn-cs"/>
+              </a:defRPr>
+            </a:lvl1pPr>
+            <a:lvl2pPr marL="609493" algn="l" defTabSz="1218987" rtl="0" eaLnBrk="1" latinLnBrk="0" hangingPunct="1">
+              <a:defRPr sz="2400" kern="1200">
+                <a:solidFill>
+                  <a:schemeClr val="tx1"/>
+                </a:solidFill>
+                <a:latin typeface="+mn-lt"/>
+                <a:ea typeface="+mn-ea"/>
+                <a:cs typeface="+mn-cs"/>
+              </a:defRPr>
+            </a:lvl2pPr>
+            <a:lvl3pPr marL="1218987" algn="l" defTabSz="1218987" rtl="0" eaLnBrk="1" latinLnBrk="0" hangingPunct="1">
+              <a:defRPr sz="2400" kern="1200">
+                <a:solidFill>
+                  <a:schemeClr val="tx1"/>
+                </a:solidFill>
+                <a:latin typeface="+mn-lt"/>
+                <a:ea typeface="+mn-ea"/>
+                <a:cs typeface="+mn-cs"/>
+              </a:defRPr>
+            </a:lvl3pPr>
+            <a:lvl4pPr marL="1828480" algn="l" defTabSz="1218987" rtl="0" eaLnBrk="1" latinLnBrk="0" hangingPunct="1">
+              <a:defRPr sz="2400" kern="1200">
+                <a:solidFill>
+                  <a:schemeClr val="tx1"/>
+                </a:solidFill>
+                <a:latin typeface="+mn-lt"/>
+                <a:ea typeface="+mn-ea"/>
+                <a:cs typeface="+mn-cs"/>
+              </a:defRPr>
+            </a:lvl4pPr>
+            <a:lvl5pPr marL="2437973" algn="l" defTabSz="1218987" rtl="0" eaLnBrk="1" latinLnBrk="0" hangingPunct="1">
+              <a:defRPr sz="2400" kern="1200">
+                <a:solidFill>
+                  <a:schemeClr val="tx1"/>
+                </a:solidFill>
+                <a:latin typeface="+mn-lt"/>
+                <a:ea typeface="+mn-ea"/>
+                <a:cs typeface="+mn-cs"/>
+              </a:defRPr>
+            </a:lvl5pPr>
+            <a:lvl6pPr marL="3047467" algn="l" defTabSz="1218987" rtl="0" eaLnBrk="1" latinLnBrk="0" hangingPunct="1">
+              <a:defRPr sz="2400" kern="1200">
+                <a:solidFill>
+                  <a:schemeClr val="tx1"/>
+                </a:solidFill>
+                <a:latin typeface="+mn-lt"/>
+                <a:ea typeface="+mn-ea"/>
+                <a:cs typeface="+mn-cs"/>
+              </a:defRPr>
+            </a:lvl6pPr>
+            <a:lvl7pPr marL="3656960" algn="l" defTabSz="1218987" rtl="0" eaLnBrk="1" latinLnBrk="0" hangingPunct="1">
+              <a:defRPr sz="2400" kern="1200">
+                <a:solidFill>
+                  <a:schemeClr val="tx1"/>
+                </a:solidFill>
+                <a:latin typeface="+mn-lt"/>
+                <a:ea typeface="+mn-ea"/>
+                <a:cs typeface="+mn-cs"/>
+              </a:defRPr>
+            </a:lvl7pPr>
+            <a:lvl8pPr marL="4266453" algn="l" defTabSz="1218987" rtl="0" eaLnBrk="1" latinLnBrk="0" hangingPunct="1">
+              <a:defRPr sz="2400" kern="1200">
+                <a:solidFill>
+                  <a:schemeClr val="tx1"/>
+                </a:solidFill>
+                <a:latin typeface="+mn-lt"/>
+                <a:ea typeface="+mn-ea"/>
+                <a:cs typeface="+mn-cs"/>
+              </a:defRPr>
+            </a:lvl8pPr>
+            <a:lvl9pPr marL="4875947" algn="l" defTabSz="1218987" rtl="0" eaLnBrk="1" latinLnBrk="0" hangingPunct="1">
+              <a:defRPr sz="2400" kern="1200">
+                <a:solidFill>
+                  <a:schemeClr val="tx1"/>
+                </a:solidFill>
+                <a:latin typeface="+mn-lt"/>
+                <a:ea typeface="+mn-ea"/>
+                <a:cs typeface="+mn-cs"/>
+              </a:defRPr>
+            </a:lvl9pPr>
+          </a:lstStyle>
+          <a:p>
+            <a:pPr algn="ctr">
+              <a:lnSpc>
+                <a:spcPct val="107000"/>
+              </a:lnSpc>
+            </a:pPr>
+            <a:r>
+              <a:rPr lang="bg-BG" sz="2400" dirty="0">
+                <a:effectLst/>
+                <a:latin typeface="Calibri" panose="020F0502020204030204" pitchFamily="34" charset="0"/>
+                <a:ea typeface="Calibri" panose="020F0502020204030204" pitchFamily="34" charset="0"/>
+                <a:cs typeface="Times New Roman" panose="02020603050405020304" pitchFamily="18" charset="0"/>
+              </a:rPr>
+              <a:t>Тествайте в </a:t>
+            </a:r>
+            <a:r>
+              <a:rPr lang="en-US" sz="2400" dirty="0" smtClean="0">
+                <a:effectLst/>
+                <a:latin typeface="Calibri" panose="020F0502020204030204" pitchFamily="34" charset="0"/>
+                <a:ea typeface="Calibri" panose="020F0502020204030204" pitchFamily="34" charset="0"/>
+                <a:cs typeface="Times New Roman" panose="02020603050405020304" pitchFamily="18" charset="0"/>
+              </a:rPr>
+              <a:t>Judge: </a:t>
+            </a:r>
+            <a:r>
+              <a:rPr lang="en-US" u="sng" dirty="0">
+                <a:solidFill>
+                  <a:srgbClr val="0563C1"/>
+                </a:solidFill>
+                <a:latin typeface="Calibri" panose="020F0502020204030204" pitchFamily="34" charset="0"/>
+                <a:ea typeface="Calibri" panose="020F0502020204030204" pitchFamily="34" charset="0"/>
+                <a:cs typeface="Times New Roman" panose="02020603050405020304" pitchFamily="18" charset="0"/>
+                <a:hlinkClick r:id="rId3"/>
+              </a:rPr>
+              <a:t>https://</a:t>
+            </a:r>
+            <a:r>
+              <a:rPr lang="en-US" u="sng" dirty="0" smtClean="0">
+                <a:solidFill>
+                  <a:srgbClr val="0563C1"/>
+                </a:solidFill>
+                <a:latin typeface="Calibri" panose="020F0502020204030204" pitchFamily="34" charset="0"/>
+                <a:ea typeface="Calibri" panose="020F0502020204030204" pitchFamily="34" charset="0"/>
+                <a:cs typeface="Times New Roman" panose="02020603050405020304" pitchFamily="18" charset="0"/>
+                <a:hlinkClick r:id="rId3"/>
+              </a:rPr>
+              <a:t>judge.softuni.bg/Contests/2649</a:t>
+            </a:r>
+            <a:endParaRPr lang="en-US" sz="2400" dirty="0">
+              <a:effectLst/>
+              <a:latin typeface="Calibri" panose="020F0502020204030204" pitchFamily="34" charset="0"/>
+              <a:ea typeface="Calibri" panose="020F0502020204030204" pitchFamily="34" charset="0"/>
+              <a:cs typeface="Times New Roman" panose="02020603050405020304" pitchFamily="18" charset="0"/>
+            </a:endParaRPr>
+          </a:p>
+        </p:txBody>
+      </p:sp>
     </p:spTree>
     <p:extLst>
       <p:ext uri="{BB962C8B-B14F-4D97-AF65-F5344CB8AC3E}">
@@ -10141,6 +10347,13 @@
   <p:clrMapOvr>
     <a:masterClrMapping/>
   </p:clrMapOvr>
+  <p:timing>
+    <p:tnLst>
+      <p:par>
+        <p:cTn id="1" dur="indefinite" restart="never" nodeType="tmRoot"/>
+      </p:par>
+    </p:tnLst>
+  </p:timing>
 </p:sld>
 </file>
 
@@ -10755,6 +10968,13 @@
   <p:clrMapOvr>
     <a:masterClrMapping/>
   </p:clrMapOvr>
+  <p:timing>
+    <p:tnLst>
+      <p:par>
+        <p:cTn id="1" dur="indefinite" restart="never" nodeType="tmRoot"/>
+      </p:par>
+    </p:tnLst>
+  </p:timing>
 </p:sld>
 </file>
 
@@ -11242,6 +11462,13 @@
     <a:masterClrMapping/>
   </p:clrMapOvr>
   <p:transition/>
+  <p:timing>
+    <p:tnLst>
+      <p:par>
+        <p:cTn id="1" dur="indefinite" restart="never" nodeType="tmRoot"/>
+      </p:par>
+    </p:tnLst>
+  </p:timing>
 </p:sld>
 </file>
 
@@ -12606,6 +12833,13 @@
     <a:masterClrMapping/>
   </p:clrMapOvr>
   <p:transition/>
+  <p:timing>
+    <p:tnLst>
+      <p:par>
+        <p:cTn id="1" dur="indefinite" restart="never" nodeType="tmRoot"/>
+      </p:par>
+    </p:tnLst>
+  </p:timing>
 </p:sld>
 </file>
 
@@ -12946,6 +13180,13 @@
   <p:clrMapOvr>
     <a:masterClrMapping/>
   </p:clrMapOvr>
+  <p:timing>
+    <p:tnLst>
+      <p:par>
+        <p:cTn id="1" dur="indefinite" restart="never" nodeType="tmRoot"/>
+      </p:par>
+    </p:tnLst>
+  </p:timing>
 </p:sld>
 </file>
 
@@ -13029,6 +13270,13 @@
   <p:clrMapOvr>
     <a:masterClrMapping/>
   </p:clrMapOvr>
+  <p:timing>
+    <p:tnLst>
+      <p:par>
+        <p:cTn id="1" dur="indefinite" restart="never" nodeType="tmRoot"/>
+      </p:par>
+    </p:tnLst>
+  </p:timing>
 </p:sld>
 </file>
 
@@ -13189,6 +13437,13 @@
   <p:clrMapOvr>
     <a:masterClrMapping/>
   </p:clrMapOvr>
+  <p:timing>
+    <p:tnLst>
+      <p:par>
+        <p:cTn id="1" dur="indefinite" restart="never" nodeType="tmRoot"/>
+      </p:par>
+    </p:tnLst>
+  </p:timing>
 </p:sld>
 </file>
 
@@ -13665,6 +13920,13 @@
   <p:clrMapOvr>
     <a:masterClrMapping/>
   </p:clrMapOvr>
+  <p:timing>
+    <p:tnLst>
+      <p:par>
+        <p:cTn id="1" dur="indefinite" restart="never" nodeType="tmRoot"/>
+      </p:par>
+    </p:tnLst>
+  </p:timing>
 </p:sld>
 </file>
 
@@ -13908,6 +14170,13 @@
   <p:clrMapOvr>
     <a:masterClrMapping/>
   </p:clrMapOvr>
+  <p:timing>
+    <p:tnLst>
+      <p:par>
+        <p:cTn id="1" dur="indefinite" restart="never" nodeType="tmRoot"/>
+      </p:par>
+    </p:tnLst>
+  </p:timing>
 </p:sld>
 </file>
 
@@ -15887,6 +16156,24 @@
               </a:rPr>
               <a:t>човека</a:t>
             </a:r>
+            <a:r>
+              <a:rPr lang="en-US" sz="2600" b="1" noProof="1">
+                <a:solidFill>
+                  <a:schemeClr val="tx2">
+                    <a:lumMod val="75000"/>
+                  </a:schemeClr>
+                </a:solidFill>
+                <a:effectLst>
+                  <a:outerShdw blurRad="38100" dist="38100" dir="2700000" algn="tl">
+                    <a:srgbClr val="000000">
+                      <a:alpha val="43137"/>
+                    </a:srgbClr>
+                  </a:outerShdw>
+                </a:effectLst>
+                <a:cs typeface="Consolas" pitchFamily="49" charset="0"/>
+              </a:rPr>
+              <a:t/>
+            </a:r>
             <a:br>
               <a:rPr lang="en-US" sz="2600" b="1" noProof="1">
                 <a:solidFill>
@@ -16122,6 +16409,184 @@
           </a:p>
         </p:txBody>
       </p:sp>
+      <p:sp>
+        <p:nvSpPr>
+          <p:cNvPr id="13" name="Текстово поле 8">
+            <a:extLst>
+              <a:ext uri="{FF2B5EF4-FFF2-40B4-BE49-F238E27FC236}">
+                <a16:creationId xmlns:a16="http://schemas.microsoft.com/office/drawing/2014/main" id="{B775C725-2D35-46A8-AC07-A0FDF9684789}"/>
+              </a:ext>
+            </a:extLst>
+          </p:cNvPr>
+          <p:cNvSpPr txBox="1"/>
+          <p:nvPr/>
+        </p:nvSpPr>
+        <p:spPr>
+          <a:xfrm>
+            <a:off x="431791" y="6218094"/>
+            <a:ext cx="10820400" cy="470000"/>
+          </a:xfrm>
+          <a:prstGeom prst="rect">
+            <a:avLst/>
+          </a:prstGeom>
+          <a:noFill/>
+        </p:spPr>
+        <p:txBody>
+          <a:bodyPr wrap="square">
+            <a:spAutoFit/>
+          </a:bodyPr>
+          <a:lstStyle>
+            <a:defPPr>
+              <a:defRPr lang="en-US"/>
+            </a:defPPr>
+            <a:lvl1pPr marL="0" algn="l" defTabSz="1218987" rtl="0" eaLnBrk="1" latinLnBrk="0" hangingPunct="1">
+              <a:defRPr sz="2400" kern="1200">
+                <a:solidFill>
+                  <a:schemeClr val="tx1"/>
+                </a:solidFill>
+                <a:latin typeface="+mn-lt"/>
+                <a:ea typeface="+mn-ea"/>
+                <a:cs typeface="+mn-cs"/>
+              </a:defRPr>
+            </a:lvl1pPr>
+            <a:lvl2pPr marL="609493" algn="l" defTabSz="1218987" rtl="0" eaLnBrk="1" latinLnBrk="0" hangingPunct="1">
+              <a:defRPr sz="2400" kern="1200">
+                <a:solidFill>
+                  <a:schemeClr val="tx1"/>
+                </a:solidFill>
+                <a:latin typeface="+mn-lt"/>
+                <a:ea typeface="+mn-ea"/>
+                <a:cs typeface="+mn-cs"/>
+              </a:defRPr>
+            </a:lvl2pPr>
+            <a:lvl3pPr marL="1218987" algn="l" defTabSz="1218987" rtl="0" eaLnBrk="1" latinLnBrk="0" hangingPunct="1">
+              <a:defRPr sz="2400" kern="1200">
+                <a:solidFill>
+                  <a:schemeClr val="tx1"/>
+                </a:solidFill>
+                <a:latin typeface="+mn-lt"/>
+                <a:ea typeface="+mn-ea"/>
+                <a:cs typeface="+mn-cs"/>
+              </a:defRPr>
+            </a:lvl3pPr>
+            <a:lvl4pPr marL="1828480" algn="l" defTabSz="1218987" rtl="0" eaLnBrk="1" latinLnBrk="0" hangingPunct="1">
+              <a:defRPr sz="2400" kern="1200">
+                <a:solidFill>
+                  <a:schemeClr val="tx1"/>
+                </a:solidFill>
+                <a:latin typeface="+mn-lt"/>
+                <a:ea typeface="+mn-ea"/>
+                <a:cs typeface="+mn-cs"/>
+              </a:defRPr>
+            </a:lvl4pPr>
+            <a:lvl5pPr marL="2437973" algn="l" defTabSz="1218987" rtl="0" eaLnBrk="1" latinLnBrk="0" hangingPunct="1">
+              <a:defRPr sz="2400" kern="1200">
+                <a:solidFill>
+                  <a:schemeClr val="tx1"/>
+                </a:solidFill>
+                <a:latin typeface="+mn-lt"/>
+                <a:ea typeface="+mn-ea"/>
+                <a:cs typeface="+mn-cs"/>
+              </a:defRPr>
+            </a:lvl5pPr>
+            <a:lvl6pPr marL="3047467" algn="l" defTabSz="1218987" rtl="0" eaLnBrk="1" latinLnBrk="0" hangingPunct="1">
+              <a:defRPr sz="2400" kern="1200">
+                <a:solidFill>
+                  <a:schemeClr val="tx1"/>
+                </a:solidFill>
+                <a:latin typeface="+mn-lt"/>
+                <a:ea typeface="+mn-ea"/>
+                <a:cs typeface="+mn-cs"/>
+              </a:defRPr>
+            </a:lvl6pPr>
+            <a:lvl7pPr marL="3656960" algn="l" defTabSz="1218987" rtl="0" eaLnBrk="1" latinLnBrk="0" hangingPunct="1">
+              <a:defRPr sz="2400" kern="1200">
+                <a:solidFill>
+                  <a:schemeClr val="tx1"/>
+                </a:solidFill>
+                <a:latin typeface="+mn-lt"/>
+                <a:ea typeface="+mn-ea"/>
+                <a:cs typeface="+mn-cs"/>
+              </a:defRPr>
+            </a:lvl7pPr>
+            <a:lvl8pPr marL="4266453" algn="l" defTabSz="1218987" rtl="0" eaLnBrk="1" latinLnBrk="0" hangingPunct="1">
+              <a:defRPr sz="2400" kern="1200">
+                <a:solidFill>
+                  <a:schemeClr val="tx1"/>
+                </a:solidFill>
+                <a:latin typeface="+mn-lt"/>
+                <a:ea typeface="+mn-ea"/>
+                <a:cs typeface="+mn-cs"/>
+              </a:defRPr>
+            </a:lvl8pPr>
+            <a:lvl9pPr marL="4875947" algn="l" defTabSz="1218987" rtl="0" eaLnBrk="1" latinLnBrk="0" hangingPunct="1">
+              <a:defRPr sz="2400" kern="1200">
+                <a:solidFill>
+                  <a:schemeClr val="tx1"/>
+                </a:solidFill>
+                <a:latin typeface="+mn-lt"/>
+                <a:ea typeface="+mn-ea"/>
+                <a:cs typeface="+mn-cs"/>
+              </a:defRPr>
+            </a:lvl9pPr>
+          </a:lstStyle>
+          <a:p>
+            <a:pPr algn="ctr">
+              <a:lnSpc>
+                <a:spcPct val="107000"/>
+              </a:lnSpc>
+            </a:pPr>
+            <a:r>
+              <a:rPr lang="bg-BG" sz="2400" dirty="0">
+                <a:effectLst/>
+                <a:latin typeface="Calibri" panose="020F0502020204030204" pitchFamily="34" charset="0"/>
+                <a:ea typeface="Calibri" panose="020F0502020204030204" pitchFamily="34" charset="0"/>
+                <a:cs typeface="Times New Roman" panose="02020603050405020304" pitchFamily="18" charset="0"/>
+              </a:rPr>
+              <a:t>Тествайте в </a:t>
+            </a:r>
+            <a:r>
+              <a:rPr lang="en-US" sz="2400" dirty="0" smtClean="0">
+                <a:effectLst/>
+                <a:latin typeface="Calibri" panose="020F0502020204030204" pitchFamily="34" charset="0"/>
+                <a:ea typeface="Calibri" panose="020F0502020204030204" pitchFamily="34" charset="0"/>
+                <a:cs typeface="Times New Roman" panose="02020603050405020304" pitchFamily="18" charset="0"/>
+              </a:rPr>
+              <a:t>Judge: </a:t>
+            </a:r>
+            <a:r>
+              <a:rPr lang="en-US" u="sng" dirty="0">
+                <a:solidFill>
+                  <a:srgbClr val="0563C1"/>
+                </a:solidFill>
+                <a:latin typeface="Calibri" panose="020F0502020204030204" pitchFamily="34" charset="0"/>
+                <a:ea typeface="Calibri" panose="020F0502020204030204" pitchFamily="34" charset="0"/>
+                <a:cs typeface="Times New Roman" panose="02020603050405020304" pitchFamily="18" charset="0"/>
+                <a:hlinkClick r:id="rId2"/>
+              </a:rPr>
+              <a:t>https://</a:t>
+            </a:r>
+            <a:r>
+              <a:rPr lang="en-US" u="sng" dirty="0" smtClean="0">
+                <a:solidFill>
+                  <a:srgbClr val="0563C1"/>
+                </a:solidFill>
+                <a:latin typeface="Calibri" panose="020F0502020204030204" pitchFamily="34" charset="0"/>
+                <a:ea typeface="Calibri" panose="020F0502020204030204" pitchFamily="34" charset="0"/>
+                <a:cs typeface="Times New Roman" panose="02020603050405020304" pitchFamily="18" charset="0"/>
+                <a:hlinkClick r:id="rId2"/>
+              </a:rPr>
+              <a:t>judge.softuni.bg/Contests/2649</a:t>
+            </a:r>
+            <a:endParaRPr lang="en-US" sz="2400" dirty="0">
+              <a:effectLst/>
+              <a:latin typeface="Calibri" panose="020F0502020204030204" pitchFamily="34" charset="0"/>
+              <a:ea typeface="Calibri" panose="020F0502020204030204" pitchFamily="34" charset="0"/>
+              <a:cs typeface="Times New Roman" panose="02020603050405020304" pitchFamily="18" charset="0"/>
+            </a:endParaRPr>
+          </a:p>
+        </p:txBody>
+      </p:sp>
     </p:spTree>
     <p:extLst>
       <p:ext uri="{BB962C8B-B14F-4D97-AF65-F5344CB8AC3E}">
@@ -16132,6 +16597,13 @@
   <p:clrMapOvr>
     <a:masterClrMapping/>
   </p:clrMapOvr>
+  <p:timing>
+    <p:tnLst>
+      <p:par>
+        <p:cTn id="1" dur="indefinite" restart="never" nodeType="tmRoot"/>
+      </p:par>
+    </p:tnLst>
+  </p:timing>
 </p:sld>
 </file>
 
@@ -17479,6 +17951,184 @@
           </a:p>
         </p:txBody>
       </p:sp>
+      <p:sp>
+        <p:nvSpPr>
+          <p:cNvPr id="15" name="Текстово поле 8">
+            <a:extLst>
+              <a:ext uri="{FF2B5EF4-FFF2-40B4-BE49-F238E27FC236}">
+                <a16:creationId xmlns:a16="http://schemas.microsoft.com/office/drawing/2014/main" id="{B775C725-2D35-46A8-AC07-A0FDF9684789}"/>
+              </a:ext>
+            </a:extLst>
+          </p:cNvPr>
+          <p:cNvSpPr txBox="1"/>
+          <p:nvPr/>
+        </p:nvSpPr>
+        <p:spPr>
+          <a:xfrm>
+            <a:off x="431791" y="6218094"/>
+            <a:ext cx="10820400" cy="487506"/>
+          </a:xfrm>
+          <a:prstGeom prst="rect">
+            <a:avLst/>
+          </a:prstGeom>
+          <a:noFill/>
+        </p:spPr>
+        <p:txBody>
+          <a:bodyPr wrap="square">
+            <a:spAutoFit/>
+          </a:bodyPr>
+          <a:lstStyle>
+            <a:defPPr>
+              <a:defRPr lang="en-US"/>
+            </a:defPPr>
+            <a:lvl1pPr marL="0" algn="l" defTabSz="1218987" rtl="0" eaLnBrk="1" latinLnBrk="0" hangingPunct="1">
+              <a:defRPr sz="2400" kern="1200">
+                <a:solidFill>
+                  <a:schemeClr val="tx1"/>
+                </a:solidFill>
+                <a:latin typeface="+mn-lt"/>
+                <a:ea typeface="+mn-ea"/>
+                <a:cs typeface="+mn-cs"/>
+              </a:defRPr>
+            </a:lvl1pPr>
+            <a:lvl2pPr marL="609493" algn="l" defTabSz="1218987" rtl="0" eaLnBrk="1" latinLnBrk="0" hangingPunct="1">
+              <a:defRPr sz="2400" kern="1200">
+                <a:solidFill>
+                  <a:schemeClr val="tx1"/>
+                </a:solidFill>
+                <a:latin typeface="+mn-lt"/>
+                <a:ea typeface="+mn-ea"/>
+                <a:cs typeface="+mn-cs"/>
+              </a:defRPr>
+            </a:lvl2pPr>
+            <a:lvl3pPr marL="1218987" algn="l" defTabSz="1218987" rtl="0" eaLnBrk="1" latinLnBrk="0" hangingPunct="1">
+              <a:defRPr sz="2400" kern="1200">
+                <a:solidFill>
+                  <a:schemeClr val="tx1"/>
+                </a:solidFill>
+                <a:latin typeface="+mn-lt"/>
+                <a:ea typeface="+mn-ea"/>
+                <a:cs typeface="+mn-cs"/>
+              </a:defRPr>
+            </a:lvl3pPr>
+            <a:lvl4pPr marL="1828480" algn="l" defTabSz="1218987" rtl="0" eaLnBrk="1" latinLnBrk="0" hangingPunct="1">
+              <a:defRPr sz="2400" kern="1200">
+                <a:solidFill>
+                  <a:schemeClr val="tx1"/>
+                </a:solidFill>
+                <a:latin typeface="+mn-lt"/>
+                <a:ea typeface="+mn-ea"/>
+                <a:cs typeface="+mn-cs"/>
+              </a:defRPr>
+            </a:lvl4pPr>
+            <a:lvl5pPr marL="2437973" algn="l" defTabSz="1218987" rtl="0" eaLnBrk="1" latinLnBrk="0" hangingPunct="1">
+              <a:defRPr sz="2400" kern="1200">
+                <a:solidFill>
+                  <a:schemeClr val="tx1"/>
+                </a:solidFill>
+                <a:latin typeface="+mn-lt"/>
+                <a:ea typeface="+mn-ea"/>
+                <a:cs typeface="+mn-cs"/>
+              </a:defRPr>
+            </a:lvl5pPr>
+            <a:lvl6pPr marL="3047467" algn="l" defTabSz="1218987" rtl="0" eaLnBrk="1" latinLnBrk="0" hangingPunct="1">
+              <a:defRPr sz="2400" kern="1200">
+                <a:solidFill>
+                  <a:schemeClr val="tx1"/>
+                </a:solidFill>
+                <a:latin typeface="+mn-lt"/>
+                <a:ea typeface="+mn-ea"/>
+                <a:cs typeface="+mn-cs"/>
+              </a:defRPr>
+            </a:lvl6pPr>
+            <a:lvl7pPr marL="3656960" algn="l" defTabSz="1218987" rtl="0" eaLnBrk="1" latinLnBrk="0" hangingPunct="1">
+              <a:defRPr sz="2400" kern="1200">
+                <a:solidFill>
+                  <a:schemeClr val="tx1"/>
+                </a:solidFill>
+                <a:latin typeface="+mn-lt"/>
+                <a:ea typeface="+mn-ea"/>
+                <a:cs typeface="+mn-cs"/>
+              </a:defRPr>
+            </a:lvl7pPr>
+            <a:lvl8pPr marL="4266453" algn="l" defTabSz="1218987" rtl="0" eaLnBrk="1" latinLnBrk="0" hangingPunct="1">
+              <a:defRPr sz="2400" kern="1200">
+                <a:solidFill>
+                  <a:schemeClr val="tx1"/>
+                </a:solidFill>
+                <a:latin typeface="+mn-lt"/>
+                <a:ea typeface="+mn-ea"/>
+                <a:cs typeface="+mn-cs"/>
+              </a:defRPr>
+            </a:lvl8pPr>
+            <a:lvl9pPr marL="4875947" algn="l" defTabSz="1218987" rtl="0" eaLnBrk="1" latinLnBrk="0" hangingPunct="1">
+              <a:defRPr sz="2400" kern="1200">
+                <a:solidFill>
+                  <a:schemeClr val="tx1"/>
+                </a:solidFill>
+                <a:latin typeface="+mn-lt"/>
+                <a:ea typeface="+mn-ea"/>
+                <a:cs typeface="+mn-cs"/>
+              </a:defRPr>
+            </a:lvl9pPr>
+          </a:lstStyle>
+          <a:p>
+            <a:pPr algn="ctr">
+              <a:lnSpc>
+                <a:spcPct val="107000"/>
+              </a:lnSpc>
+            </a:pPr>
+            <a:r>
+              <a:rPr lang="bg-BG" sz="2400" dirty="0">
+                <a:effectLst/>
+                <a:latin typeface="Calibri" panose="020F0502020204030204" pitchFamily="34" charset="0"/>
+                <a:ea typeface="Calibri" panose="020F0502020204030204" pitchFamily="34" charset="0"/>
+                <a:cs typeface="Times New Roman" panose="02020603050405020304" pitchFamily="18" charset="0"/>
+              </a:rPr>
+              <a:t>Тествайте в </a:t>
+            </a:r>
+            <a:r>
+              <a:rPr lang="en-US" sz="2400" dirty="0" smtClean="0">
+                <a:effectLst/>
+                <a:latin typeface="Calibri" panose="020F0502020204030204" pitchFamily="34" charset="0"/>
+                <a:ea typeface="Calibri" panose="020F0502020204030204" pitchFamily="34" charset="0"/>
+                <a:cs typeface="Times New Roman" panose="02020603050405020304" pitchFamily="18" charset="0"/>
+              </a:rPr>
+              <a:t>Judge: </a:t>
+            </a:r>
+            <a:r>
+              <a:rPr lang="en-US" u="sng" dirty="0">
+                <a:solidFill>
+                  <a:srgbClr val="0563C1"/>
+                </a:solidFill>
+                <a:latin typeface="Calibri" panose="020F0502020204030204" pitchFamily="34" charset="0"/>
+                <a:ea typeface="Calibri" panose="020F0502020204030204" pitchFamily="34" charset="0"/>
+                <a:cs typeface="Times New Roman" panose="02020603050405020304" pitchFamily="18" charset="0"/>
+                <a:hlinkClick r:id="rId4"/>
+              </a:rPr>
+              <a:t>https://</a:t>
+            </a:r>
+            <a:r>
+              <a:rPr lang="en-US" u="sng" dirty="0" smtClean="0">
+                <a:solidFill>
+                  <a:srgbClr val="0563C1"/>
+                </a:solidFill>
+                <a:latin typeface="Calibri" panose="020F0502020204030204" pitchFamily="34" charset="0"/>
+                <a:ea typeface="Calibri" panose="020F0502020204030204" pitchFamily="34" charset="0"/>
+                <a:cs typeface="Times New Roman" panose="02020603050405020304" pitchFamily="18" charset="0"/>
+                <a:hlinkClick r:id="rId4"/>
+              </a:rPr>
+              <a:t>judge.softuni.bg/Contests/2649</a:t>
+            </a:r>
+            <a:endParaRPr lang="en-US" sz="2400" dirty="0">
+              <a:effectLst/>
+              <a:latin typeface="Calibri" panose="020F0502020204030204" pitchFamily="34" charset="0"/>
+              <a:ea typeface="Calibri" panose="020F0502020204030204" pitchFamily="34" charset="0"/>
+              <a:cs typeface="Times New Roman" panose="02020603050405020304" pitchFamily="18" charset="0"/>
+            </a:endParaRPr>
+          </a:p>
+        </p:txBody>
+      </p:sp>
     </p:spTree>
     <p:extLst>
       <p:ext uri="{BB962C8B-B14F-4D97-AF65-F5344CB8AC3E}">
@@ -17489,6 +18139,13 @@
   <p:clrMapOvr>
     <a:masterClrMapping/>
   </p:clrMapOvr>
+  <p:timing>
+    <p:tnLst>
+      <p:par>
+        <p:cTn id="1" dur="indefinite" restart="never" nodeType="tmRoot"/>
+      </p:par>
+    </p:tnLst>
+  </p:timing>
 </p:sld>
 </file>
 
@@ -17939,6 +18596,13 @@
   <p:clrMapOvr>
     <a:masterClrMapping/>
   </p:clrMapOvr>
+  <p:timing>
+    <p:tnLst>
+      <p:par>
+        <p:cTn id="1" dur="indefinite" restart="never" nodeType="tmRoot"/>
+      </p:par>
+    </p:tnLst>
+  </p:timing>
 </p:sld>
 </file>
 
@@ -18158,7 +18822,7 @@
         </p:nvSpPr>
         <p:spPr bwMode="auto">
           <a:xfrm>
-            <a:off x="1144908" y="4490575"/>
+            <a:off x="1144908" y="4336227"/>
             <a:ext cx="914400" cy="692085"/>
           </a:xfrm>
           <a:prstGeom prst="rect">
@@ -18228,7 +18892,7 @@
         </p:nvSpPr>
         <p:spPr bwMode="auto">
           <a:xfrm>
-            <a:off x="3006294" y="3202348"/>
+            <a:off x="3006294" y="3048000"/>
             <a:ext cx="2478517" cy="3274652"/>
           </a:xfrm>
           <a:prstGeom prst="rect">
@@ -18482,7 +19146,7 @@
         </p:nvSpPr>
         <p:spPr>
           <a:xfrm>
-            <a:off x="2319658" y="4649174"/>
+            <a:off x="2319658" y="4494826"/>
             <a:ext cx="457200" cy="381000"/>
           </a:xfrm>
           <a:prstGeom prst="rightArrow">
@@ -18524,7 +19188,7 @@
         </p:nvSpPr>
         <p:spPr bwMode="auto">
           <a:xfrm>
-            <a:off x="5484812" y="3202348"/>
+            <a:off x="5484812" y="3048000"/>
             <a:ext cx="2663482" cy="3274652"/>
           </a:xfrm>
           <a:prstGeom prst="rect">
@@ -18780,7 +19444,7 @@
         </p:nvSpPr>
         <p:spPr bwMode="auto">
           <a:xfrm>
-            <a:off x="8148294" y="3202348"/>
+            <a:off x="8148294" y="3048000"/>
             <a:ext cx="2594318" cy="3274652"/>
           </a:xfrm>
           <a:prstGeom prst="rect">
@@ -19083,6 +19747,184 @@
           </a:p>
         </p:txBody>
       </p:sp>
+      <p:sp>
+        <p:nvSpPr>
+          <p:cNvPr id="12" name="Текстово поле 8">
+            <a:extLst>
+              <a:ext uri="{FF2B5EF4-FFF2-40B4-BE49-F238E27FC236}">
+                <a16:creationId xmlns:a16="http://schemas.microsoft.com/office/drawing/2014/main" id="{B775C725-2D35-46A8-AC07-A0FDF9684789}"/>
+              </a:ext>
+            </a:extLst>
+          </p:cNvPr>
+          <p:cNvSpPr txBox="1"/>
+          <p:nvPr/>
+        </p:nvSpPr>
+        <p:spPr>
+          <a:xfrm>
+            <a:off x="431791" y="6294294"/>
+            <a:ext cx="10820400" cy="487506"/>
+          </a:xfrm>
+          <a:prstGeom prst="rect">
+            <a:avLst/>
+          </a:prstGeom>
+          <a:noFill/>
+        </p:spPr>
+        <p:txBody>
+          <a:bodyPr wrap="square">
+            <a:spAutoFit/>
+          </a:bodyPr>
+          <a:lstStyle>
+            <a:defPPr>
+              <a:defRPr lang="en-US"/>
+            </a:defPPr>
+            <a:lvl1pPr marL="0" algn="l" defTabSz="1218987" rtl="0" eaLnBrk="1" latinLnBrk="0" hangingPunct="1">
+              <a:defRPr sz="2400" kern="1200">
+                <a:solidFill>
+                  <a:schemeClr val="tx1"/>
+                </a:solidFill>
+                <a:latin typeface="+mn-lt"/>
+                <a:ea typeface="+mn-ea"/>
+                <a:cs typeface="+mn-cs"/>
+              </a:defRPr>
+            </a:lvl1pPr>
+            <a:lvl2pPr marL="609493" algn="l" defTabSz="1218987" rtl="0" eaLnBrk="1" latinLnBrk="0" hangingPunct="1">
+              <a:defRPr sz="2400" kern="1200">
+                <a:solidFill>
+                  <a:schemeClr val="tx1"/>
+                </a:solidFill>
+                <a:latin typeface="+mn-lt"/>
+                <a:ea typeface="+mn-ea"/>
+                <a:cs typeface="+mn-cs"/>
+              </a:defRPr>
+            </a:lvl2pPr>
+            <a:lvl3pPr marL="1218987" algn="l" defTabSz="1218987" rtl="0" eaLnBrk="1" latinLnBrk="0" hangingPunct="1">
+              <a:defRPr sz="2400" kern="1200">
+                <a:solidFill>
+                  <a:schemeClr val="tx1"/>
+                </a:solidFill>
+                <a:latin typeface="+mn-lt"/>
+                <a:ea typeface="+mn-ea"/>
+                <a:cs typeface="+mn-cs"/>
+              </a:defRPr>
+            </a:lvl3pPr>
+            <a:lvl4pPr marL="1828480" algn="l" defTabSz="1218987" rtl="0" eaLnBrk="1" latinLnBrk="0" hangingPunct="1">
+              <a:defRPr sz="2400" kern="1200">
+                <a:solidFill>
+                  <a:schemeClr val="tx1"/>
+                </a:solidFill>
+                <a:latin typeface="+mn-lt"/>
+                <a:ea typeface="+mn-ea"/>
+                <a:cs typeface="+mn-cs"/>
+              </a:defRPr>
+            </a:lvl4pPr>
+            <a:lvl5pPr marL="2437973" algn="l" defTabSz="1218987" rtl="0" eaLnBrk="1" latinLnBrk="0" hangingPunct="1">
+              <a:defRPr sz="2400" kern="1200">
+                <a:solidFill>
+                  <a:schemeClr val="tx1"/>
+                </a:solidFill>
+                <a:latin typeface="+mn-lt"/>
+                <a:ea typeface="+mn-ea"/>
+                <a:cs typeface="+mn-cs"/>
+              </a:defRPr>
+            </a:lvl5pPr>
+            <a:lvl6pPr marL="3047467" algn="l" defTabSz="1218987" rtl="0" eaLnBrk="1" latinLnBrk="0" hangingPunct="1">
+              <a:defRPr sz="2400" kern="1200">
+                <a:solidFill>
+                  <a:schemeClr val="tx1"/>
+                </a:solidFill>
+                <a:latin typeface="+mn-lt"/>
+                <a:ea typeface="+mn-ea"/>
+                <a:cs typeface="+mn-cs"/>
+              </a:defRPr>
+            </a:lvl6pPr>
+            <a:lvl7pPr marL="3656960" algn="l" defTabSz="1218987" rtl="0" eaLnBrk="1" latinLnBrk="0" hangingPunct="1">
+              <a:defRPr sz="2400" kern="1200">
+                <a:solidFill>
+                  <a:schemeClr val="tx1"/>
+                </a:solidFill>
+                <a:latin typeface="+mn-lt"/>
+                <a:ea typeface="+mn-ea"/>
+                <a:cs typeface="+mn-cs"/>
+              </a:defRPr>
+            </a:lvl7pPr>
+            <a:lvl8pPr marL="4266453" algn="l" defTabSz="1218987" rtl="0" eaLnBrk="1" latinLnBrk="0" hangingPunct="1">
+              <a:defRPr sz="2400" kern="1200">
+                <a:solidFill>
+                  <a:schemeClr val="tx1"/>
+                </a:solidFill>
+                <a:latin typeface="+mn-lt"/>
+                <a:ea typeface="+mn-ea"/>
+                <a:cs typeface="+mn-cs"/>
+              </a:defRPr>
+            </a:lvl8pPr>
+            <a:lvl9pPr marL="4875947" algn="l" defTabSz="1218987" rtl="0" eaLnBrk="1" latinLnBrk="0" hangingPunct="1">
+              <a:defRPr sz="2400" kern="1200">
+                <a:solidFill>
+                  <a:schemeClr val="tx1"/>
+                </a:solidFill>
+                <a:latin typeface="+mn-lt"/>
+                <a:ea typeface="+mn-ea"/>
+                <a:cs typeface="+mn-cs"/>
+              </a:defRPr>
+            </a:lvl9pPr>
+          </a:lstStyle>
+          <a:p>
+            <a:pPr algn="ctr">
+              <a:lnSpc>
+                <a:spcPct val="107000"/>
+              </a:lnSpc>
+            </a:pPr>
+            <a:r>
+              <a:rPr lang="bg-BG" sz="2400" dirty="0">
+                <a:effectLst/>
+                <a:latin typeface="Calibri" panose="020F0502020204030204" pitchFamily="34" charset="0"/>
+                <a:ea typeface="Calibri" panose="020F0502020204030204" pitchFamily="34" charset="0"/>
+                <a:cs typeface="Times New Roman" panose="02020603050405020304" pitchFamily="18" charset="0"/>
+              </a:rPr>
+              <a:t>Тествайте в </a:t>
+            </a:r>
+            <a:r>
+              <a:rPr lang="en-US" sz="2400" dirty="0" smtClean="0">
+                <a:effectLst/>
+                <a:latin typeface="Calibri" panose="020F0502020204030204" pitchFamily="34" charset="0"/>
+                <a:ea typeface="Calibri" panose="020F0502020204030204" pitchFamily="34" charset="0"/>
+                <a:cs typeface="Times New Roman" panose="02020603050405020304" pitchFamily="18" charset="0"/>
+              </a:rPr>
+              <a:t>Judge: </a:t>
+            </a:r>
+            <a:r>
+              <a:rPr lang="en-US" u="sng" dirty="0">
+                <a:solidFill>
+                  <a:srgbClr val="0563C1"/>
+                </a:solidFill>
+                <a:latin typeface="Calibri" panose="020F0502020204030204" pitchFamily="34" charset="0"/>
+                <a:ea typeface="Calibri" panose="020F0502020204030204" pitchFamily="34" charset="0"/>
+                <a:cs typeface="Times New Roman" panose="02020603050405020304" pitchFamily="18" charset="0"/>
+                <a:hlinkClick r:id="rId3"/>
+              </a:rPr>
+              <a:t>https://</a:t>
+            </a:r>
+            <a:r>
+              <a:rPr lang="en-US" u="sng" dirty="0" smtClean="0">
+                <a:solidFill>
+                  <a:srgbClr val="0563C1"/>
+                </a:solidFill>
+                <a:latin typeface="Calibri" panose="020F0502020204030204" pitchFamily="34" charset="0"/>
+                <a:ea typeface="Calibri" panose="020F0502020204030204" pitchFamily="34" charset="0"/>
+                <a:cs typeface="Times New Roman" panose="02020603050405020304" pitchFamily="18" charset="0"/>
+                <a:hlinkClick r:id="rId3"/>
+              </a:rPr>
+              <a:t>judge.softuni.bg/Contests/2649</a:t>
+            </a:r>
+            <a:endParaRPr lang="en-US" sz="2400" dirty="0">
+              <a:effectLst/>
+              <a:latin typeface="Calibri" panose="020F0502020204030204" pitchFamily="34" charset="0"/>
+              <a:ea typeface="Calibri" panose="020F0502020204030204" pitchFamily="34" charset="0"/>
+              <a:cs typeface="Times New Roman" panose="02020603050405020304" pitchFamily="18" charset="0"/>
+            </a:endParaRPr>
+          </a:p>
+        </p:txBody>
+      </p:sp>
     </p:spTree>
     <p:extLst>
       <p:ext uri="{BB962C8B-B14F-4D97-AF65-F5344CB8AC3E}">
@@ -19093,6 +19935,13 @@
   <p:clrMapOvr>
     <a:masterClrMapping/>
   </p:clrMapOvr>
+  <p:timing>
+    <p:tnLst>
+      <p:par>
+        <p:cTn id="1" dur="indefinite" restart="never" nodeType="tmRoot"/>
+      </p:par>
+    </p:tnLst>
+  </p:timing>
 </p:sld>
 </file>
 

--- a/Courses/Applied-Programmer/Programming-Fundamentals/02-Типове-данни/07.Типове-данни-преобразуване-на-типове.pptx
+++ b/Courses/Applied-Programmer/Programming-Fundamentals/02-Типове-данни/07.Типове-данни-преобразуване-на-типове.pptx
@@ -367,7 +367,7 @@
             <a:fld id="{FE5B4EDC-59C0-49C7-8ADA-5A781B329E02}" type="datetimeFigureOut">
               <a:rPr lang="en-US"/>
               <a:pPr/>
-              <a:t>11-Nov-20</a:t>
+              <a:t>19-Nov-20</a:t>
             </a:fld>
             <a:endParaRPr dirty="0"/>
           </a:p>
@@ -665,7 +665,7 @@
             <a:fld id="{F2D8D46A-B586-417D-BFBD-8C8FE0AAF762}" type="datetimeFigureOut">
               <a:rPr lang="en-US" smtClean="0"/>
               <a:pPr/>
-              <a:t>11-Nov-20</a:t>
+              <a:t>19-Nov-20</a:t>
             </a:fld>
             <a:endParaRPr lang="en-US" dirty="0"/>
           </a:p>
@@ -4839,10 +4839,10 @@
         </p:nvGrpSpPr>
         <p:grpSpPr>
           <a:xfrm>
-            <a:off x="760412" y="3583505"/>
-            <a:ext cx="5043827" cy="2524722"/>
-            <a:chOff x="745783" y="3624633"/>
-            <a:chExt cx="5043827" cy="2524722"/>
+            <a:off x="303212" y="3583505"/>
+            <a:ext cx="5501027" cy="2772674"/>
+            <a:chOff x="288583" y="3624633"/>
+            <a:chExt cx="5501027" cy="2772674"/>
           </a:xfrm>
         </p:grpSpPr>
         <p:pic>
@@ -4899,7 +4899,7 @@
           </p:blipFill>
           <p:spPr bwMode="auto">
             <a:xfrm>
-              <a:off x="745783" y="4076772"/>
+              <a:off x="300312" y="4247544"/>
               <a:ext cx="2175525" cy="761165"/>
             </a:xfrm>
             <a:prstGeom prst="roundRect">
@@ -4938,7 +4938,7 @@
           </p:nvSpPr>
           <p:spPr bwMode="auto">
             <a:xfrm>
-              <a:off x="760413" y="4998598"/>
+              <a:off x="300312" y="5102093"/>
               <a:ext cx="3187614" cy="444343"/>
             </a:xfrm>
             <a:prstGeom prst="rect">
@@ -5195,7 +5195,7 @@
           </p:nvSpPr>
           <p:spPr bwMode="auto">
             <a:xfrm>
-              <a:off x="760412" y="5403725"/>
+              <a:off x="288583" y="5546436"/>
               <a:ext cx="3187613" cy="382788"/>
             </a:xfrm>
             <a:prstGeom prst="rect">
@@ -5451,7 +5451,7 @@
           </p:nvSpPr>
           <p:spPr bwMode="auto">
             <a:xfrm>
-              <a:off x="760412" y="5690893"/>
+              <a:off x="300312" y="5938845"/>
               <a:ext cx="3810000" cy="458462"/>
             </a:xfrm>
             <a:prstGeom prst="rect">
@@ -5692,6 +5692,141 @@
           </p:txBody>
         </p:sp>
       </p:grpSp>
+      <p:sp>
+        <p:nvSpPr>
+          <p:cNvPr id="15" name="Text Placeholder 11">
+            <a:extLst>
+              <a:ext uri="{FF2B5EF4-FFF2-40B4-BE49-F238E27FC236}">
+                <a16:creationId xmlns:a16="http://schemas.microsoft.com/office/drawing/2014/main" id="{996EBE11-58D1-4BA6-90A5-F32353A0DAD8}"/>
+              </a:ext>
+            </a:extLst>
+          </p:cNvPr>
+          <p:cNvSpPr txBox="1">
+            <a:spLocks/>
+          </p:cNvSpPr>
+          <p:nvPr/>
+        </p:nvSpPr>
+        <p:spPr bwMode="auto">
+          <a:xfrm>
+            <a:off x="303212" y="6356179"/>
+            <a:ext cx="11885613" cy="349702"/>
+          </a:xfrm>
+          <a:prstGeom prst="rect">
+            <a:avLst/>
+          </a:prstGeom>
+          <a:noFill/>
+          <a:effectLst/>
+        </p:spPr>
+        <p:txBody>
+          <a:bodyPr vert="horz" wrap="square" lIns="36000" tIns="36000" rIns="36000" bIns="36000" rtlCol="0" anchor="ctr" anchorCtr="0">
+            <a:spAutoFit/>
+          </a:bodyPr>
+          <a:lstStyle>
+            <a:defPPr>
+              <a:defRPr lang="en-US"/>
+            </a:defPPr>
+            <a:lvl1pPr marL="0" algn="l" defTabSz="1218987" rtl="0" eaLnBrk="1" latinLnBrk="0" hangingPunct="1">
+              <a:defRPr sz="2400" kern="1200">
+                <a:solidFill>
+                  <a:schemeClr val="tx1"/>
+                </a:solidFill>
+                <a:latin typeface="+mn-lt"/>
+                <a:ea typeface="+mn-ea"/>
+                <a:cs typeface="+mn-cs"/>
+              </a:defRPr>
+            </a:lvl1pPr>
+            <a:lvl2pPr marL="609493" algn="l" defTabSz="1218987" rtl="0" eaLnBrk="1" latinLnBrk="0" hangingPunct="1">
+              <a:defRPr sz="2400" kern="1200">
+                <a:solidFill>
+                  <a:schemeClr val="tx1"/>
+                </a:solidFill>
+                <a:latin typeface="+mn-lt"/>
+                <a:ea typeface="+mn-ea"/>
+                <a:cs typeface="+mn-cs"/>
+              </a:defRPr>
+            </a:lvl2pPr>
+            <a:lvl3pPr marL="1218987" algn="l" defTabSz="1218987" rtl="0" eaLnBrk="1" latinLnBrk="0" hangingPunct="1">
+              <a:defRPr sz="2400" kern="1200">
+                <a:solidFill>
+                  <a:schemeClr val="tx1"/>
+                </a:solidFill>
+                <a:latin typeface="+mn-lt"/>
+                <a:ea typeface="+mn-ea"/>
+                <a:cs typeface="+mn-cs"/>
+              </a:defRPr>
+            </a:lvl3pPr>
+            <a:lvl4pPr marL="1828480" algn="l" defTabSz="1218987" rtl="0" eaLnBrk="1" latinLnBrk="0" hangingPunct="1">
+              <a:defRPr sz="2400" kern="1200">
+                <a:solidFill>
+                  <a:schemeClr val="tx1"/>
+                </a:solidFill>
+                <a:latin typeface="+mn-lt"/>
+                <a:ea typeface="+mn-ea"/>
+                <a:cs typeface="+mn-cs"/>
+              </a:defRPr>
+            </a:lvl4pPr>
+            <a:lvl5pPr marL="2437973" algn="l" defTabSz="1218987" rtl="0" eaLnBrk="1" latinLnBrk="0" hangingPunct="1">
+              <a:defRPr sz="2400" kern="1200">
+                <a:solidFill>
+                  <a:schemeClr val="tx1"/>
+                </a:solidFill>
+                <a:latin typeface="+mn-lt"/>
+                <a:ea typeface="+mn-ea"/>
+                <a:cs typeface="+mn-cs"/>
+              </a:defRPr>
+            </a:lvl5pPr>
+            <a:lvl6pPr marL="3047467" algn="l" defTabSz="1218987" rtl="0" eaLnBrk="1" latinLnBrk="0" hangingPunct="1">
+              <a:defRPr sz="2400" kern="1200">
+                <a:solidFill>
+                  <a:schemeClr val="tx1"/>
+                </a:solidFill>
+                <a:latin typeface="+mn-lt"/>
+                <a:ea typeface="+mn-ea"/>
+                <a:cs typeface="+mn-cs"/>
+              </a:defRPr>
+            </a:lvl6pPr>
+            <a:lvl7pPr marL="3656960" algn="l" defTabSz="1218987" rtl="0" eaLnBrk="1" latinLnBrk="0" hangingPunct="1">
+              <a:defRPr sz="2400" kern="1200">
+                <a:solidFill>
+                  <a:schemeClr val="tx1"/>
+                </a:solidFill>
+                <a:latin typeface="+mn-lt"/>
+                <a:ea typeface="+mn-ea"/>
+                <a:cs typeface="+mn-cs"/>
+              </a:defRPr>
+            </a:lvl7pPr>
+            <a:lvl8pPr marL="4266453" algn="l" defTabSz="1218987" rtl="0" eaLnBrk="1" latinLnBrk="0" hangingPunct="1">
+              <a:defRPr sz="2400" kern="1200">
+                <a:solidFill>
+                  <a:schemeClr val="tx1"/>
+                </a:solidFill>
+                <a:latin typeface="+mn-lt"/>
+                <a:ea typeface="+mn-ea"/>
+                <a:cs typeface="+mn-cs"/>
+              </a:defRPr>
+            </a:lvl8pPr>
+            <a:lvl9pPr marL="4875947" algn="l" defTabSz="1218987" rtl="0" eaLnBrk="1" latinLnBrk="0" hangingPunct="1">
+              <a:defRPr sz="2400" kern="1200">
+                <a:solidFill>
+                  <a:schemeClr val="tx1"/>
+                </a:solidFill>
+                <a:latin typeface="+mn-lt"/>
+                <a:ea typeface="+mn-ea"/>
+                <a:cs typeface="+mn-cs"/>
+              </a:defRPr>
+            </a:lvl9pPr>
+          </a:lstStyle>
+          <a:p>
+            <a:r>
+              <a:rPr lang="en-US" sz="1800" b="1" dirty="0">
+                <a:hlinkClick r:id="rId8"/>
+              </a:rPr>
+              <a:t>https://github.com/BG-IT-Edu/School-Programming/tree/main/Courses/Applied-Programmer/Programming-Fundamentals</a:t>
+            </a:r>
+            <a:endParaRPr lang="en-GB" sz="1800" b="1" dirty="0"/>
+          </a:p>
+        </p:txBody>
+      </p:sp>
     </p:spTree>
     <p:extLst>
       <p:ext uri="{BB962C8B-B14F-4D97-AF65-F5344CB8AC3E}">
@@ -5702,13 +5837,6 @@
   <p:clrMapOvr>
     <a:masterClrMapping/>
   </p:clrMapOvr>
-  <p:timing>
-    <p:tnLst>
-      <p:par>
-        <p:cTn id="1" dur="indefinite" restart="never" nodeType="tmRoot"/>
-      </p:par>
-    </p:tnLst>
-  </p:timing>
 </p:sld>
 </file>
 
@@ -7385,13 +7513,6 @@
     <a:masterClrMapping/>
   </p:clrMapOvr>
   <p:transition/>
-  <p:timing>
-    <p:tnLst>
-      <p:par>
-        <p:cTn id="1" dur="indefinite" restart="never" nodeType="tmRoot"/>
-      </p:par>
-    </p:tnLst>
-  </p:timing>
 </p:sld>
 </file>
 
@@ -7808,13 +7929,6 @@
     <a:masterClrMapping/>
   </p:clrMapOvr>
   <p:transition/>
-  <p:timing>
-    <p:tnLst>
-      <p:par>
-        <p:cTn id="1" dur="indefinite" restart="never" nodeType="tmRoot"/>
-      </p:par>
-    </p:tnLst>
-  </p:timing>
 </p:sld>
 </file>
 
@@ -8694,13 +8808,6 @@
     <a:masterClrMapping/>
   </p:clrMapOvr>
   <p:transition/>
-  <p:timing>
-    <p:tnLst>
-      <p:par>
-        <p:cTn id="1" dur="indefinite" restart="never" nodeType="tmRoot"/>
-      </p:par>
-    </p:tnLst>
-  </p:timing>
 </p:sld>
 </file>
 
@@ -10296,7 +10403,7 @@
               <a:t>Тествайте в </a:t>
             </a:r>
             <a:r>
-              <a:rPr lang="en-US" sz="2400" dirty="0" smtClean="0">
+              <a:rPr lang="en-US" sz="2400" dirty="0">
                 <a:effectLst/>
                 <a:latin typeface="Calibri" panose="020F0502020204030204" pitchFamily="34" charset="0"/>
                 <a:ea typeface="Calibri" panose="020F0502020204030204" pitchFamily="34" charset="0"/>
@@ -10314,19 +10421,7 @@
                 <a:cs typeface="Times New Roman" panose="02020603050405020304" pitchFamily="18" charset="0"/>
                 <a:hlinkClick r:id="rId3"/>
               </a:rPr>
-              <a:t>https://</a:t>
-            </a:r>
-            <a:r>
-              <a:rPr lang="en-US" u="sng" dirty="0" smtClean="0">
-                <a:solidFill>
-                  <a:srgbClr val="0563C1"/>
-                </a:solidFill>
-                <a:latin typeface="Calibri" panose="020F0502020204030204" pitchFamily="34" charset="0"/>
-                <a:ea typeface="Calibri" panose="020F0502020204030204" pitchFamily="34" charset="0"/>
-                <a:cs typeface="Times New Roman" panose="02020603050405020304" pitchFamily="18" charset="0"/>
-                <a:hlinkClick r:id="rId3"/>
-              </a:rPr>
-              <a:t>judge.softuni.bg/Contests/2649</a:t>
+              <a:t>https://judge.softuni.bg/Contests/2649</a:t>
             </a:r>
             <a:endParaRPr lang="en-US" sz="2400" dirty="0">
               <a:effectLst/>
@@ -10347,13 +10442,6 @@
   <p:clrMapOvr>
     <a:masterClrMapping/>
   </p:clrMapOvr>
-  <p:timing>
-    <p:tnLst>
-      <p:par>
-        <p:cTn id="1" dur="indefinite" restart="never" nodeType="tmRoot"/>
-      </p:par>
-    </p:tnLst>
-  </p:timing>
 </p:sld>
 </file>
 
@@ -10968,13 +11056,6 @@
   <p:clrMapOvr>
     <a:masterClrMapping/>
   </p:clrMapOvr>
-  <p:timing>
-    <p:tnLst>
-      <p:par>
-        <p:cTn id="1" dur="indefinite" restart="never" nodeType="tmRoot"/>
-      </p:par>
-    </p:tnLst>
-  </p:timing>
 </p:sld>
 </file>
 
@@ -11462,13 +11543,6 @@
     <a:masterClrMapping/>
   </p:clrMapOvr>
   <p:transition/>
-  <p:timing>
-    <p:tnLst>
-      <p:par>
-        <p:cTn id="1" dur="indefinite" restart="never" nodeType="tmRoot"/>
-      </p:par>
-    </p:tnLst>
-  </p:timing>
 </p:sld>
 </file>
 
@@ -12833,13 +12907,6 @@
     <a:masterClrMapping/>
   </p:clrMapOvr>
   <p:transition/>
-  <p:timing>
-    <p:tnLst>
-      <p:par>
-        <p:cTn id="1" dur="indefinite" restart="never" nodeType="tmRoot"/>
-      </p:par>
-    </p:tnLst>
-  </p:timing>
 </p:sld>
 </file>
 
@@ -13180,13 +13247,6 @@
   <p:clrMapOvr>
     <a:masterClrMapping/>
   </p:clrMapOvr>
-  <p:timing>
-    <p:tnLst>
-      <p:par>
-        <p:cTn id="1" dur="indefinite" restart="never" nodeType="tmRoot"/>
-      </p:par>
-    </p:tnLst>
-  </p:timing>
 </p:sld>
 </file>
 
@@ -13232,31 +13292,136 @@
       </p:sp>
       <p:sp>
         <p:nvSpPr>
-          <p:cNvPr id="3" name="Text Placeholder 2"/>
-          <p:cNvSpPr>
-            <a:spLocks noGrp="1"/>
+          <p:cNvPr id="6" name="Text Placeholder 11">
+            <a:extLst>
+              <a:ext uri="{FF2B5EF4-FFF2-40B4-BE49-F238E27FC236}">
+                <a16:creationId xmlns:a16="http://schemas.microsoft.com/office/drawing/2014/main" id="{D88BCAAF-AB5F-41F3-A3A4-5337D14261EE}"/>
+              </a:ext>
+            </a:extLst>
+          </p:cNvPr>
+          <p:cNvSpPr txBox="1">
+            <a:spLocks/>
           </p:cNvSpPr>
-          <p:nvPr>
-            <p:ph type="body" sz="quarter" idx="10"/>
-          </p:nvPr>
+          <p:nvPr/>
         </p:nvSpPr>
-        <p:spPr>
+        <p:spPr bwMode="auto">
           <a:xfrm>
-            <a:off x="1529384" y="6400802"/>
-            <a:ext cx="10482604" cy="363552"/>
+            <a:off x="275731" y="6400800"/>
+            <a:ext cx="11885613" cy="349702"/>
           </a:xfrm>
+          <a:prstGeom prst="rect">
+            <a:avLst/>
+          </a:prstGeom>
+          <a:noFill/>
+          <a:effectLst/>
         </p:spPr>
         <p:txBody>
-          <a:bodyPr/>
-          <a:lstStyle/>
-          <a:p>
-            <a:r>
-              <a:rPr lang="en-US" dirty="0">
+          <a:bodyPr vert="horz" wrap="square" lIns="36000" tIns="36000" rIns="36000" bIns="36000" rtlCol="0" anchor="ctr" anchorCtr="0">
+            <a:spAutoFit/>
+          </a:bodyPr>
+          <a:lstStyle>
+            <a:defPPr>
+              <a:defRPr lang="en-US"/>
+            </a:defPPr>
+            <a:lvl1pPr marL="0" algn="l" defTabSz="1218987" rtl="0" eaLnBrk="1" latinLnBrk="0" hangingPunct="1">
+              <a:defRPr sz="2400" kern="1200">
+                <a:solidFill>
+                  <a:schemeClr val="tx1"/>
+                </a:solidFill>
+                <a:latin typeface="+mn-lt"/>
+                <a:ea typeface="+mn-ea"/>
+                <a:cs typeface="+mn-cs"/>
+              </a:defRPr>
+            </a:lvl1pPr>
+            <a:lvl2pPr marL="609493" algn="l" defTabSz="1218987" rtl="0" eaLnBrk="1" latinLnBrk="0" hangingPunct="1">
+              <a:defRPr sz="2400" kern="1200">
+                <a:solidFill>
+                  <a:schemeClr val="tx1"/>
+                </a:solidFill>
+                <a:latin typeface="+mn-lt"/>
+                <a:ea typeface="+mn-ea"/>
+                <a:cs typeface="+mn-cs"/>
+              </a:defRPr>
+            </a:lvl2pPr>
+            <a:lvl3pPr marL="1218987" algn="l" defTabSz="1218987" rtl="0" eaLnBrk="1" latinLnBrk="0" hangingPunct="1">
+              <a:defRPr sz="2400" kern="1200">
+                <a:solidFill>
+                  <a:schemeClr val="tx1"/>
+                </a:solidFill>
+                <a:latin typeface="+mn-lt"/>
+                <a:ea typeface="+mn-ea"/>
+                <a:cs typeface="+mn-cs"/>
+              </a:defRPr>
+            </a:lvl3pPr>
+            <a:lvl4pPr marL="1828480" algn="l" defTabSz="1218987" rtl="0" eaLnBrk="1" latinLnBrk="0" hangingPunct="1">
+              <a:defRPr sz="2400" kern="1200">
+                <a:solidFill>
+                  <a:schemeClr val="tx1"/>
+                </a:solidFill>
+                <a:latin typeface="+mn-lt"/>
+                <a:ea typeface="+mn-ea"/>
+                <a:cs typeface="+mn-cs"/>
+              </a:defRPr>
+            </a:lvl4pPr>
+            <a:lvl5pPr marL="2437973" algn="l" defTabSz="1218987" rtl="0" eaLnBrk="1" latinLnBrk="0" hangingPunct="1">
+              <a:defRPr sz="2400" kern="1200">
+                <a:solidFill>
+                  <a:schemeClr val="tx1"/>
+                </a:solidFill>
+                <a:latin typeface="+mn-lt"/>
+                <a:ea typeface="+mn-ea"/>
+                <a:cs typeface="+mn-cs"/>
+              </a:defRPr>
+            </a:lvl5pPr>
+            <a:lvl6pPr marL="3047467" algn="l" defTabSz="1218987" rtl="0" eaLnBrk="1" latinLnBrk="0" hangingPunct="1">
+              <a:defRPr sz="2400" kern="1200">
+                <a:solidFill>
+                  <a:schemeClr val="tx1"/>
+                </a:solidFill>
+                <a:latin typeface="+mn-lt"/>
+                <a:ea typeface="+mn-ea"/>
+                <a:cs typeface="+mn-cs"/>
+              </a:defRPr>
+            </a:lvl6pPr>
+            <a:lvl7pPr marL="3656960" algn="l" defTabSz="1218987" rtl="0" eaLnBrk="1" latinLnBrk="0" hangingPunct="1">
+              <a:defRPr sz="2400" kern="1200">
+                <a:solidFill>
+                  <a:schemeClr val="tx1"/>
+                </a:solidFill>
+                <a:latin typeface="+mn-lt"/>
+                <a:ea typeface="+mn-ea"/>
+                <a:cs typeface="+mn-cs"/>
+              </a:defRPr>
+            </a:lvl7pPr>
+            <a:lvl8pPr marL="4266453" algn="l" defTabSz="1218987" rtl="0" eaLnBrk="1" latinLnBrk="0" hangingPunct="1">
+              <a:defRPr sz="2400" kern="1200">
+                <a:solidFill>
+                  <a:schemeClr val="tx1"/>
+                </a:solidFill>
+                <a:latin typeface="+mn-lt"/>
+                <a:ea typeface="+mn-ea"/>
+                <a:cs typeface="+mn-cs"/>
+              </a:defRPr>
+            </a:lvl8pPr>
+            <a:lvl9pPr marL="4875947" algn="l" defTabSz="1218987" rtl="0" eaLnBrk="1" latinLnBrk="0" hangingPunct="1">
+              <a:defRPr sz="2400" kern="1200">
+                <a:solidFill>
+                  <a:schemeClr val="tx1"/>
+                </a:solidFill>
+                <a:latin typeface="+mn-lt"/>
+                <a:ea typeface="+mn-ea"/>
+                <a:cs typeface="+mn-cs"/>
+              </a:defRPr>
+            </a:lvl9pPr>
+          </a:lstStyle>
+          <a:p>
+            <a:r>
+              <a:rPr lang="en-US" sz="1800" b="1" dirty="0">
                 <a:hlinkClick r:id="rId3"/>
               </a:rPr>
-              <a:t>https://it-kariera.mon.bg/e-learning/</a:t>
-            </a:r>
-            <a:endParaRPr lang="en-US" dirty="0"/>
+              <a:t>https://github.com/BG-IT-Edu/School-Programming/tree/main/Courses/Applied-Programmer/Programming-Fundamentals</a:t>
+            </a:r>
+            <a:endParaRPr lang="en-GB" sz="1800" b="1" dirty="0"/>
           </a:p>
         </p:txBody>
       </p:sp>
@@ -13270,13 +13435,6 @@
   <p:clrMapOvr>
     <a:masterClrMapping/>
   </p:clrMapOvr>
-  <p:timing>
-    <p:tnLst>
-      <p:par>
-        <p:cTn id="1" dur="indefinite" restart="never" nodeType="tmRoot"/>
-      </p:par>
-    </p:tnLst>
-  </p:timing>
 </p:sld>
 </file>
 
@@ -13437,13 +13595,6 @@
   <p:clrMapOvr>
     <a:masterClrMapping/>
   </p:clrMapOvr>
-  <p:timing>
-    <p:tnLst>
-      <p:par>
-        <p:cTn id="1" dur="indefinite" restart="never" nodeType="tmRoot"/>
-      </p:par>
-    </p:tnLst>
-  </p:timing>
 </p:sld>
 </file>
 
@@ -13920,13 +14071,6 @@
   <p:clrMapOvr>
     <a:masterClrMapping/>
   </p:clrMapOvr>
-  <p:timing>
-    <p:tnLst>
-      <p:par>
-        <p:cTn id="1" dur="indefinite" restart="never" nodeType="tmRoot"/>
-      </p:par>
-    </p:tnLst>
-  </p:timing>
 </p:sld>
 </file>
 
@@ -14170,13 +14314,6 @@
   <p:clrMapOvr>
     <a:masterClrMapping/>
   </p:clrMapOvr>
-  <p:timing>
-    <p:tnLst>
-      <p:par>
-        <p:cTn id="1" dur="indefinite" restart="never" nodeType="tmRoot"/>
-      </p:par>
-    </p:tnLst>
-  </p:timing>
 </p:sld>
 </file>
 
@@ -16156,24 +16293,6 @@
               </a:rPr>
               <a:t>човека</a:t>
             </a:r>
-            <a:r>
-              <a:rPr lang="en-US" sz="2600" b="1" noProof="1">
-                <a:solidFill>
-                  <a:schemeClr val="tx2">
-                    <a:lumMod val="75000"/>
-                  </a:schemeClr>
-                </a:solidFill>
-                <a:effectLst>
-                  <a:outerShdw blurRad="38100" dist="38100" dir="2700000" algn="tl">
-                    <a:srgbClr val="000000">
-                      <a:alpha val="43137"/>
-                    </a:srgbClr>
-                  </a:outerShdw>
-                </a:effectLst>
-                <a:cs typeface="Consolas" pitchFamily="49" charset="0"/>
-              </a:rPr>
-              <a:t/>
-            </a:r>
             <a:br>
               <a:rPr lang="en-US" sz="2600" b="1" noProof="1">
                 <a:solidFill>
@@ -16546,7 +16665,7 @@
               <a:t>Тествайте в </a:t>
             </a:r>
             <a:r>
-              <a:rPr lang="en-US" sz="2400" dirty="0" smtClean="0">
+              <a:rPr lang="en-US" sz="2400" dirty="0">
                 <a:effectLst/>
                 <a:latin typeface="Calibri" panose="020F0502020204030204" pitchFamily="34" charset="0"/>
                 <a:ea typeface="Calibri" panose="020F0502020204030204" pitchFamily="34" charset="0"/>
@@ -16564,19 +16683,7 @@
                 <a:cs typeface="Times New Roman" panose="02020603050405020304" pitchFamily="18" charset="0"/>
                 <a:hlinkClick r:id="rId2"/>
               </a:rPr>
-              <a:t>https://</a:t>
-            </a:r>
-            <a:r>
-              <a:rPr lang="en-US" u="sng" dirty="0" smtClean="0">
-                <a:solidFill>
-                  <a:srgbClr val="0563C1"/>
-                </a:solidFill>
-                <a:latin typeface="Calibri" panose="020F0502020204030204" pitchFamily="34" charset="0"/>
-                <a:ea typeface="Calibri" panose="020F0502020204030204" pitchFamily="34" charset="0"/>
-                <a:cs typeface="Times New Roman" panose="02020603050405020304" pitchFamily="18" charset="0"/>
-                <a:hlinkClick r:id="rId2"/>
-              </a:rPr>
-              <a:t>judge.softuni.bg/Contests/2649</a:t>
+              <a:t>https://judge.softuni.bg/Contests/2649</a:t>
             </a:r>
             <a:endParaRPr lang="en-US" sz="2400" dirty="0">
               <a:effectLst/>
@@ -16597,13 +16704,6 @@
   <p:clrMapOvr>
     <a:masterClrMapping/>
   </p:clrMapOvr>
-  <p:timing>
-    <p:tnLst>
-      <p:par>
-        <p:cTn id="1" dur="indefinite" restart="never" nodeType="tmRoot"/>
-      </p:par>
-    </p:tnLst>
-  </p:timing>
 </p:sld>
 </file>
 
@@ -18088,7 +18188,7 @@
               <a:t>Тествайте в </a:t>
             </a:r>
             <a:r>
-              <a:rPr lang="en-US" sz="2400" dirty="0" smtClean="0">
+              <a:rPr lang="en-US" sz="2400" dirty="0">
                 <a:effectLst/>
                 <a:latin typeface="Calibri" panose="020F0502020204030204" pitchFamily="34" charset="0"/>
                 <a:ea typeface="Calibri" panose="020F0502020204030204" pitchFamily="34" charset="0"/>
@@ -18106,19 +18206,7 @@
                 <a:cs typeface="Times New Roman" panose="02020603050405020304" pitchFamily="18" charset="0"/>
                 <a:hlinkClick r:id="rId4"/>
               </a:rPr>
-              <a:t>https://</a:t>
-            </a:r>
-            <a:r>
-              <a:rPr lang="en-US" u="sng" dirty="0" smtClean="0">
-                <a:solidFill>
-                  <a:srgbClr val="0563C1"/>
-                </a:solidFill>
-                <a:latin typeface="Calibri" panose="020F0502020204030204" pitchFamily="34" charset="0"/>
-                <a:ea typeface="Calibri" panose="020F0502020204030204" pitchFamily="34" charset="0"/>
-                <a:cs typeface="Times New Roman" panose="02020603050405020304" pitchFamily="18" charset="0"/>
-                <a:hlinkClick r:id="rId4"/>
-              </a:rPr>
-              <a:t>judge.softuni.bg/Contests/2649</a:t>
+              <a:t>https://judge.softuni.bg/Contests/2649</a:t>
             </a:r>
             <a:endParaRPr lang="en-US" sz="2400" dirty="0">
               <a:effectLst/>
@@ -18139,13 +18227,6 @@
   <p:clrMapOvr>
     <a:masterClrMapping/>
   </p:clrMapOvr>
-  <p:timing>
-    <p:tnLst>
-      <p:par>
-        <p:cTn id="1" dur="indefinite" restart="never" nodeType="tmRoot"/>
-      </p:par>
-    </p:tnLst>
-  </p:timing>
 </p:sld>
 </file>
 
@@ -18596,13 +18677,6 @@
   <p:clrMapOvr>
     <a:masterClrMapping/>
   </p:clrMapOvr>
-  <p:timing>
-    <p:tnLst>
-      <p:par>
-        <p:cTn id="1" dur="indefinite" restart="never" nodeType="tmRoot"/>
-      </p:par>
-    </p:tnLst>
-  </p:timing>
 </p:sld>
 </file>
 
@@ -19884,7 +19958,7 @@
               <a:t>Тествайте в </a:t>
             </a:r>
             <a:r>
-              <a:rPr lang="en-US" sz="2400" dirty="0" smtClean="0">
+              <a:rPr lang="en-US" sz="2400" dirty="0">
                 <a:effectLst/>
                 <a:latin typeface="Calibri" panose="020F0502020204030204" pitchFamily="34" charset="0"/>
                 <a:ea typeface="Calibri" panose="020F0502020204030204" pitchFamily="34" charset="0"/>
@@ -19902,19 +19976,7 @@
                 <a:cs typeface="Times New Roman" panose="02020603050405020304" pitchFamily="18" charset="0"/>
                 <a:hlinkClick r:id="rId3"/>
               </a:rPr>
-              <a:t>https://</a:t>
-            </a:r>
-            <a:r>
-              <a:rPr lang="en-US" u="sng" dirty="0" smtClean="0">
-                <a:solidFill>
-                  <a:srgbClr val="0563C1"/>
-                </a:solidFill>
-                <a:latin typeface="Calibri" panose="020F0502020204030204" pitchFamily="34" charset="0"/>
-                <a:ea typeface="Calibri" panose="020F0502020204030204" pitchFamily="34" charset="0"/>
-                <a:cs typeface="Times New Roman" panose="02020603050405020304" pitchFamily="18" charset="0"/>
-                <a:hlinkClick r:id="rId3"/>
-              </a:rPr>
-              <a:t>judge.softuni.bg/Contests/2649</a:t>
+              <a:t>https://judge.softuni.bg/Contests/2649</a:t>
             </a:r>
             <a:endParaRPr lang="en-US" sz="2400" dirty="0">
               <a:effectLst/>
@@ -19935,13 +19997,6 @@
   <p:clrMapOvr>
     <a:masterClrMapping/>
   </p:clrMapOvr>
-  <p:timing>
-    <p:tnLst>
-      <p:par>
-        <p:cTn id="1" dur="indefinite" restart="never" nodeType="tmRoot"/>
-      </p:par>
-    </p:tnLst>
-  </p:timing>
 </p:sld>
 </file>
 

--- a/Courses/Applied-Programmer/Programming-Fundamentals/02-Типове-данни/07.Типове-данни-преобразуване-на-типове.pptx
+++ b/Courses/Applied-Programmer/Programming-Fundamentals/02-Типове-данни/07.Типове-данни-преобразуване-на-типове.pptx
@@ -367,7 +367,7 @@
             <a:fld id="{FE5B4EDC-59C0-49C7-8ADA-5A781B329E02}" type="datetimeFigureOut">
               <a:rPr lang="en-US"/>
               <a:pPr/>
-              <a:t>19-Nov-20</a:t>
+              <a:t>21-Nov-20</a:t>
             </a:fld>
             <a:endParaRPr dirty="0"/>
           </a:p>
@@ -665,7 +665,7 @@
             <a:fld id="{F2D8D46A-B586-417D-BFBD-8C8FE0AAF762}" type="datetimeFigureOut">
               <a:rPr lang="en-US" smtClean="0"/>
               <a:pPr/>
-              <a:t>19-Nov-20</a:t>
+              <a:t>21-Nov-20</a:t>
             </a:fld>
             <a:endParaRPr lang="en-US" dirty="0"/>
           </a:p>
@@ -6588,39 +6588,26 @@
                                   </p:childTnLst>
                                 </p:cTn>
                               </p:par>
+                            </p:childTnLst>
+                          </p:cTn>
+                        </p:par>
+                      </p:childTnLst>
+                    </p:cTn>
+                  </p:par>
+                  <p:par>
+                    <p:cTn id="9" fill="hold">
+                      <p:stCondLst>
+                        <p:cond delay="indefinite"/>
+                      </p:stCondLst>
+                      <p:childTnLst>
+                        <p:par>
+                          <p:cTn id="10" fill="hold">
+                            <p:stCondLst>
+                              <p:cond delay="0"/>
+                            </p:stCondLst>
+                            <p:childTnLst>
                               <p:par>
-                                <p:cTn id="9" presetID="1" presetClass="entr" presetSubtype="0" fill="hold" nodeType="withEffect">
-                                  <p:stCondLst>
-                                    <p:cond delay="0"/>
-                                  </p:stCondLst>
-                                  <p:childTnLst>
-                                    <p:set>
-                                      <p:cBhvr>
-                                        <p:cTn id="10" dur="1" fill="hold">
-                                          <p:stCondLst>
-                                            <p:cond delay="0"/>
-                                          </p:stCondLst>
-                                        </p:cTn>
-                                        <p:tgtEl>
-                                          <p:spTgt spid="5">
-                                            <p:txEl>
-                                              <p:pRg st="5" end="5"/>
-                                            </p:txEl>
-                                          </p:spTgt>
-                                        </p:tgtEl>
-                                        <p:attrNameLst>
-                                          <p:attrName>style.visibility</p:attrName>
-                                        </p:attrNameLst>
-                                      </p:cBhvr>
-                                      <p:to>
-                                        <p:strVal val="visible"/>
-                                      </p:to>
-                                    </p:set>
-                                  </p:childTnLst>
-                                </p:cTn>
-                              </p:par>
-                              <p:par>
-                                <p:cTn id="11" presetID="1" presetClass="entr" presetSubtype="0" fill="hold" nodeType="withEffect">
+                                <p:cTn id="11" presetID="1" presetClass="entr" presetSubtype="0" fill="hold" nodeType="clickEffect">
                                   <p:stCondLst>
                                     <p:cond delay="0"/>
                                   </p:stCondLst>
@@ -6635,7 +6622,7 @@
                                         <p:tgtEl>
                                           <p:spTgt spid="5">
                                             <p:txEl>
-                                              <p:pRg st="6" end="6"/>
+                                              <p:pRg st="5" end="5"/>
                                             </p:txEl>
                                           </p:spTgt>
                                         </p:tgtEl>
@@ -6666,7 +6653,7 @@
                                         <p:tgtEl>
                                           <p:spTgt spid="5">
                                             <p:txEl>
-                                              <p:pRg st="7" end="7"/>
+                                              <p:pRg st="6" end="6"/>
                                             </p:txEl>
                                           </p:spTgt>
                                         </p:tgtEl>
@@ -6697,7 +6684,7 @@
                                         <p:tgtEl>
                                           <p:spTgt spid="5">
                                             <p:txEl>
-                                              <p:pRg st="8" end="8"/>
+                                              <p:pRg st="7" end="7"/>
                                             </p:txEl>
                                           </p:spTgt>
                                         </p:tgtEl>
@@ -6728,6 +6715,37 @@
                                         <p:tgtEl>
                                           <p:spTgt spid="5">
                                             <p:txEl>
+                                              <p:pRg st="8" end="8"/>
+                                            </p:txEl>
+                                          </p:spTgt>
+                                        </p:tgtEl>
+                                        <p:attrNameLst>
+                                          <p:attrName>style.visibility</p:attrName>
+                                        </p:attrNameLst>
+                                      </p:cBhvr>
+                                      <p:to>
+                                        <p:strVal val="visible"/>
+                                      </p:to>
+                                    </p:set>
+                                  </p:childTnLst>
+                                </p:cTn>
+                              </p:par>
+                              <p:par>
+                                <p:cTn id="19" presetID="1" presetClass="entr" presetSubtype="0" fill="hold" nodeType="withEffect">
+                                  <p:stCondLst>
+                                    <p:cond delay="0"/>
+                                  </p:stCondLst>
+                                  <p:childTnLst>
+                                    <p:set>
+                                      <p:cBhvr>
+                                        <p:cTn id="20" dur="1" fill="hold">
+                                          <p:stCondLst>
+                                            <p:cond delay="0"/>
+                                          </p:stCondLst>
+                                        </p:cTn>
+                                        <p:tgtEl>
+                                          <p:spTgt spid="5">
+                                            <p:txEl>
                                               <p:pRg st="9" end="9"/>
                                             </p:txEl>
                                           </p:spTgt>
@@ -6750,26 +6768,26 @@
                     </p:cTn>
                   </p:par>
                   <p:par>
-                    <p:cTn id="19" fill="hold">
+                    <p:cTn id="21" fill="hold">
                       <p:stCondLst>
                         <p:cond delay="indefinite"/>
                       </p:stCondLst>
                       <p:childTnLst>
                         <p:par>
-                          <p:cTn id="20" fill="hold">
+                          <p:cTn id="22" fill="hold">
                             <p:stCondLst>
                               <p:cond delay="0"/>
                             </p:stCondLst>
                             <p:childTnLst>
                               <p:par>
-                                <p:cTn id="21" presetID="1" presetClass="entr" presetSubtype="0" fill="hold" nodeType="clickEffect">
+                                <p:cTn id="23" presetID="1" presetClass="entr" presetSubtype="0" fill="hold" nodeType="clickEffect">
                                   <p:stCondLst>
                                     <p:cond delay="0"/>
                                   </p:stCondLst>
                                   <p:childTnLst>
                                     <p:set>
                                       <p:cBhvr>
-                                        <p:cTn id="22" dur="1" fill="hold">
+                                        <p:cTn id="24" dur="1" fill="hold">
                                           <p:stCondLst>
                                             <p:cond delay="0"/>
                                           </p:stCondLst>
@@ -6793,14 +6811,14 @@
                                 </p:cTn>
                               </p:par>
                               <p:par>
-                                <p:cTn id="23" presetID="1" presetClass="entr" presetSubtype="0" fill="hold" nodeType="withEffect">
+                                <p:cTn id="25" presetID="1" presetClass="entr" presetSubtype="0" fill="hold" nodeType="withEffect">
                                   <p:stCondLst>
                                     <p:cond delay="0"/>
                                   </p:stCondLst>
                                   <p:childTnLst>
                                     <p:set>
                                       <p:cBhvr>
-                                        <p:cTn id="24" dur="1" fill="hold">
+                                        <p:cTn id="26" dur="1" fill="hold">
                                           <p:stCondLst>
                                             <p:cond delay="0"/>
                                           </p:stCondLst>
@@ -7024,15 +7042,7 @@
             </a:r>
             <a:r>
               <a:rPr lang="bg-BG" dirty="0"/>
-              <a:t> – </a:t>
-            </a:r>
-            <a:r>
-              <a:rPr lang="bg-BG" dirty="0" err="1"/>
-              <a:t>кконвертира</a:t>
-            </a:r>
-            <a:r>
-              <a:rPr lang="bg-BG" dirty="0"/>
-              <a:t> число към стринг</a:t>
+              <a:t> – конвертира число към стринг</a:t>
             </a:r>
           </a:p>
           <a:p>
@@ -7513,6 +7523,323 @@
     <a:masterClrMapping/>
   </p:clrMapOvr>
   <p:transition/>
+  <p:timing>
+    <p:tnLst>
+      <p:par>
+        <p:cTn id="1" dur="indefinite" restart="never" nodeType="tmRoot">
+          <p:childTnLst>
+            <p:seq concurrent="1" nextAc="seek">
+              <p:cTn id="2" dur="indefinite" nodeType="mainSeq">
+                <p:childTnLst>
+                  <p:par>
+                    <p:cTn id="3" fill="hold">
+                      <p:stCondLst>
+                        <p:cond delay="indefinite"/>
+                      </p:stCondLst>
+                      <p:childTnLst>
+                        <p:par>
+                          <p:cTn id="4" fill="hold">
+                            <p:stCondLst>
+                              <p:cond delay="0"/>
+                            </p:stCondLst>
+                            <p:childTnLst>
+                              <p:par>
+                                <p:cTn id="5" presetID="1" presetClass="entr" presetSubtype="0" fill="hold" nodeType="clickEffect">
+                                  <p:stCondLst>
+                                    <p:cond delay="0"/>
+                                  </p:stCondLst>
+                                  <p:childTnLst>
+                                    <p:set>
+                                      <p:cBhvr>
+                                        <p:cTn id="6" dur="1" fill="hold">
+                                          <p:stCondLst>
+                                            <p:cond delay="0"/>
+                                          </p:stCondLst>
+                                        </p:cTn>
+                                        <p:tgtEl>
+                                          <p:spTgt spid="517123">
+                                            <p:txEl>
+                                              <p:pRg st="1" end="1"/>
+                                            </p:txEl>
+                                          </p:spTgt>
+                                        </p:tgtEl>
+                                        <p:attrNameLst>
+                                          <p:attrName>style.visibility</p:attrName>
+                                        </p:attrNameLst>
+                                      </p:cBhvr>
+                                      <p:to>
+                                        <p:strVal val="visible"/>
+                                      </p:to>
+                                    </p:set>
+                                  </p:childTnLst>
+                                </p:cTn>
+                              </p:par>
+                            </p:childTnLst>
+                          </p:cTn>
+                        </p:par>
+                      </p:childTnLst>
+                    </p:cTn>
+                  </p:par>
+                  <p:par>
+                    <p:cTn id="7" fill="hold">
+                      <p:stCondLst>
+                        <p:cond delay="indefinite"/>
+                      </p:stCondLst>
+                      <p:childTnLst>
+                        <p:par>
+                          <p:cTn id="8" fill="hold">
+                            <p:stCondLst>
+                              <p:cond delay="0"/>
+                            </p:stCondLst>
+                            <p:childTnLst>
+                              <p:par>
+                                <p:cTn id="9" presetID="1" presetClass="entr" presetSubtype="0" fill="hold" grpId="0" nodeType="clickEffect">
+                                  <p:stCondLst>
+                                    <p:cond delay="0"/>
+                                  </p:stCondLst>
+                                  <p:childTnLst>
+                                    <p:set>
+                                      <p:cBhvr>
+                                        <p:cTn id="10" dur="1" fill="hold">
+                                          <p:stCondLst>
+                                            <p:cond delay="0"/>
+                                          </p:stCondLst>
+                                        </p:cTn>
+                                        <p:tgtEl>
+                                          <p:spTgt spid="6"/>
+                                        </p:tgtEl>
+                                        <p:attrNameLst>
+                                          <p:attrName>style.visibility</p:attrName>
+                                        </p:attrNameLst>
+                                      </p:cBhvr>
+                                      <p:to>
+                                        <p:strVal val="visible"/>
+                                      </p:to>
+                                    </p:set>
+                                  </p:childTnLst>
+                                </p:cTn>
+                              </p:par>
+                            </p:childTnLst>
+                          </p:cTn>
+                        </p:par>
+                      </p:childTnLst>
+                    </p:cTn>
+                  </p:par>
+                  <p:par>
+                    <p:cTn id="11" fill="hold">
+                      <p:stCondLst>
+                        <p:cond delay="indefinite"/>
+                      </p:stCondLst>
+                      <p:childTnLst>
+                        <p:par>
+                          <p:cTn id="12" fill="hold">
+                            <p:stCondLst>
+                              <p:cond delay="0"/>
+                            </p:stCondLst>
+                            <p:childTnLst>
+                              <p:par>
+                                <p:cTn id="13" presetID="1" presetClass="entr" presetSubtype="0" fill="hold" nodeType="clickEffect">
+                                  <p:stCondLst>
+                                    <p:cond delay="0"/>
+                                  </p:stCondLst>
+                                  <p:childTnLst>
+                                    <p:set>
+                                      <p:cBhvr>
+                                        <p:cTn id="14" dur="1" fill="hold">
+                                          <p:stCondLst>
+                                            <p:cond delay="0"/>
+                                          </p:stCondLst>
+                                        </p:cTn>
+                                        <p:tgtEl>
+                                          <p:spTgt spid="517123">
+                                            <p:txEl>
+                                              <p:pRg st="3" end="3"/>
+                                            </p:txEl>
+                                          </p:spTgt>
+                                        </p:tgtEl>
+                                        <p:attrNameLst>
+                                          <p:attrName>style.visibility</p:attrName>
+                                        </p:attrNameLst>
+                                      </p:cBhvr>
+                                      <p:to>
+                                        <p:strVal val="visible"/>
+                                      </p:to>
+                                    </p:set>
+                                  </p:childTnLst>
+                                </p:cTn>
+                              </p:par>
+                            </p:childTnLst>
+                          </p:cTn>
+                        </p:par>
+                      </p:childTnLst>
+                    </p:cTn>
+                  </p:par>
+                  <p:par>
+                    <p:cTn id="15" fill="hold">
+                      <p:stCondLst>
+                        <p:cond delay="indefinite"/>
+                      </p:stCondLst>
+                      <p:childTnLst>
+                        <p:par>
+                          <p:cTn id="16" fill="hold">
+                            <p:stCondLst>
+                              <p:cond delay="0"/>
+                            </p:stCondLst>
+                            <p:childTnLst>
+                              <p:par>
+                                <p:cTn id="17" presetID="1" presetClass="entr" presetSubtype="0" fill="hold" grpId="0" nodeType="clickEffect">
+                                  <p:stCondLst>
+                                    <p:cond delay="0"/>
+                                  </p:stCondLst>
+                                  <p:childTnLst>
+                                    <p:set>
+                                      <p:cBhvr>
+                                        <p:cTn id="18" dur="1" fill="hold">
+                                          <p:stCondLst>
+                                            <p:cond delay="0"/>
+                                          </p:stCondLst>
+                                        </p:cTn>
+                                        <p:tgtEl>
+                                          <p:spTgt spid="7"/>
+                                        </p:tgtEl>
+                                        <p:attrNameLst>
+                                          <p:attrName>style.visibility</p:attrName>
+                                        </p:attrNameLst>
+                                      </p:cBhvr>
+                                      <p:to>
+                                        <p:strVal val="visible"/>
+                                      </p:to>
+                                    </p:set>
+                                  </p:childTnLst>
+                                </p:cTn>
+                              </p:par>
+                            </p:childTnLst>
+                          </p:cTn>
+                        </p:par>
+                      </p:childTnLst>
+                    </p:cTn>
+                  </p:par>
+                  <p:par>
+                    <p:cTn id="19" fill="hold">
+                      <p:stCondLst>
+                        <p:cond delay="indefinite"/>
+                      </p:stCondLst>
+                      <p:childTnLst>
+                        <p:par>
+                          <p:cTn id="20" fill="hold">
+                            <p:stCondLst>
+                              <p:cond delay="0"/>
+                            </p:stCondLst>
+                            <p:childTnLst>
+                              <p:par>
+                                <p:cTn id="21" presetID="1" presetClass="entr" presetSubtype="0" fill="hold" nodeType="clickEffect">
+                                  <p:stCondLst>
+                                    <p:cond delay="0"/>
+                                  </p:stCondLst>
+                                  <p:childTnLst>
+                                    <p:set>
+                                      <p:cBhvr>
+                                        <p:cTn id="22" dur="1" fill="hold">
+                                          <p:stCondLst>
+                                            <p:cond delay="0"/>
+                                          </p:stCondLst>
+                                        </p:cTn>
+                                        <p:tgtEl>
+                                          <p:spTgt spid="517123">
+                                            <p:txEl>
+                                              <p:pRg st="5" end="5"/>
+                                            </p:txEl>
+                                          </p:spTgt>
+                                        </p:tgtEl>
+                                        <p:attrNameLst>
+                                          <p:attrName>style.visibility</p:attrName>
+                                        </p:attrNameLst>
+                                      </p:cBhvr>
+                                      <p:to>
+                                        <p:strVal val="visible"/>
+                                      </p:to>
+                                    </p:set>
+                                  </p:childTnLst>
+                                </p:cTn>
+                              </p:par>
+                            </p:childTnLst>
+                          </p:cTn>
+                        </p:par>
+                      </p:childTnLst>
+                    </p:cTn>
+                  </p:par>
+                  <p:par>
+                    <p:cTn id="23" fill="hold">
+                      <p:stCondLst>
+                        <p:cond delay="indefinite"/>
+                      </p:stCondLst>
+                      <p:childTnLst>
+                        <p:par>
+                          <p:cTn id="24" fill="hold">
+                            <p:stCondLst>
+                              <p:cond delay="0"/>
+                            </p:stCondLst>
+                            <p:childTnLst>
+                              <p:par>
+                                <p:cTn id="25" presetID="1" presetClass="entr" presetSubtype="0" fill="hold" grpId="0" nodeType="clickEffect">
+                                  <p:stCondLst>
+                                    <p:cond delay="0"/>
+                                  </p:stCondLst>
+                                  <p:childTnLst>
+                                    <p:set>
+                                      <p:cBhvr>
+                                        <p:cTn id="26" dur="1" fill="hold">
+                                          <p:stCondLst>
+                                            <p:cond delay="0"/>
+                                          </p:stCondLst>
+                                        </p:cTn>
+                                        <p:tgtEl>
+                                          <p:spTgt spid="8"/>
+                                        </p:tgtEl>
+                                        <p:attrNameLst>
+                                          <p:attrName>style.visibility</p:attrName>
+                                        </p:attrNameLst>
+                                      </p:cBhvr>
+                                      <p:to>
+                                        <p:strVal val="visible"/>
+                                      </p:to>
+                                    </p:set>
+                                  </p:childTnLst>
+                                </p:cTn>
+                              </p:par>
+                            </p:childTnLst>
+                          </p:cTn>
+                        </p:par>
+                      </p:childTnLst>
+                    </p:cTn>
+                  </p:par>
+                </p:childTnLst>
+              </p:cTn>
+              <p:prevCondLst>
+                <p:cond evt="onPrev" delay="0">
+                  <p:tgtEl>
+                    <p:sldTgt/>
+                  </p:tgtEl>
+                </p:cond>
+              </p:prevCondLst>
+              <p:nextCondLst>
+                <p:cond evt="onNext" delay="0">
+                  <p:tgtEl>
+                    <p:sldTgt/>
+                  </p:tgtEl>
+                </p:cond>
+              </p:nextCondLst>
+            </p:seq>
+          </p:childTnLst>
+        </p:cTn>
+      </p:par>
+    </p:tnLst>
+    <p:bldLst>
+      <p:bldP spid="6" grpId="0" animBg="1"/>
+      <p:bldP spid="7" grpId="0" animBg="1"/>
+      <p:bldP spid="8" grpId="0" animBg="1"/>
+    </p:bldLst>
+  </p:timing>
 </p:sld>
 </file>
 
@@ -7686,19 +8013,6 @@
                 <a:cs typeface="Consolas" pitchFamily="49" charset="0"/>
               </a:rPr>
               <a:t>\0</a:t>
-            </a:r>
-            <a:r>
-              <a:rPr lang="en-US" dirty="0">
-                <a:solidFill>
-                  <a:schemeClr val="accent5">
-                    <a:lumMod val="20000"/>
-                    <a:lumOff val="80000"/>
-                  </a:schemeClr>
-                </a:solidFill>
-                <a:latin typeface="Consolas" pitchFamily="49" charset="0"/>
-                <a:cs typeface="Consolas" pitchFamily="49" charset="0"/>
-              </a:rPr>
-              <a:t>‚</a:t>
             </a:r>
             <a:endParaRPr lang="bg-BG" dirty="0"/>
           </a:p>
@@ -7929,6 +8243,312 @@
     <a:masterClrMapping/>
   </p:clrMapOvr>
   <p:transition/>
+  <p:timing>
+    <p:tnLst>
+      <p:par>
+        <p:cTn id="1" dur="indefinite" restart="never" nodeType="tmRoot">
+          <p:childTnLst>
+            <p:seq concurrent="1" nextAc="seek">
+              <p:cTn id="2" dur="indefinite" nodeType="mainSeq">
+                <p:childTnLst>
+                  <p:par>
+                    <p:cTn id="3" fill="hold">
+                      <p:stCondLst>
+                        <p:cond delay="indefinite"/>
+                      </p:stCondLst>
+                      <p:childTnLst>
+                        <p:par>
+                          <p:cTn id="4" fill="hold">
+                            <p:stCondLst>
+                              <p:cond delay="0"/>
+                            </p:stCondLst>
+                            <p:childTnLst>
+                              <p:par>
+                                <p:cTn id="5" presetID="1" presetClass="entr" presetSubtype="0" fill="hold" nodeType="clickEffect">
+                                  <p:stCondLst>
+                                    <p:cond delay="0"/>
+                                  </p:stCondLst>
+                                  <p:childTnLst>
+                                    <p:set>
+                                      <p:cBhvr>
+                                        <p:cTn id="6" dur="1" fill="hold">
+                                          <p:stCondLst>
+                                            <p:cond delay="0"/>
+                                          </p:stCondLst>
+                                        </p:cTn>
+                                        <p:tgtEl>
+                                          <p:spTgt spid="517123">
+                                            <p:txEl>
+                                              <p:pRg st="1" end="1"/>
+                                            </p:txEl>
+                                          </p:spTgt>
+                                        </p:tgtEl>
+                                        <p:attrNameLst>
+                                          <p:attrName>style.visibility</p:attrName>
+                                        </p:attrNameLst>
+                                      </p:cBhvr>
+                                      <p:to>
+                                        <p:strVal val="visible"/>
+                                      </p:to>
+                                    </p:set>
+                                  </p:childTnLst>
+                                </p:cTn>
+                              </p:par>
+                            </p:childTnLst>
+                          </p:cTn>
+                        </p:par>
+                      </p:childTnLst>
+                    </p:cTn>
+                  </p:par>
+                  <p:par>
+                    <p:cTn id="7" fill="hold">
+                      <p:stCondLst>
+                        <p:cond delay="indefinite"/>
+                      </p:stCondLst>
+                      <p:childTnLst>
+                        <p:par>
+                          <p:cTn id="8" fill="hold">
+                            <p:stCondLst>
+                              <p:cond delay="0"/>
+                            </p:stCondLst>
+                            <p:childTnLst>
+                              <p:par>
+                                <p:cTn id="9" presetID="1" presetClass="entr" presetSubtype="0" fill="hold" nodeType="clickEffect">
+                                  <p:stCondLst>
+                                    <p:cond delay="0"/>
+                                  </p:stCondLst>
+                                  <p:childTnLst>
+                                    <p:set>
+                                      <p:cBhvr>
+                                        <p:cTn id="10" dur="1" fill="hold">
+                                          <p:stCondLst>
+                                            <p:cond delay="0"/>
+                                          </p:stCondLst>
+                                        </p:cTn>
+                                        <p:tgtEl>
+                                          <p:spTgt spid="517123">
+                                            <p:txEl>
+                                              <p:pRg st="2" end="2"/>
+                                            </p:txEl>
+                                          </p:spTgt>
+                                        </p:tgtEl>
+                                        <p:attrNameLst>
+                                          <p:attrName>style.visibility</p:attrName>
+                                        </p:attrNameLst>
+                                      </p:cBhvr>
+                                      <p:to>
+                                        <p:strVal val="visible"/>
+                                      </p:to>
+                                    </p:set>
+                                  </p:childTnLst>
+                                </p:cTn>
+                              </p:par>
+                            </p:childTnLst>
+                          </p:cTn>
+                        </p:par>
+                      </p:childTnLst>
+                    </p:cTn>
+                  </p:par>
+                  <p:par>
+                    <p:cTn id="11" fill="hold">
+                      <p:stCondLst>
+                        <p:cond delay="indefinite"/>
+                      </p:stCondLst>
+                      <p:childTnLst>
+                        <p:par>
+                          <p:cTn id="12" fill="hold">
+                            <p:stCondLst>
+                              <p:cond delay="0"/>
+                            </p:stCondLst>
+                            <p:childTnLst>
+                              <p:par>
+                                <p:cTn id="13" presetID="1" presetClass="entr" presetSubtype="0" fill="hold" nodeType="clickEffect">
+                                  <p:stCondLst>
+                                    <p:cond delay="0"/>
+                                  </p:stCondLst>
+                                  <p:childTnLst>
+                                    <p:set>
+                                      <p:cBhvr>
+                                        <p:cTn id="14" dur="1" fill="hold">
+                                          <p:stCondLst>
+                                            <p:cond delay="0"/>
+                                          </p:stCondLst>
+                                        </p:cTn>
+                                        <p:tgtEl>
+                                          <p:spTgt spid="517123">
+                                            <p:txEl>
+                                              <p:pRg st="3" end="3"/>
+                                            </p:txEl>
+                                          </p:spTgt>
+                                        </p:tgtEl>
+                                        <p:attrNameLst>
+                                          <p:attrName>style.visibility</p:attrName>
+                                        </p:attrNameLst>
+                                      </p:cBhvr>
+                                      <p:to>
+                                        <p:strVal val="visible"/>
+                                      </p:to>
+                                    </p:set>
+                                  </p:childTnLst>
+                                </p:cTn>
+                              </p:par>
+                              <p:par>
+                                <p:cTn id="15" presetID="1" presetClass="entr" presetSubtype="0" fill="hold" nodeType="withEffect">
+                                  <p:stCondLst>
+                                    <p:cond delay="0"/>
+                                  </p:stCondLst>
+                                  <p:childTnLst>
+                                    <p:set>
+                                      <p:cBhvr>
+                                        <p:cTn id="16" dur="1" fill="hold">
+                                          <p:stCondLst>
+                                            <p:cond delay="0"/>
+                                          </p:stCondLst>
+                                        </p:cTn>
+                                        <p:tgtEl>
+                                          <p:spTgt spid="517123">
+                                            <p:txEl>
+                                              <p:pRg st="4" end="4"/>
+                                            </p:txEl>
+                                          </p:spTgt>
+                                        </p:tgtEl>
+                                        <p:attrNameLst>
+                                          <p:attrName>style.visibility</p:attrName>
+                                        </p:attrNameLst>
+                                      </p:cBhvr>
+                                      <p:to>
+                                        <p:strVal val="visible"/>
+                                      </p:to>
+                                    </p:set>
+                                  </p:childTnLst>
+                                </p:cTn>
+                              </p:par>
+                            </p:childTnLst>
+                          </p:cTn>
+                        </p:par>
+                      </p:childTnLst>
+                    </p:cTn>
+                  </p:par>
+                  <p:par>
+                    <p:cTn id="17" fill="hold">
+                      <p:stCondLst>
+                        <p:cond delay="indefinite"/>
+                      </p:stCondLst>
+                      <p:childTnLst>
+                        <p:par>
+                          <p:cTn id="18" fill="hold">
+                            <p:stCondLst>
+                              <p:cond delay="0"/>
+                            </p:stCondLst>
+                            <p:childTnLst>
+                              <p:par>
+                                <p:cTn id="19" presetID="1" presetClass="entr" presetSubtype="0" fill="hold" nodeType="clickEffect">
+                                  <p:stCondLst>
+                                    <p:cond delay="0"/>
+                                  </p:stCondLst>
+                                  <p:childTnLst>
+                                    <p:set>
+                                      <p:cBhvr>
+                                        <p:cTn id="20" dur="1" fill="hold">
+                                          <p:stCondLst>
+                                            <p:cond delay="0"/>
+                                          </p:stCondLst>
+                                        </p:cTn>
+                                        <p:tgtEl>
+                                          <p:spTgt spid="517123">
+                                            <p:txEl>
+                                              <p:pRg st="5" end="5"/>
+                                            </p:txEl>
+                                          </p:spTgt>
+                                        </p:tgtEl>
+                                        <p:attrNameLst>
+                                          <p:attrName>style.visibility</p:attrName>
+                                        </p:attrNameLst>
+                                      </p:cBhvr>
+                                      <p:to>
+                                        <p:strVal val="visible"/>
+                                      </p:to>
+                                    </p:set>
+                                  </p:childTnLst>
+                                </p:cTn>
+                              </p:par>
+                            </p:childTnLst>
+                          </p:cTn>
+                        </p:par>
+                      </p:childTnLst>
+                    </p:cTn>
+                  </p:par>
+                  <p:par>
+                    <p:cTn id="21" fill="hold">
+                      <p:stCondLst>
+                        <p:cond delay="indefinite"/>
+                      </p:stCondLst>
+                      <p:childTnLst>
+                        <p:par>
+                          <p:cTn id="22" fill="hold">
+                            <p:stCondLst>
+                              <p:cond delay="0"/>
+                            </p:stCondLst>
+                            <p:childTnLst>
+                              <p:par>
+                                <p:cTn id="23" presetID="1" presetClass="entr" presetSubtype="0" fill="hold" nodeType="clickEffect">
+                                  <p:stCondLst>
+                                    <p:cond delay="0"/>
+                                  </p:stCondLst>
+                                  <p:childTnLst>
+                                    <p:set>
+                                      <p:cBhvr>
+                                        <p:cTn id="24" dur="1" fill="hold">
+                                          <p:stCondLst>
+                                            <p:cond delay="0"/>
+                                          </p:stCondLst>
+                                        </p:cTn>
+                                        <p:tgtEl>
+                                          <p:spTgt spid="517123">
+                                            <p:txEl>
+                                              <p:pRg st="6" end="6"/>
+                                            </p:txEl>
+                                          </p:spTgt>
+                                        </p:tgtEl>
+                                        <p:attrNameLst>
+                                          <p:attrName>style.visibility</p:attrName>
+                                        </p:attrNameLst>
+                                      </p:cBhvr>
+                                      <p:to>
+                                        <p:strVal val="visible"/>
+                                      </p:to>
+                                    </p:set>
+                                  </p:childTnLst>
+                                </p:cTn>
+                              </p:par>
+                            </p:childTnLst>
+                          </p:cTn>
+                        </p:par>
+                      </p:childTnLst>
+                    </p:cTn>
+                  </p:par>
+                </p:childTnLst>
+              </p:cTn>
+              <p:prevCondLst>
+                <p:cond evt="onPrev" delay="0">
+                  <p:tgtEl>
+                    <p:sldTgt/>
+                  </p:tgtEl>
+                </p:cond>
+              </p:prevCondLst>
+              <p:nextCondLst>
+                <p:cond evt="onNext" delay="0">
+                  <p:tgtEl>
+                    <p:sldTgt/>
+                  </p:tgtEl>
+                </p:cond>
+              </p:nextCondLst>
+            </p:seq>
+          </p:childTnLst>
+        </p:cTn>
+      </p:par>
+    </p:tnLst>
+  </p:timing>
 </p:sld>
 </file>
 
@@ -8808,6 +9428,321 @@
     <a:masterClrMapping/>
   </p:clrMapOvr>
   <p:transition/>
+  <p:timing>
+    <p:tnLst>
+      <p:par>
+        <p:cTn id="1" dur="indefinite" restart="never" nodeType="tmRoot">
+          <p:childTnLst>
+            <p:seq concurrent="1" nextAc="seek">
+              <p:cTn id="2" dur="indefinite" nodeType="mainSeq">
+                <p:childTnLst>
+                  <p:par>
+                    <p:cTn id="3" fill="hold">
+                      <p:stCondLst>
+                        <p:cond delay="indefinite"/>
+                      </p:stCondLst>
+                      <p:childTnLst>
+                        <p:par>
+                          <p:cTn id="4" fill="hold">
+                            <p:stCondLst>
+                              <p:cond delay="0"/>
+                            </p:stCondLst>
+                            <p:childTnLst>
+                              <p:par>
+                                <p:cTn id="5" presetID="1" presetClass="entr" presetSubtype="0" fill="hold" nodeType="clickEffect">
+                                  <p:stCondLst>
+                                    <p:cond delay="0"/>
+                                  </p:stCondLst>
+                                  <p:childTnLst>
+                                    <p:set>
+                                      <p:cBhvr>
+                                        <p:cTn id="6" dur="1" fill="hold">
+                                          <p:stCondLst>
+                                            <p:cond delay="0"/>
+                                          </p:stCondLst>
+                                        </p:cTn>
+                                        <p:tgtEl>
+                                          <p:spTgt spid="513028">
+                                            <p:txEl>
+                                              <p:pRg st="2" end="2"/>
+                                            </p:txEl>
+                                          </p:spTgt>
+                                        </p:tgtEl>
+                                        <p:attrNameLst>
+                                          <p:attrName>style.visibility</p:attrName>
+                                        </p:attrNameLst>
+                                      </p:cBhvr>
+                                      <p:to>
+                                        <p:strVal val="visible"/>
+                                      </p:to>
+                                    </p:set>
+                                  </p:childTnLst>
+                                </p:cTn>
+                              </p:par>
+                              <p:par>
+                                <p:cTn id="7" presetID="1" presetClass="entr" presetSubtype="0" fill="hold" nodeType="withEffect">
+                                  <p:stCondLst>
+                                    <p:cond delay="0"/>
+                                  </p:stCondLst>
+                                  <p:childTnLst>
+                                    <p:set>
+                                      <p:cBhvr>
+                                        <p:cTn id="8" dur="1" fill="hold">
+                                          <p:stCondLst>
+                                            <p:cond delay="0"/>
+                                          </p:stCondLst>
+                                        </p:cTn>
+                                        <p:tgtEl>
+                                          <p:spTgt spid="513028">
+                                            <p:txEl>
+                                              <p:pRg st="3" end="3"/>
+                                            </p:txEl>
+                                          </p:spTgt>
+                                        </p:tgtEl>
+                                        <p:attrNameLst>
+                                          <p:attrName>style.visibility</p:attrName>
+                                        </p:attrNameLst>
+                                      </p:cBhvr>
+                                      <p:to>
+                                        <p:strVal val="visible"/>
+                                      </p:to>
+                                    </p:set>
+                                  </p:childTnLst>
+                                </p:cTn>
+                              </p:par>
+                            </p:childTnLst>
+                          </p:cTn>
+                        </p:par>
+                      </p:childTnLst>
+                    </p:cTn>
+                  </p:par>
+                  <p:par>
+                    <p:cTn id="9" fill="hold">
+                      <p:stCondLst>
+                        <p:cond delay="indefinite"/>
+                      </p:stCondLst>
+                      <p:childTnLst>
+                        <p:par>
+                          <p:cTn id="10" fill="hold">
+                            <p:stCondLst>
+                              <p:cond delay="0"/>
+                            </p:stCondLst>
+                            <p:childTnLst>
+                              <p:par>
+                                <p:cTn id="11" presetID="1" presetClass="entr" presetSubtype="0" fill="hold" nodeType="clickEffect">
+                                  <p:stCondLst>
+                                    <p:cond delay="0"/>
+                                  </p:stCondLst>
+                                  <p:childTnLst>
+                                    <p:set>
+                                      <p:cBhvr>
+                                        <p:cTn id="12" dur="1" fill="hold">
+                                          <p:stCondLst>
+                                            <p:cond delay="0"/>
+                                          </p:stCondLst>
+                                        </p:cTn>
+                                        <p:tgtEl>
+                                          <p:spTgt spid="513028">
+                                            <p:txEl>
+                                              <p:pRg st="4" end="4"/>
+                                            </p:txEl>
+                                          </p:spTgt>
+                                        </p:tgtEl>
+                                        <p:attrNameLst>
+                                          <p:attrName>style.visibility</p:attrName>
+                                        </p:attrNameLst>
+                                      </p:cBhvr>
+                                      <p:to>
+                                        <p:strVal val="visible"/>
+                                      </p:to>
+                                    </p:set>
+                                  </p:childTnLst>
+                                </p:cTn>
+                              </p:par>
+                              <p:par>
+                                <p:cTn id="13" presetID="1" presetClass="entr" presetSubtype="0" fill="hold" nodeType="withEffect">
+                                  <p:stCondLst>
+                                    <p:cond delay="0"/>
+                                  </p:stCondLst>
+                                  <p:childTnLst>
+                                    <p:set>
+                                      <p:cBhvr>
+                                        <p:cTn id="14" dur="1" fill="hold">
+                                          <p:stCondLst>
+                                            <p:cond delay="0"/>
+                                          </p:stCondLst>
+                                        </p:cTn>
+                                        <p:tgtEl>
+                                          <p:spTgt spid="513028">
+                                            <p:txEl>
+                                              <p:pRg st="5" end="5"/>
+                                            </p:txEl>
+                                          </p:spTgt>
+                                        </p:tgtEl>
+                                        <p:attrNameLst>
+                                          <p:attrName>style.visibility</p:attrName>
+                                        </p:attrNameLst>
+                                      </p:cBhvr>
+                                      <p:to>
+                                        <p:strVal val="visible"/>
+                                      </p:to>
+                                    </p:set>
+                                  </p:childTnLst>
+                                </p:cTn>
+                              </p:par>
+                            </p:childTnLst>
+                          </p:cTn>
+                        </p:par>
+                      </p:childTnLst>
+                    </p:cTn>
+                  </p:par>
+                  <p:par>
+                    <p:cTn id="15" fill="hold">
+                      <p:stCondLst>
+                        <p:cond delay="indefinite"/>
+                      </p:stCondLst>
+                      <p:childTnLst>
+                        <p:par>
+                          <p:cTn id="16" fill="hold">
+                            <p:stCondLst>
+                              <p:cond delay="0"/>
+                            </p:stCondLst>
+                            <p:childTnLst>
+                              <p:par>
+                                <p:cTn id="17" presetID="1" presetClass="entr" presetSubtype="0" fill="hold" nodeType="clickEffect">
+                                  <p:stCondLst>
+                                    <p:cond delay="0"/>
+                                  </p:stCondLst>
+                                  <p:childTnLst>
+                                    <p:set>
+                                      <p:cBhvr>
+                                        <p:cTn id="18" dur="1" fill="hold">
+                                          <p:stCondLst>
+                                            <p:cond delay="0"/>
+                                          </p:stCondLst>
+                                        </p:cTn>
+                                        <p:tgtEl>
+                                          <p:spTgt spid="513028">
+                                            <p:txEl>
+                                              <p:pRg st="6" end="6"/>
+                                            </p:txEl>
+                                          </p:spTgt>
+                                        </p:tgtEl>
+                                        <p:attrNameLst>
+                                          <p:attrName>style.visibility</p:attrName>
+                                        </p:attrNameLst>
+                                      </p:cBhvr>
+                                      <p:to>
+                                        <p:strVal val="visible"/>
+                                      </p:to>
+                                    </p:set>
+                                  </p:childTnLst>
+                                </p:cTn>
+                              </p:par>
+                              <p:par>
+                                <p:cTn id="19" presetID="1" presetClass="entr" presetSubtype="0" fill="hold" nodeType="withEffect">
+                                  <p:stCondLst>
+                                    <p:cond delay="0"/>
+                                  </p:stCondLst>
+                                  <p:childTnLst>
+                                    <p:set>
+                                      <p:cBhvr>
+                                        <p:cTn id="20" dur="1" fill="hold">
+                                          <p:stCondLst>
+                                            <p:cond delay="0"/>
+                                          </p:stCondLst>
+                                        </p:cTn>
+                                        <p:tgtEl>
+                                          <p:spTgt spid="513028">
+                                            <p:txEl>
+                                              <p:pRg st="7" end="7"/>
+                                            </p:txEl>
+                                          </p:spTgt>
+                                        </p:tgtEl>
+                                        <p:attrNameLst>
+                                          <p:attrName>style.visibility</p:attrName>
+                                        </p:attrNameLst>
+                                      </p:cBhvr>
+                                      <p:to>
+                                        <p:strVal val="visible"/>
+                                      </p:to>
+                                    </p:set>
+                                  </p:childTnLst>
+                                </p:cTn>
+                              </p:par>
+                            </p:childTnLst>
+                          </p:cTn>
+                        </p:par>
+                      </p:childTnLst>
+                    </p:cTn>
+                  </p:par>
+                  <p:par>
+                    <p:cTn id="21" fill="hold">
+                      <p:stCondLst>
+                        <p:cond delay="indefinite"/>
+                      </p:stCondLst>
+                      <p:childTnLst>
+                        <p:par>
+                          <p:cTn id="22" fill="hold">
+                            <p:stCondLst>
+                              <p:cond delay="0"/>
+                            </p:stCondLst>
+                            <p:childTnLst>
+                              <p:par>
+                                <p:cTn id="23" presetID="1" presetClass="entr" presetSubtype="0" fill="hold" nodeType="clickEffect">
+                                  <p:stCondLst>
+                                    <p:cond delay="0"/>
+                                  </p:stCondLst>
+                                  <p:childTnLst>
+                                    <p:set>
+                                      <p:cBhvr>
+                                        <p:cTn id="24" dur="1" fill="hold">
+                                          <p:stCondLst>
+                                            <p:cond delay="0"/>
+                                          </p:stCondLst>
+                                        </p:cTn>
+                                        <p:tgtEl>
+                                          <p:spTgt spid="2"/>
+                                        </p:tgtEl>
+                                        <p:attrNameLst>
+                                          <p:attrName>style.visibility</p:attrName>
+                                        </p:attrNameLst>
+                                      </p:cBhvr>
+                                      <p:to>
+                                        <p:strVal val="visible"/>
+                                      </p:to>
+                                    </p:set>
+                                  </p:childTnLst>
+                                </p:cTn>
+                              </p:par>
+                            </p:childTnLst>
+                          </p:cTn>
+                        </p:par>
+                      </p:childTnLst>
+                    </p:cTn>
+                  </p:par>
+                </p:childTnLst>
+              </p:cTn>
+              <p:prevCondLst>
+                <p:cond evt="onPrev" delay="0">
+                  <p:tgtEl>
+                    <p:sldTgt/>
+                  </p:tgtEl>
+                </p:cond>
+              </p:prevCondLst>
+              <p:nextCondLst>
+                <p:cond evt="onNext" delay="0">
+                  <p:tgtEl>
+                    <p:sldTgt/>
+                  </p:tgtEl>
+                </p:cond>
+              </p:nextCondLst>
+            </p:seq>
+          </p:childTnLst>
+        </p:cTn>
+      </p:par>
+    </p:tnLst>
+  </p:timing>
 </p:sld>
 </file>
 
@@ -10442,6 +11377,270 @@
   <p:clrMapOvr>
     <a:masterClrMapping/>
   </p:clrMapOvr>
+  <p:timing>
+    <p:tnLst>
+      <p:par>
+        <p:cTn id="1" dur="indefinite" restart="never" nodeType="tmRoot">
+          <p:childTnLst>
+            <p:seq concurrent="1" nextAc="seek">
+              <p:cTn id="2" dur="indefinite" nodeType="mainSeq">
+                <p:childTnLst>
+                  <p:par>
+                    <p:cTn id="3" fill="hold">
+                      <p:stCondLst>
+                        <p:cond delay="indefinite"/>
+                      </p:stCondLst>
+                      <p:childTnLst>
+                        <p:par>
+                          <p:cTn id="4" fill="hold">
+                            <p:stCondLst>
+                              <p:cond delay="0"/>
+                            </p:stCondLst>
+                            <p:childTnLst>
+                              <p:par>
+                                <p:cTn id="5" presetID="1" presetClass="entr" presetSubtype="0" fill="hold" grpId="0" nodeType="clickEffect">
+                                  <p:stCondLst>
+                                    <p:cond delay="0"/>
+                                  </p:stCondLst>
+                                  <p:childTnLst>
+                                    <p:set>
+                                      <p:cBhvr>
+                                        <p:cTn id="6" dur="1" fill="hold">
+                                          <p:stCondLst>
+                                            <p:cond delay="0"/>
+                                          </p:stCondLst>
+                                        </p:cTn>
+                                        <p:tgtEl>
+                                          <p:spTgt spid="8"/>
+                                        </p:tgtEl>
+                                        <p:attrNameLst>
+                                          <p:attrName>style.visibility</p:attrName>
+                                        </p:attrNameLst>
+                                      </p:cBhvr>
+                                      <p:to>
+                                        <p:strVal val="visible"/>
+                                      </p:to>
+                                    </p:set>
+                                  </p:childTnLst>
+                                </p:cTn>
+                              </p:par>
+                              <p:par>
+                                <p:cTn id="7" presetID="1" presetClass="entr" presetSubtype="0" fill="hold" grpId="0" nodeType="withEffect">
+                                  <p:stCondLst>
+                                    <p:cond delay="0"/>
+                                  </p:stCondLst>
+                                  <p:childTnLst>
+                                    <p:set>
+                                      <p:cBhvr>
+                                        <p:cTn id="8" dur="1" fill="hold">
+                                          <p:stCondLst>
+                                            <p:cond delay="0"/>
+                                          </p:stCondLst>
+                                        </p:cTn>
+                                        <p:tgtEl>
+                                          <p:spTgt spid="10"/>
+                                        </p:tgtEl>
+                                        <p:attrNameLst>
+                                          <p:attrName>style.visibility</p:attrName>
+                                        </p:attrNameLst>
+                                      </p:cBhvr>
+                                      <p:to>
+                                        <p:strVal val="visible"/>
+                                      </p:to>
+                                    </p:set>
+                                  </p:childTnLst>
+                                </p:cTn>
+                              </p:par>
+                              <p:par>
+                                <p:cTn id="9" presetID="1" presetClass="entr" presetSubtype="0" fill="hold" grpId="0" nodeType="withEffect">
+                                  <p:stCondLst>
+                                    <p:cond delay="0"/>
+                                  </p:stCondLst>
+                                  <p:childTnLst>
+                                    <p:set>
+                                      <p:cBhvr>
+                                        <p:cTn id="10" dur="1" fill="hold">
+                                          <p:stCondLst>
+                                            <p:cond delay="0"/>
+                                          </p:stCondLst>
+                                        </p:cTn>
+                                        <p:tgtEl>
+                                          <p:spTgt spid="9"/>
+                                        </p:tgtEl>
+                                        <p:attrNameLst>
+                                          <p:attrName>style.visibility</p:attrName>
+                                        </p:attrNameLst>
+                                      </p:cBhvr>
+                                      <p:to>
+                                        <p:strVal val="visible"/>
+                                      </p:to>
+                                    </p:set>
+                                  </p:childTnLst>
+                                </p:cTn>
+                              </p:par>
+                              <p:par>
+                                <p:cTn id="11" presetID="1" presetClass="entr" presetSubtype="0" fill="hold" grpId="0" nodeType="withEffect">
+                                  <p:stCondLst>
+                                    <p:cond delay="0"/>
+                                  </p:stCondLst>
+                                  <p:childTnLst>
+                                    <p:set>
+                                      <p:cBhvr>
+                                        <p:cTn id="12" dur="1" fill="hold">
+                                          <p:stCondLst>
+                                            <p:cond delay="0"/>
+                                          </p:stCondLst>
+                                        </p:cTn>
+                                        <p:tgtEl>
+                                          <p:spTgt spid="11"/>
+                                        </p:tgtEl>
+                                        <p:attrNameLst>
+                                          <p:attrName>style.visibility</p:attrName>
+                                        </p:attrNameLst>
+                                      </p:cBhvr>
+                                      <p:to>
+                                        <p:strVal val="visible"/>
+                                      </p:to>
+                                    </p:set>
+                                  </p:childTnLst>
+                                </p:cTn>
+                              </p:par>
+                              <p:par>
+                                <p:cTn id="13" presetID="1" presetClass="entr" presetSubtype="0" fill="hold" grpId="0" nodeType="withEffect">
+                                  <p:stCondLst>
+                                    <p:cond delay="0"/>
+                                  </p:stCondLst>
+                                  <p:childTnLst>
+                                    <p:set>
+                                      <p:cBhvr>
+                                        <p:cTn id="14" dur="1" fill="hold">
+                                          <p:stCondLst>
+                                            <p:cond delay="0"/>
+                                          </p:stCondLst>
+                                        </p:cTn>
+                                        <p:tgtEl>
+                                          <p:spTgt spid="12"/>
+                                        </p:tgtEl>
+                                        <p:attrNameLst>
+                                          <p:attrName>style.visibility</p:attrName>
+                                        </p:attrNameLst>
+                                      </p:cBhvr>
+                                      <p:to>
+                                        <p:strVal val="visible"/>
+                                      </p:to>
+                                    </p:set>
+                                  </p:childTnLst>
+                                </p:cTn>
+                              </p:par>
+                              <p:par>
+                                <p:cTn id="15" presetID="1" presetClass="entr" presetSubtype="0" fill="hold" grpId="0" nodeType="withEffect">
+                                  <p:stCondLst>
+                                    <p:cond delay="0"/>
+                                  </p:stCondLst>
+                                  <p:childTnLst>
+                                    <p:set>
+                                      <p:cBhvr>
+                                        <p:cTn id="16" dur="1" fill="hold">
+                                          <p:stCondLst>
+                                            <p:cond delay="0"/>
+                                          </p:stCondLst>
+                                        </p:cTn>
+                                        <p:tgtEl>
+                                          <p:spTgt spid="13"/>
+                                        </p:tgtEl>
+                                        <p:attrNameLst>
+                                          <p:attrName>style.visibility</p:attrName>
+                                        </p:attrNameLst>
+                                      </p:cBhvr>
+                                      <p:to>
+                                        <p:strVal val="visible"/>
+                                      </p:to>
+                                    </p:set>
+                                  </p:childTnLst>
+                                </p:cTn>
+                              </p:par>
+                            </p:childTnLst>
+                          </p:cTn>
+                        </p:par>
+                      </p:childTnLst>
+                    </p:cTn>
+                  </p:par>
+                  <p:par>
+                    <p:cTn id="17" fill="hold">
+                      <p:stCondLst>
+                        <p:cond delay="indefinite"/>
+                      </p:stCondLst>
+                      <p:childTnLst>
+                        <p:par>
+                          <p:cTn id="18" fill="hold">
+                            <p:stCondLst>
+                              <p:cond delay="0"/>
+                            </p:stCondLst>
+                            <p:childTnLst>
+                              <p:par>
+                                <p:cTn id="19" presetID="1" presetClass="entr" presetSubtype="0" fill="hold" grpId="0" nodeType="clickEffect">
+                                  <p:stCondLst>
+                                    <p:cond delay="0"/>
+                                  </p:stCondLst>
+                                  <p:childTnLst>
+                                    <p:set>
+                                      <p:cBhvr>
+                                        <p:cTn id="20" dur="1" fill="hold">
+                                          <p:stCondLst>
+                                            <p:cond delay="0"/>
+                                          </p:stCondLst>
+                                        </p:cTn>
+                                        <p:tgtEl>
+                                          <p:spTgt spid="15"/>
+                                        </p:tgtEl>
+                                        <p:attrNameLst>
+                                          <p:attrName>style.visibility</p:attrName>
+                                        </p:attrNameLst>
+                                      </p:cBhvr>
+                                      <p:to>
+                                        <p:strVal val="visible"/>
+                                      </p:to>
+                                    </p:set>
+                                  </p:childTnLst>
+                                </p:cTn>
+                              </p:par>
+                            </p:childTnLst>
+                          </p:cTn>
+                        </p:par>
+                      </p:childTnLst>
+                    </p:cTn>
+                  </p:par>
+                </p:childTnLst>
+              </p:cTn>
+              <p:prevCondLst>
+                <p:cond evt="onPrev" delay="0">
+                  <p:tgtEl>
+                    <p:sldTgt/>
+                  </p:tgtEl>
+                </p:cond>
+              </p:prevCondLst>
+              <p:nextCondLst>
+                <p:cond evt="onNext" delay="0">
+                  <p:tgtEl>
+                    <p:sldTgt/>
+                  </p:tgtEl>
+                </p:cond>
+              </p:nextCondLst>
+            </p:seq>
+          </p:childTnLst>
+        </p:cTn>
+      </p:par>
+    </p:tnLst>
+    <p:bldLst>
+      <p:bldP spid="8" grpId="0" animBg="1"/>
+      <p:bldP spid="9" grpId="0" animBg="1"/>
+      <p:bldP spid="10" grpId="0" animBg="1"/>
+      <p:bldP spid="11" grpId="0" animBg="1"/>
+      <p:bldP spid="12" grpId="0" animBg="1"/>
+      <p:bldP spid="13" grpId="0" animBg="1"/>
+      <p:bldP spid="15" grpId="0"/>
+    </p:bldLst>
+  </p:timing>
 </p:sld>
 </file>
 
@@ -11056,6 +12255,400 @@
   <p:clrMapOvr>
     <a:masterClrMapping/>
   </p:clrMapOvr>
+  <p:timing>
+    <p:tnLst>
+      <p:par>
+        <p:cTn id="1" dur="indefinite" restart="never" nodeType="tmRoot">
+          <p:childTnLst>
+            <p:seq concurrent="1" nextAc="seek">
+              <p:cTn id="2" dur="indefinite" nodeType="mainSeq">
+                <p:childTnLst>
+                  <p:par>
+                    <p:cTn id="3" fill="hold">
+                      <p:stCondLst>
+                        <p:cond delay="indefinite"/>
+                      </p:stCondLst>
+                      <p:childTnLst>
+                        <p:par>
+                          <p:cTn id="4" fill="hold">
+                            <p:stCondLst>
+                              <p:cond delay="0"/>
+                            </p:stCondLst>
+                            <p:childTnLst>
+                              <p:par>
+                                <p:cTn id="5" presetID="1" presetClass="entr" presetSubtype="0" fill="hold" nodeType="clickEffect">
+                                  <p:stCondLst>
+                                    <p:cond delay="0"/>
+                                  </p:stCondLst>
+                                  <p:childTnLst>
+                                    <p:set>
+                                      <p:cBhvr>
+                                        <p:cTn id="6" dur="1" fill="hold">
+                                          <p:stCondLst>
+                                            <p:cond delay="0"/>
+                                          </p:stCondLst>
+                                        </p:cTn>
+                                        <p:tgtEl>
+                                          <p:spTgt spid="5">
+                                            <p:txEl>
+                                              <p:pRg st="1" end="1"/>
+                                            </p:txEl>
+                                          </p:spTgt>
+                                        </p:tgtEl>
+                                        <p:attrNameLst>
+                                          <p:attrName>style.visibility</p:attrName>
+                                        </p:attrNameLst>
+                                      </p:cBhvr>
+                                      <p:to>
+                                        <p:strVal val="visible"/>
+                                      </p:to>
+                                    </p:set>
+                                  </p:childTnLst>
+                                </p:cTn>
+                              </p:par>
+                              <p:par>
+                                <p:cTn id="7" presetID="1" presetClass="entr" presetSubtype="0" fill="hold" nodeType="withEffect">
+                                  <p:stCondLst>
+                                    <p:cond delay="0"/>
+                                  </p:stCondLst>
+                                  <p:childTnLst>
+                                    <p:set>
+                                      <p:cBhvr>
+                                        <p:cTn id="8" dur="1" fill="hold">
+                                          <p:stCondLst>
+                                            <p:cond delay="0"/>
+                                          </p:stCondLst>
+                                        </p:cTn>
+                                        <p:tgtEl>
+                                          <p:spTgt spid="5">
+                                            <p:txEl>
+                                              <p:pRg st="2" end="2"/>
+                                            </p:txEl>
+                                          </p:spTgt>
+                                        </p:tgtEl>
+                                        <p:attrNameLst>
+                                          <p:attrName>style.visibility</p:attrName>
+                                        </p:attrNameLst>
+                                      </p:cBhvr>
+                                      <p:to>
+                                        <p:strVal val="visible"/>
+                                      </p:to>
+                                    </p:set>
+                                  </p:childTnLst>
+                                </p:cTn>
+                              </p:par>
+                              <p:par>
+                                <p:cTn id="9" presetID="1" presetClass="entr" presetSubtype="0" fill="hold" nodeType="withEffect">
+                                  <p:stCondLst>
+                                    <p:cond delay="0"/>
+                                  </p:stCondLst>
+                                  <p:childTnLst>
+                                    <p:set>
+                                      <p:cBhvr>
+                                        <p:cTn id="10" dur="1" fill="hold">
+                                          <p:stCondLst>
+                                            <p:cond delay="0"/>
+                                          </p:stCondLst>
+                                        </p:cTn>
+                                        <p:tgtEl>
+                                          <p:spTgt spid="5">
+                                            <p:txEl>
+                                              <p:pRg st="3" end="3"/>
+                                            </p:txEl>
+                                          </p:spTgt>
+                                        </p:tgtEl>
+                                        <p:attrNameLst>
+                                          <p:attrName>style.visibility</p:attrName>
+                                        </p:attrNameLst>
+                                      </p:cBhvr>
+                                      <p:to>
+                                        <p:strVal val="visible"/>
+                                      </p:to>
+                                    </p:set>
+                                  </p:childTnLst>
+                                </p:cTn>
+                              </p:par>
+                              <p:par>
+                                <p:cTn id="11" presetID="1" presetClass="entr" presetSubtype="0" fill="hold" nodeType="withEffect">
+                                  <p:stCondLst>
+                                    <p:cond delay="0"/>
+                                  </p:stCondLst>
+                                  <p:childTnLst>
+                                    <p:set>
+                                      <p:cBhvr>
+                                        <p:cTn id="12" dur="1" fill="hold">
+                                          <p:stCondLst>
+                                            <p:cond delay="0"/>
+                                          </p:stCondLst>
+                                        </p:cTn>
+                                        <p:tgtEl>
+                                          <p:spTgt spid="5">
+                                            <p:txEl>
+                                              <p:pRg st="4" end="4"/>
+                                            </p:txEl>
+                                          </p:spTgt>
+                                        </p:tgtEl>
+                                        <p:attrNameLst>
+                                          <p:attrName>style.visibility</p:attrName>
+                                        </p:attrNameLst>
+                                      </p:cBhvr>
+                                      <p:to>
+                                        <p:strVal val="visible"/>
+                                      </p:to>
+                                    </p:set>
+                                  </p:childTnLst>
+                                </p:cTn>
+                              </p:par>
+                              <p:par>
+                                <p:cTn id="13" presetID="1" presetClass="entr" presetSubtype="0" fill="hold" nodeType="withEffect">
+                                  <p:stCondLst>
+                                    <p:cond delay="0"/>
+                                  </p:stCondLst>
+                                  <p:childTnLst>
+                                    <p:set>
+                                      <p:cBhvr>
+                                        <p:cTn id="14" dur="1" fill="hold">
+                                          <p:stCondLst>
+                                            <p:cond delay="0"/>
+                                          </p:stCondLst>
+                                        </p:cTn>
+                                        <p:tgtEl>
+                                          <p:spTgt spid="5">
+                                            <p:txEl>
+                                              <p:pRg st="10" end="10"/>
+                                            </p:txEl>
+                                          </p:spTgt>
+                                        </p:tgtEl>
+                                        <p:attrNameLst>
+                                          <p:attrName>style.visibility</p:attrName>
+                                        </p:attrNameLst>
+                                      </p:cBhvr>
+                                      <p:to>
+                                        <p:strVal val="visible"/>
+                                      </p:to>
+                                    </p:set>
+                                  </p:childTnLst>
+                                </p:cTn>
+                              </p:par>
+                            </p:childTnLst>
+                          </p:cTn>
+                        </p:par>
+                      </p:childTnLst>
+                    </p:cTn>
+                  </p:par>
+                  <p:par>
+                    <p:cTn id="15" fill="hold">
+                      <p:stCondLst>
+                        <p:cond delay="indefinite"/>
+                      </p:stCondLst>
+                      <p:childTnLst>
+                        <p:par>
+                          <p:cTn id="16" fill="hold">
+                            <p:stCondLst>
+                              <p:cond delay="0"/>
+                            </p:stCondLst>
+                            <p:childTnLst>
+                              <p:par>
+                                <p:cTn id="17" presetID="1" presetClass="entr" presetSubtype="0" fill="hold" nodeType="clickEffect">
+                                  <p:stCondLst>
+                                    <p:cond delay="0"/>
+                                  </p:stCondLst>
+                                  <p:childTnLst>
+                                    <p:set>
+                                      <p:cBhvr>
+                                        <p:cTn id="18" dur="1" fill="hold">
+                                          <p:stCondLst>
+                                            <p:cond delay="0"/>
+                                          </p:stCondLst>
+                                        </p:cTn>
+                                        <p:tgtEl>
+                                          <p:spTgt spid="5">
+                                            <p:txEl>
+                                              <p:pRg st="5" end="5"/>
+                                            </p:txEl>
+                                          </p:spTgt>
+                                        </p:tgtEl>
+                                        <p:attrNameLst>
+                                          <p:attrName>style.visibility</p:attrName>
+                                        </p:attrNameLst>
+                                      </p:cBhvr>
+                                      <p:to>
+                                        <p:strVal val="visible"/>
+                                      </p:to>
+                                    </p:set>
+                                  </p:childTnLst>
+                                </p:cTn>
+                              </p:par>
+                              <p:par>
+                                <p:cTn id="19" presetID="1" presetClass="entr" presetSubtype="0" fill="hold" nodeType="withEffect">
+                                  <p:stCondLst>
+                                    <p:cond delay="0"/>
+                                  </p:stCondLst>
+                                  <p:childTnLst>
+                                    <p:set>
+                                      <p:cBhvr>
+                                        <p:cTn id="20" dur="1" fill="hold">
+                                          <p:stCondLst>
+                                            <p:cond delay="0"/>
+                                          </p:stCondLst>
+                                        </p:cTn>
+                                        <p:tgtEl>
+                                          <p:spTgt spid="5">
+                                            <p:txEl>
+                                              <p:pRg st="6" end="6"/>
+                                            </p:txEl>
+                                          </p:spTgt>
+                                        </p:tgtEl>
+                                        <p:attrNameLst>
+                                          <p:attrName>style.visibility</p:attrName>
+                                        </p:attrNameLst>
+                                      </p:cBhvr>
+                                      <p:to>
+                                        <p:strVal val="visible"/>
+                                      </p:to>
+                                    </p:set>
+                                  </p:childTnLst>
+                                </p:cTn>
+                              </p:par>
+                              <p:par>
+                                <p:cTn id="21" presetID="1" presetClass="entr" presetSubtype="0" fill="hold" nodeType="withEffect">
+                                  <p:stCondLst>
+                                    <p:cond delay="0"/>
+                                  </p:stCondLst>
+                                  <p:childTnLst>
+                                    <p:set>
+                                      <p:cBhvr>
+                                        <p:cTn id="22" dur="1" fill="hold">
+                                          <p:stCondLst>
+                                            <p:cond delay="0"/>
+                                          </p:stCondLst>
+                                        </p:cTn>
+                                        <p:tgtEl>
+                                          <p:spTgt spid="5">
+                                            <p:txEl>
+                                              <p:pRg st="7" end="7"/>
+                                            </p:txEl>
+                                          </p:spTgt>
+                                        </p:tgtEl>
+                                        <p:attrNameLst>
+                                          <p:attrName>style.visibility</p:attrName>
+                                        </p:attrNameLst>
+                                      </p:cBhvr>
+                                      <p:to>
+                                        <p:strVal val="visible"/>
+                                      </p:to>
+                                    </p:set>
+                                  </p:childTnLst>
+                                </p:cTn>
+                              </p:par>
+                            </p:childTnLst>
+                          </p:cTn>
+                        </p:par>
+                      </p:childTnLst>
+                    </p:cTn>
+                  </p:par>
+                  <p:par>
+                    <p:cTn id="23" fill="hold">
+                      <p:stCondLst>
+                        <p:cond delay="indefinite"/>
+                      </p:stCondLst>
+                      <p:childTnLst>
+                        <p:par>
+                          <p:cTn id="24" fill="hold">
+                            <p:stCondLst>
+                              <p:cond delay="0"/>
+                            </p:stCondLst>
+                            <p:childTnLst>
+                              <p:par>
+                                <p:cTn id="25" presetID="1" presetClass="entr" presetSubtype="0" fill="hold" nodeType="clickEffect">
+                                  <p:stCondLst>
+                                    <p:cond delay="0"/>
+                                  </p:stCondLst>
+                                  <p:childTnLst>
+                                    <p:set>
+                                      <p:cBhvr>
+                                        <p:cTn id="26" dur="1" fill="hold">
+                                          <p:stCondLst>
+                                            <p:cond delay="0"/>
+                                          </p:stCondLst>
+                                        </p:cTn>
+                                        <p:tgtEl>
+                                          <p:spTgt spid="5">
+                                            <p:txEl>
+                                              <p:pRg st="8" end="8"/>
+                                            </p:txEl>
+                                          </p:spTgt>
+                                        </p:tgtEl>
+                                        <p:attrNameLst>
+                                          <p:attrName>style.visibility</p:attrName>
+                                        </p:attrNameLst>
+                                      </p:cBhvr>
+                                      <p:to>
+                                        <p:strVal val="visible"/>
+                                      </p:to>
+                                    </p:set>
+                                  </p:childTnLst>
+                                </p:cTn>
+                              </p:par>
+                              <p:par>
+                                <p:cTn id="27" presetID="1" presetClass="entr" presetSubtype="0" fill="hold" nodeType="withEffect">
+                                  <p:stCondLst>
+                                    <p:cond delay="0"/>
+                                  </p:stCondLst>
+                                  <p:childTnLst>
+                                    <p:set>
+                                      <p:cBhvr>
+                                        <p:cTn id="28" dur="1" fill="hold">
+                                          <p:stCondLst>
+                                            <p:cond delay="0"/>
+                                          </p:stCondLst>
+                                        </p:cTn>
+                                        <p:tgtEl>
+                                          <p:spTgt spid="5">
+                                            <p:txEl>
+                                              <p:pRg st="9" end="9"/>
+                                            </p:txEl>
+                                          </p:spTgt>
+                                        </p:tgtEl>
+                                        <p:attrNameLst>
+                                          <p:attrName>style.visibility</p:attrName>
+                                        </p:attrNameLst>
+                                      </p:cBhvr>
+                                      <p:to>
+                                        <p:strVal val="visible"/>
+                                      </p:to>
+                                    </p:set>
+                                  </p:childTnLst>
+                                </p:cTn>
+                              </p:par>
+                            </p:childTnLst>
+                          </p:cTn>
+                        </p:par>
+                      </p:childTnLst>
+                    </p:cTn>
+                  </p:par>
+                </p:childTnLst>
+              </p:cTn>
+              <p:prevCondLst>
+                <p:cond evt="onPrev" delay="0">
+                  <p:tgtEl>
+                    <p:sldTgt/>
+                  </p:tgtEl>
+                </p:cond>
+              </p:prevCondLst>
+              <p:nextCondLst>
+                <p:cond evt="onNext" delay="0">
+                  <p:tgtEl>
+                    <p:sldTgt/>
+                  </p:tgtEl>
+                </p:cond>
+              </p:nextCondLst>
+            </p:seq>
+          </p:childTnLst>
+        </p:cTn>
+      </p:par>
+    </p:tnLst>
+  </p:timing>
 </p:sld>
 </file>
 
@@ -11543,6 +13136,330 @@
     <a:masterClrMapping/>
   </p:clrMapOvr>
   <p:transition/>
+  <p:timing>
+    <p:tnLst>
+      <p:par>
+        <p:cTn id="1" dur="indefinite" restart="never" nodeType="tmRoot">
+          <p:childTnLst>
+            <p:seq concurrent="1" nextAc="seek">
+              <p:cTn id="2" dur="indefinite" nodeType="mainSeq">
+                <p:childTnLst>
+                  <p:par>
+                    <p:cTn id="3" fill="hold">
+                      <p:stCondLst>
+                        <p:cond delay="indefinite"/>
+                      </p:stCondLst>
+                      <p:childTnLst>
+                        <p:par>
+                          <p:cTn id="4" fill="hold">
+                            <p:stCondLst>
+                              <p:cond delay="0"/>
+                            </p:stCondLst>
+                            <p:childTnLst>
+                              <p:par>
+                                <p:cTn id="5" presetID="1" presetClass="entr" presetSubtype="0" fill="hold" nodeType="clickEffect">
+                                  <p:stCondLst>
+                                    <p:cond delay="0"/>
+                                  </p:stCondLst>
+                                  <p:childTnLst>
+                                    <p:set>
+                                      <p:cBhvr>
+                                        <p:cTn id="6" dur="1" fill="hold">
+                                          <p:stCondLst>
+                                            <p:cond delay="0"/>
+                                          </p:stCondLst>
+                                        </p:cTn>
+                                        <p:tgtEl>
+                                          <p:spTgt spid="538627">
+                                            <p:txEl>
+                                              <p:pRg st="1" end="1"/>
+                                            </p:txEl>
+                                          </p:spTgt>
+                                        </p:tgtEl>
+                                        <p:attrNameLst>
+                                          <p:attrName>style.visibility</p:attrName>
+                                        </p:attrNameLst>
+                                      </p:cBhvr>
+                                      <p:to>
+                                        <p:strVal val="visible"/>
+                                      </p:to>
+                                    </p:set>
+                                  </p:childTnLst>
+                                </p:cTn>
+                              </p:par>
+                            </p:childTnLst>
+                          </p:cTn>
+                        </p:par>
+                      </p:childTnLst>
+                    </p:cTn>
+                  </p:par>
+                  <p:par>
+                    <p:cTn id="7" fill="hold">
+                      <p:stCondLst>
+                        <p:cond delay="indefinite"/>
+                      </p:stCondLst>
+                      <p:childTnLst>
+                        <p:par>
+                          <p:cTn id="8" fill="hold">
+                            <p:stCondLst>
+                              <p:cond delay="0"/>
+                            </p:stCondLst>
+                            <p:childTnLst>
+                              <p:par>
+                                <p:cTn id="9" presetID="1" presetClass="entr" presetSubtype="0" fill="hold" nodeType="clickEffect">
+                                  <p:stCondLst>
+                                    <p:cond delay="0"/>
+                                  </p:stCondLst>
+                                  <p:childTnLst>
+                                    <p:set>
+                                      <p:cBhvr>
+                                        <p:cTn id="10" dur="1" fill="hold">
+                                          <p:stCondLst>
+                                            <p:cond delay="0"/>
+                                          </p:stCondLst>
+                                        </p:cTn>
+                                        <p:tgtEl>
+                                          <p:spTgt spid="538627">
+                                            <p:txEl>
+                                              <p:pRg st="2" end="2"/>
+                                            </p:txEl>
+                                          </p:spTgt>
+                                        </p:tgtEl>
+                                        <p:attrNameLst>
+                                          <p:attrName>style.visibility</p:attrName>
+                                        </p:attrNameLst>
+                                      </p:cBhvr>
+                                      <p:to>
+                                        <p:strVal val="visible"/>
+                                      </p:to>
+                                    </p:set>
+                                  </p:childTnLst>
+                                </p:cTn>
+                              </p:par>
+                            </p:childTnLst>
+                          </p:cTn>
+                        </p:par>
+                      </p:childTnLst>
+                    </p:cTn>
+                  </p:par>
+                  <p:par>
+                    <p:cTn id="11" fill="hold">
+                      <p:stCondLst>
+                        <p:cond delay="indefinite"/>
+                      </p:stCondLst>
+                      <p:childTnLst>
+                        <p:par>
+                          <p:cTn id="12" fill="hold">
+                            <p:stCondLst>
+                              <p:cond delay="0"/>
+                            </p:stCondLst>
+                            <p:childTnLst>
+                              <p:par>
+                                <p:cTn id="13" presetID="1" presetClass="entr" presetSubtype="0" fill="hold" nodeType="clickEffect">
+                                  <p:stCondLst>
+                                    <p:cond delay="0"/>
+                                  </p:stCondLst>
+                                  <p:childTnLst>
+                                    <p:set>
+                                      <p:cBhvr>
+                                        <p:cTn id="14" dur="1" fill="hold">
+                                          <p:stCondLst>
+                                            <p:cond delay="0"/>
+                                          </p:stCondLst>
+                                        </p:cTn>
+                                        <p:tgtEl>
+                                          <p:spTgt spid="538627">
+                                            <p:txEl>
+                                              <p:pRg st="3" end="3"/>
+                                            </p:txEl>
+                                          </p:spTgt>
+                                        </p:tgtEl>
+                                        <p:attrNameLst>
+                                          <p:attrName>style.visibility</p:attrName>
+                                        </p:attrNameLst>
+                                      </p:cBhvr>
+                                      <p:to>
+                                        <p:strVal val="visible"/>
+                                      </p:to>
+                                    </p:set>
+                                  </p:childTnLst>
+                                </p:cTn>
+                              </p:par>
+                            </p:childTnLst>
+                          </p:cTn>
+                        </p:par>
+                      </p:childTnLst>
+                    </p:cTn>
+                  </p:par>
+                  <p:par>
+                    <p:cTn id="15" fill="hold">
+                      <p:stCondLst>
+                        <p:cond delay="indefinite"/>
+                      </p:stCondLst>
+                      <p:childTnLst>
+                        <p:par>
+                          <p:cTn id="16" fill="hold">
+                            <p:stCondLst>
+                              <p:cond delay="0"/>
+                            </p:stCondLst>
+                            <p:childTnLst>
+                              <p:par>
+                                <p:cTn id="17" presetID="1" presetClass="entr" presetSubtype="0" fill="hold" nodeType="clickEffect">
+                                  <p:stCondLst>
+                                    <p:cond delay="0"/>
+                                  </p:stCondLst>
+                                  <p:childTnLst>
+                                    <p:set>
+                                      <p:cBhvr>
+                                        <p:cTn id="18" dur="1" fill="hold">
+                                          <p:stCondLst>
+                                            <p:cond delay="0"/>
+                                          </p:stCondLst>
+                                        </p:cTn>
+                                        <p:tgtEl>
+                                          <p:spTgt spid="538627">
+                                            <p:txEl>
+                                              <p:pRg st="4" end="4"/>
+                                            </p:txEl>
+                                          </p:spTgt>
+                                        </p:tgtEl>
+                                        <p:attrNameLst>
+                                          <p:attrName>style.visibility</p:attrName>
+                                        </p:attrNameLst>
+                                      </p:cBhvr>
+                                      <p:to>
+                                        <p:strVal val="visible"/>
+                                      </p:to>
+                                    </p:set>
+                                  </p:childTnLst>
+                                </p:cTn>
+                              </p:par>
+                            </p:childTnLst>
+                          </p:cTn>
+                        </p:par>
+                      </p:childTnLst>
+                    </p:cTn>
+                  </p:par>
+                  <p:par>
+                    <p:cTn id="19" fill="hold">
+                      <p:stCondLst>
+                        <p:cond delay="indefinite"/>
+                      </p:stCondLst>
+                      <p:childTnLst>
+                        <p:par>
+                          <p:cTn id="20" fill="hold">
+                            <p:stCondLst>
+                              <p:cond delay="0"/>
+                            </p:stCondLst>
+                            <p:childTnLst>
+                              <p:par>
+                                <p:cTn id="21" presetID="1" presetClass="entr" presetSubtype="0" fill="hold" nodeType="clickEffect">
+                                  <p:stCondLst>
+                                    <p:cond delay="0"/>
+                                  </p:stCondLst>
+                                  <p:childTnLst>
+                                    <p:set>
+                                      <p:cBhvr>
+                                        <p:cTn id="22" dur="1" fill="hold">
+                                          <p:stCondLst>
+                                            <p:cond delay="0"/>
+                                          </p:stCondLst>
+                                        </p:cTn>
+                                        <p:tgtEl>
+                                          <p:spTgt spid="538627">
+                                            <p:txEl>
+                                              <p:pRg st="5" end="5"/>
+                                            </p:txEl>
+                                          </p:spTgt>
+                                        </p:tgtEl>
+                                        <p:attrNameLst>
+                                          <p:attrName>style.visibility</p:attrName>
+                                        </p:attrNameLst>
+                                      </p:cBhvr>
+                                      <p:to>
+                                        <p:strVal val="visible"/>
+                                      </p:to>
+                                    </p:set>
+                                  </p:childTnLst>
+                                </p:cTn>
+                              </p:par>
+                            </p:childTnLst>
+                          </p:cTn>
+                        </p:par>
+                      </p:childTnLst>
+                    </p:cTn>
+                  </p:par>
+                  <p:par>
+                    <p:cTn id="23" fill="hold">
+                      <p:stCondLst>
+                        <p:cond delay="indefinite"/>
+                      </p:stCondLst>
+                      <p:childTnLst>
+                        <p:par>
+                          <p:cTn id="24" fill="hold">
+                            <p:stCondLst>
+                              <p:cond delay="0"/>
+                            </p:stCondLst>
+                            <p:childTnLst>
+                              <p:par>
+                                <p:cTn id="25" presetID="1" presetClass="entr" presetSubtype="0" fill="hold" nodeType="clickEffect">
+                                  <p:stCondLst>
+                                    <p:cond delay="0"/>
+                                  </p:stCondLst>
+                                  <p:childTnLst>
+                                    <p:set>
+                                      <p:cBhvr>
+                                        <p:cTn id="26" dur="1" fill="hold">
+                                          <p:stCondLst>
+                                            <p:cond delay="0"/>
+                                          </p:stCondLst>
+                                        </p:cTn>
+                                        <p:tgtEl>
+                                          <p:spTgt spid="538627">
+                                            <p:txEl>
+                                              <p:pRg st="6" end="6"/>
+                                            </p:txEl>
+                                          </p:spTgt>
+                                        </p:tgtEl>
+                                        <p:attrNameLst>
+                                          <p:attrName>style.visibility</p:attrName>
+                                        </p:attrNameLst>
+                                      </p:cBhvr>
+                                      <p:to>
+                                        <p:strVal val="visible"/>
+                                      </p:to>
+                                    </p:set>
+                                  </p:childTnLst>
+                                </p:cTn>
+                              </p:par>
+                            </p:childTnLst>
+                          </p:cTn>
+                        </p:par>
+                      </p:childTnLst>
+                    </p:cTn>
+                  </p:par>
+                </p:childTnLst>
+              </p:cTn>
+              <p:prevCondLst>
+                <p:cond evt="onPrev" delay="0">
+                  <p:tgtEl>
+                    <p:sldTgt/>
+                  </p:tgtEl>
+                </p:cond>
+              </p:prevCondLst>
+              <p:nextCondLst>
+                <p:cond evt="onNext" delay="0">
+                  <p:tgtEl>
+                    <p:sldTgt/>
+                  </p:tgtEl>
+                </p:cond>
+              </p:nextCondLst>
+            </p:seq>
+          </p:childTnLst>
+        </p:cTn>
+      </p:par>
+    </p:tnLst>
+  </p:timing>
 </p:sld>
 </file>
 
@@ -12907,6 +14824,410 @@
     <a:masterClrMapping/>
   </p:clrMapOvr>
   <p:transition/>
+  <p:timing>
+    <p:tnLst>
+      <p:par>
+        <p:cTn id="1" dur="indefinite" restart="never" nodeType="tmRoot">
+          <p:childTnLst>
+            <p:seq concurrent="1" nextAc="seek">
+              <p:cTn id="2" dur="indefinite" nodeType="mainSeq">
+                <p:childTnLst>
+                  <p:par>
+                    <p:cTn id="3" fill="hold">
+                      <p:stCondLst>
+                        <p:cond delay="indefinite"/>
+                      </p:stCondLst>
+                      <p:childTnLst>
+                        <p:par>
+                          <p:cTn id="4" fill="hold">
+                            <p:stCondLst>
+                              <p:cond delay="0"/>
+                            </p:stCondLst>
+                            <p:childTnLst>
+                              <p:par>
+                                <p:cTn id="5" presetID="1" presetClass="entr" presetSubtype="0" fill="hold" nodeType="clickEffect">
+                                  <p:stCondLst>
+                                    <p:cond delay="0"/>
+                                  </p:stCondLst>
+                                  <p:childTnLst>
+                                    <p:set>
+                                      <p:cBhvr>
+                                        <p:cTn id="6" dur="1" fill="hold">
+                                          <p:stCondLst>
+                                            <p:cond delay="0"/>
+                                          </p:stCondLst>
+                                        </p:cTn>
+                                        <p:tgtEl>
+                                          <p:spTgt spid="537604">
+                                            <p:txEl>
+                                              <p:pRg st="1" end="1"/>
+                                            </p:txEl>
+                                          </p:spTgt>
+                                        </p:tgtEl>
+                                        <p:attrNameLst>
+                                          <p:attrName>style.visibility</p:attrName>
+                                        </p:attrNameLst>
+                                      </p:cBhvr>
+                                      <p:to>
+                                        <p:strVal val="visible"/>
+                                      </p:to>
+                                    </p:set>
+                                  </p:childTnLst>
+                                </p:cTn>
+                              </p:par>
+                              <p:par>
+                                <p:cTn id="7" presetID="1" presetClass="entr" presetSubtype="0" fill="hold" nodeType="withEffect">
+                                  <p:stCondLst>
+                                    <p:cond delay="0"/>
+                                  </p:stCondLst>
+                                  <p:childTnLst>
+                                    <p:set>
+                                      <p:cBhvr>
+                                        <p:cTn id="8" dur="1" fill="hold">
+                                          <p:stCondLst>
+                                            <p:cond delay="0"/>
+                                          </p:stCondLst>
+                                        </p:cTn>
+                                        <p:tgtEl>
+                                          <p:spTgt spid="537604">
+                                            <p:txEl>
+                                              <p:pRg st="2" end="2"/>
+                                            </p:txEl>
+                                          </p:spTgt>
+                                        </p:tgtEl>
+                                        <p:attrNameLst>
+                                          <p:attrName>style.visibility</p:attrName>
+                                        </p:attrNameLst>
+                                      </p:cBhvr>
+                                      <p:to>
+                                        <p:strVal val="visible"/>
+                                      </p:to>
+                                    </p:set>
+                                  </p:childTnLst>
+                                </p:cTn>
+                              </p:par>
+                            </p:childTnLst>
+                          </p:cTn>
+                        </p:par>
+                      </p:childTnLst>
+                    </p:cTn>
+                  </p:par>
+                  <p:par>
+                    <p:cTn id="9" fill="hold">
+                      <p:stCondLst>
+                        <p:cond delay="indefinite"/>
+                      </p:stCondLst>
+                      <p:childTnLst>
+                        <p:par>
+                          <p:cTn id="10" fill="hold">
+                            <p:stCondLst>
+                              <p:cond delay="0"/>
+                            </p:stCondLst>
+                            <p:childTnLst>
+                              <p:par>
+                                <p:cTn id="11" presetID="1" presetClass="entr" presetSubtype="0" fill="hold" nodeType="clickEffect">
+                                  <p:stCondLst>
+                                    <p:cond delay="0"/>
+                                  </p:stCondLst>
+                                  <p:childTnLst>
+                                    <p:set>
+                                      <p:cBhvr>
+                                        <p:cTn id="12" dur="1" fill="hold">
+                                          <p:stCondLst>
+                                            <p:cond delay="0"/>
+                                          </p:stCondLst>
+                                        </p:cTn>
+                                        <p:tgtEl>
+                                          <p:spTgt spid="537604">
+                                            <p:txEl>
+                                              <p:pRg st="3" end="3"/>
+                                            </p:txEl>
+                                          </p:spTgt>
+                                        </p:tgtEl>
+                                        <p:attrNameLst>
+                                          <p:attrName>style.visibility</p:attrName>
+                                        </p:attrNameLst>
+                                      </p:cBhvr>
+                                      <p:to>
+                                        <p:strVal val="visible"/>
+                                      </p:to>
+                                    </p:set>
+                                  </p:childTnLst>
+                                </p:cTn>
+                              </p:par>
+                            </p:childTnLst>
+                          </p:cTn>
+                        </p:par>
+                      </p:childTnLst>
+                    </p:cTn>
+                  </p:par>
+                  <p:par>
+                    <p:cTn id="13" fill="hold">
+                      <p:stCondLst>
+                        <p:cond delay="indefinite"/>
+                      </p:stCondLst>
+                      <p:childTnLst>
+                        <p:par>
+                          <p:cTn id="14" fill="hold">
+                            <p:stCondLst>
+                              <p:cond delay="0"/>
+                            </p:stCondLst>
+                            <p:childTnLst>
+                              <p:par>
+                                <p:cTn id="15" presetID="1" presetClass="entr" presetSubtype="0" fill="hold" nodeType="clickEffect">
+                                  <p:stCondLst>
+                                    <p:cond delay="0"/>
+                                  </p:stCondLst>
+                                  <p:childTnLst>
+                                    <p:set>
+                                      <p:cBhvr>
+                                        <p:cTn id="16" dur="1" fill="hold">
+                                          <p:stCondLst>
+                                            <p:cond delay="0"/>
+                                          </p:stCondLst>
+                                        </p:cTn>
+                                        <p:tgtEl>
+                                          <p:spTgt spid="537604">
+                                            <p:txEl>
+                                              <p:pRg st="4" end="4"/>
+                                            </p:txEl>
+                                          </p:spTgt>
+                                        </p:tgtEl>
+                                        <p:attrNameLst>
+                                          <p:attrName>style.visibility</p:attrName>
+                                        </p:attrNameLst>
+                                      </p:cBhvr>
+                                      <p:to>
+                                        <p:strVal val="visible"/>
+                                      </p:to>
+                                    </p:set>
+                                  </p:childTnLst>
+                                </p:cTn>
+                              </p:par>
+                            </p:childTnLst>
+                          </p:cTn>
+                        </p:par>
+                      </p:childTnLst>
+                    </p:cTn>
+                  </p:par>
+                  <p:par>
+                    <p:cTn id="17" fill="hold">
+                      <p:stCondLst>
+                        <p:cond delay="indefinite"/>
+                      </p:stCondLst>
+                      <p:childTnLst>
+                        <p:par>
+                          <p:cTn id="18" fill="hold">
+                            <p:stCondLst>
+                              <p:cond delay="0"/>
+                            </p:stCondLst>
+                            <p:childTnLst>
+                              <p:par>
+                                <p:cTn id="19" presetID="1" presetClass="entr" presetSubtype="0" fill="hold" nodeType="clickEffect">
+                                  <p:stCondLst>
+                                    <p:cond delay="0"/>
+                                  </p:stCondLst>
+                                  <p:childTnLst>
+                                    <p:set>
+                                      <p:cBhvr>
+                                        <p:cTn id="20" dur="1" fill="hold">
+                                          <p:stCondLst>
+                                            <p:cond delay="0"/>
+                                          </p:stCondLst>
+                                        </p:cTn>
+                                        <p:tgtEl>
+                                          <p:spTgt spid="537604">
+                                            <p:txEl>
+                                              <p:pRg st="5" end="5"/>
+                                            </p:txEl>
+                                          </p:spTgt>
+                                        </p:tgtEl>
+                                        <p:attrNameLst>
+                                          <p:attrName>style.visibility</p:attrName>
+                                        </p:attrNameLst>
+                                      </p:cBhvr>
+                                      <p:to>
+                                        <p:strVal val="visible"/>
+                                      </p:to>
+                                    </p:set>
+                                  </p:childTnLst>
+                                </p:cTn>
+                              </p:par>
+                            </p:childTnLst>
+                          </p:cTn>
+                        </p:par>
+                      </p:childTnLst>
+                    </p:cTn>
+                  </p:par>
+                  <p:par>
+                    <p:cTn id="21" fill="hold">
+                      <p:stCondLst>
+                        <p:cond delay="indefinite"/>
+                      </p:stCondLst>
+                      <p:childTnLst>
+                        <p:par>
+                          <p:cTn id="22" fill="hold">
+                            <p:stCondLst>
+                              <p:cond delay="0"/>
+                            </p:stCondLst>
+                            <p:childTnLst>
+                              <p:par>
+                                <p:cTn id="23" presetID="1" presetClass="entr" presetSubtype="0" fill="hold" nodeType="clickEffect">
+                                  <p:stCondLst>
+                                    <p:cond delay="0"/>
+                                  </p:stCondLst>
+                                  <p:childTnLst>
+                                    <p:set>
+                                      <p:cBhvr>
+                                        <p:cTn id="24" dur="1" fill="hold">
+                                          <p:stCondLst>
+                                            <p:cond delay="0"/>
+                                          </p:stCondLst>
+                                        </p:cTn>
+                                        <p:tgtEl>
+                                          <p:spTgt spid="537604">
+                                            <p:txEl>
+                                              <p:pRg st="6" end="6"/>
+                                            </p:txEl>
+                                          </p:spTgt>
+                                        </p:tgtEl>
+                                        <p:attrNameLst>
+                                          <p:attrName>style.visibility</p:attrName>
+                                        </p:attrNameLst>
+                                      </p:cBhvr>
+                                      <p:to>
+                                        <p:strVal val="visible"/>
+                                      </p:to>
+                                    </p:set>
+                                  </p:childTnLst>
+                                </p:cTn>
+                              </p:par>
+                            </p:childTnLst>
+                          </p:cTn>
+                        </p:par>
+                      </p:childTnLst>
+                    </p:cTn>
+                  </p:par>
+                  <p:par>
+                    <p:cTn id="25" fill="hold">
+                      <p:stCondLst>
+                        <p:cond delay="indefinite"/>
+                      </p:stCondLst>
+                      <p:childTnLst>
+                        <p:par>
+                          <p:cTn id="26" fill="hold">
+                            <p:stCondLst>
+                              <p:cond delay="0"/>
+                            </p:stCondLst>
+                            <p:childTnLst>
+                              <p:par>
+                                <p:cTn id="27" presetID="1" presetClass="entr" presetSubtype="0" fill="hold" nodeType="clickEffect">
+                                  <p:stCondLst>
+                                    <p:cond delay="0"/>
+                                  </p:stCondLst>
+                                  <p:childTnLst>
+                                    <p:set>
+                                      <p:cBhvr>
+                                        <p:cTn id="28" dur="1" fill="hold">
+                                          <p:stCondLst>
+                                            <p:cond delay="0"/>
+                                          </p:stCondLst>
+                                        </p:cTn>
+                                        <p:tgtEl>
+                                          <p:spTgt spid="537604">
+                                            <p:txEl>
+                                              <p:pRg st="7" end="7"/>
+                                            </p:txEl>
+                                          </p:spTgt>
+                                        </p:tgtEl>
+                                        <p:attrNameLst>
+                                          <p:attrName>style.visibility</p:attrName>
+                                        </p:attrNameLst>
+                                      </p:cBhvr>
+                                      <p:to>
+                                        <p:strVal val="visible"/>
+                                      </p:to>
+                                    </p:set>
+                                  </p:childTnLst>
+                                </p:cTn>
+                              </p:par>
+                            </p:childTnLst>
+                          </p:cTn>
+                        </p:par>
+                      </p:childTnLst>
+                    </p:cTn>
+                  </p:par>
+                  <p:par>
+                    <p:cTn id="29" fill="hold">
+                      <p:stCondLst>
+                        <p:cond delay="indefinite"/>
+                      </p:stCondLst>
+                      <p:childTnLst>
+                        <p:par>
+                          <p:cTn id="30" fill="hold">
+                            <p:stCondLst>
+                              <p:cond delay="0"/>
+                            </p:stCondLst>
+                            <p:childTnLst>
+                              <p:par>
+                                <p:cTn id="31" presetID="1" presetClass="entr" presetSubtype="0" fill="hold" nodeType="clickEffect">
+                                  <p:stCondLst>
+                                    <p:cond delay="0"/>
+                                  </p:stCondLst>
+                                  <p:childTnLst>
+                                    <p:set>
+                                      <p:cBhvr>
+                                        <p:cTn id="32" dur="1" fill="hold">
+                                          <p:stCondLst>
+                                            <p:cond delay="0"/>
+                                          </p:stCondLst>
+                                        </p:cTn>
+                                        <p:tgtEl>
+                                          <p:spTgt spid="537604">
+                                            <p:txEl>
+                                              <p:pRg st="8" end="8"/>
+                                            </p:txEl>
+                                          </p:spTgt>
+                                        </p:tgtEl>
+                                        <p:attrNameLst>
+                                          <p:attrName>style.visibility</p:attrName>
+                                        </p:attrNameLst>
+                                      </p:cBhvr>
+                                      <p:to>
+                                        <p:strVal val="visible"/>
+                                      </p:to>
+                                    </p:set>
+                                  </p:childTnLst>
+                                </p:cTn>
+                              </p:par>
+                            </p:childTnLst>
+                          </p:cTn>
+                        </p:par>
+                      </p:childTnLst>
+                    </p:cTn>
+                  </p:par>
+                </p:childTnLst>
+              </p:cTn>
+              <p:prevCondLst>
+                <p:cond evt="onPrev" delay="0">
+                  <p:tgtEl>
+                    <p:sldTgt/>
+                  </p:tgtEl>
+                </p:cond>
+              </p:prevCondLst>
+              <p:nextCondLst>
+                <p:cond evt="onNext" delay="0">
+                  <p:tgtEl>
+                    <p:sldTgt/>
+                  </p:tgtEl>
+                </p:cond>
+              </p:nextCondLst>
+            </p:seq>
+          </p:childTnLst>
+        </p:cTn>
+      </p:par>
+    </p:tnLst>
+  </p:timing>
 </p:sld>
 </file>
 
@@ -13247,6 +15568,183 @@
   <p:clrMapOvr>
     <a:masterClrMapping/>
   </p:clrMapOvr>
+  <p:timing>
+    <p:tnLst>
+      <p:par>
+        <p:cTn id="1" dur="indefinite" restart="never" nodeType="tmRoot">
+          <p:childTnLst>
+            <p:seq concurrent="1" nextAc="seek">
+              <p:cTn id="2" dur="indefinite" nodeType="mainSeq">
+                <p:childTnLst>
+                  <p:par>
+                    <p:cTn id="3" fill="hold">
+                      <p:stCondLst>
+                        <p:cond delay="indefinite"/>
+                      </p:stCondLst>
+                      <p:childTnLst>
+                        <p:par>
+                          <p:cTn id="4" fill="hold">
+                            <p:stCondLst>
+                              <p:cond delay="0"/>
+                            </p:stCondLst>
+                            <p:childTnLst>
+                              <p:par>
+                                <p:cTn id="5" presetID="1" presetClass="entr" presetSubtype="0" fill="hold" nodeType="clickEffect">
+                                  <p:stCondLst>
+                                    <p:cond delay="0"/>
+                                  </p:stCondLst>
+                                  <p:childTnLst>
+                                    <p:set>
+                                      <p:cBhvr>
+                                        <p:cTn id="6" dur="1" fill="hold">
+                                          <p:stCondLst>
+                                            <p:cond delay="0"/>
+                                          </p:stCondLst>
+                                        </p:cTn>
+                                        <p:tgtEl>
+                                          <p:spTgt spid="5">
+                                            <p:txEl>
+                                              <p:pRg st="1" end="1"/>
+                                            </p:txEl>
+                                          </p:spTgt>
+                                        </p:tgtEl>
+                                        <p:attrNameLst>
+                                          <p:attrName>style.visibility</p:attrName>
+                                        </p:attrNameLst>
+                                      </p:cBhvr>
+                                      <p:to>
+                                        <p:strVal val="visible"/>
+                                      </p:to>
+                                    </p:set>
+                                  </p:childTnLst>
+                                </p:cTn>
+                              </p:par>
+                            </p:childTnLst>
+                          </p:cTn>
+                        </p:par>
+                      </p:childTnLst>
+                    </p:cTn>
+                  </p:par>
+                  <p:par>
+                    <p:cTn id="7" fill="hold">
+                      <p:stCondLst>
+                        <p:cond delay="indefinite"/>
+                      </p:stCondLst>
+                      <p:childTnLst>
+                        <p:par>
+                          <p:cTn id="8" fill="hold">
+                            <p:stCondLst>
+                              <p:cond delay="0"/>
+                            </p:stCondLst>
+                            <p:childTnLst>
+                              <p:par>
+                                <p:cTn id="9" presetID="1" presetClass="entr" presetSubtype="0" fill="hold" nodeType="clickEffect">
+                                  <p:stCondLst>
+                                    <p:cond delay="0"/>
+                                  </p:stCondLst>
+                                  <p:childTnLst>
+                                    <p:set>
+                                      <p:cBhvr>
+                                        <p:cTn id="10" dur="1" fill="hold">
+                                          <p:stCondLst>
+                                            <p:cond delay="0"/>
+                                          </p:stCondLst>
+                                        </p:cTn>
+                                        <p:tgtEl>
+                                          <p:spTgt spid="5">
+                                            <p:txEl>
+                                              <p:pRg st="2" end="2"/>
+                                            </p:txEl>
+                                          </p:spTgt>
+                                        </p:tgtEl>
+                                        <p:attrNameLst>
+                                          <p:attrName>style.visibility</p:attrName>
+                                        </p:attrNameLst>
+                                      </p:cBhvr>
+                                      <p:to>
+                                        <p:strVal val="visible"/>
+                                      </p:to>
+                                    </p:set>
+                                  </p:childTnLst>
+                                </p:cTn>
+                              </p:par>
+                            </p:childTnLst>
+                          </p:cTn>
+                        </p:par>
+                      </p:childTnLst>
+                    </p:cTn>
+                  </p:par>
+                  <p:par>
+                    <p:cTn id="11" fill="hold">
+                      <p:stCondLst>
+                        <p:cond delay="indefinite"/>
+                      </p:stCondLst>
+                      <p:childTnLst>
+                        <p:par>
+                          <p:cTn id="12" fill="hold">
+                            <p:stCondLst>
+                              <p:cond delay="0"/>
+                            </p:stCondLst>
+                            <p:childTnLst>
+                              <p:par>
+                                <p:cTn id="13" presetID="1" presetClass="entr" presetSubtype="0" fill="hold" nodeType="clickEffect">
+                                  <p:stCondLst>
+                                    <p:cond delay="0"/>
+                                  </p:stCondLst>
+                                  <p:childTnLst>
+                                    <p:set>
+                                      <p:cBhvr>
+                                        <p:cTn id="14" dur="1" fill="hold">
+                                          <p:stCondLst>
+                                            <p:cond delay="0"/>
+                                          </p:stCondLst>
+                                        </p:cTn>
+                                        <p:tgtEl>
+                                          <p:spTgt spid="5">
+                                            <p:txEl>
+                                              <p:pRg st="3" end="3"/>
+                                            </p:txEl>
+                                          </p:spTgt>
+                                        </p:tgtEl>
+                                        <p:attrNameLst>
+                                          <p:attrName>style.visibility</p:attrName>
+                                        </p:attrNameLst>
+                                      </p:cBhvr>
+                                      <p:to>
+                                        <p:strVal val="visible"/>
+                                      </p:to>
+                                    </p:set>
+                                  </p:childTnLst>
+                                </p:cTn>
+                              </p:par>
+                            </p:childTnLst>
+                          </p:cTn>
+                        </p:par>
+                      </p:childTnLst>
+                    </p:cTn>
+                  </p:par>
+                </p:childTnLst>
+              </p:cTn>
+              <p:prevCondLst>
+                <p:cond evt="onPrev" delay="0">
+                  <p:tgtEl>
+                    <p:sldTgt/>
+                  </p:tgtEl>
+                </p:cond>
+              </p:prevCondLst>
+              <p:nextCondLst>
+                <p:cond evt="onNext" delay="0">
+                  <p:tgtEl>
+                    <p:sldTgt/>
+                  </p:tgtEl>
+                </p:cond>
+              </p:nextCondLst>
+            </p:seq>
+          </p:childTnLst>
+        </p:cTn>
+      </p:par>
+    </p:tnLst>
+  </p:timing>
 </p:sld>
 </file>
 
@@ -13595,6 +16093,134 @@
   <p:clrMapOvr>
     <a:masterClrMapping/>
   </p:clrMapOvr>
+  <p:timing>
+    <p:tnLst>
+      <p:par>
+        <p:cTn id="1" dur="indefinite" restart="never" nodeType="tmRoot">
+          <p:childTnLst>
+            <p:seq concurrent="1" nextAc="seek">
+              <p:cTn id="2" dur="indefinite" nodeType="mainSeq">
+                <p:childTnLst>
+                  <p:par>
+                    <p:cTn id="3" fill="hold">
+                      <p:stCondLst>
+                        <p:cond delay="indefinite"/>
+                      </p:stCondLst>
+                      <p:childTnLst>
+                        <p:par>
+                          <p:cTn id="4" fill="hold">
+                            <p:stCondLst>
+                              <p:cond delay="0"/>
+                            </p:stCondLst>
+                            <p:childTnLst>
+                              <p:par>
+                                <p:cTn id="5" presetID="1" presetClass="entr" presetSubtype="0" fill="hold" nodeType="clickEffect">
+                                  <p:stCondLst>
+                                    <p:cond delay="0"/>
+                                  </p:stCondLst>
+                                  <p:childTnLst>
+                                    <p:set>
+                                      <p:cBhvr>
+                                        <p:cTn id="6" dur="1" fill="hold">
+                                          <p:stCondLst>
+                                            <p:cond delay="0"/>
+                                          </p:stCondLst>
+                                        </p:cTn>
+                                        <p:tgtEl>
+                                          <p:spTgt spid="423939">
+                                            <p:txEl>
+                                              <p:pRg st="1" end="1"/>
+                                            </p:txEl>
+                                          </p:spTgt>
+                                        </p:tgtEl>
+                                        <p:attrNameLst>
+                                          <p:attrName>style.visibility</p:attrName>
+                                        </p:attrNameLst>
+                                      </p:cBhvr>
+                                      <p:to>
+                                        <p:strVal val="visible"/>
+                                      </p:to>
+                                    </p:set>
+                                  </p:childTnLst>
+                                </p:cTn>
+                              </p:par>
+                            </p:childTnLst>
+                          </p:cTn>
+                        </p:par>
+                      </p:childTnLst>
+                    </p:cTn>
+                  </p:par>
+                  <p:par>
+                    <p:cTn id="7" fill="hold">
+                      <p:stCondLst>
+                        <p:cond delay="indefinite"/>
+                      </p:stCondLst>
+                      <p:childTnLst>
+                        <p:par>
+                          <p:cTn id="8" fill="hold">
+                            <p:stCondLst>
+                              <p:cond delay="0"/>
+                            </p:stCondLst>
+                            <p:childTnLst>
+                              <p:par>
+                                <p:cTn id="9" presetID="1" presetClass="entr" presetSubtype="0" fill="hold" nodeType="clickEffect">
+                                  <p:stCondLst>
+                                    <p:cond delay="0"/>
+                                  </p:stCondLst>
+                                  <p:childTnLst>
+                                    <p:set>
+                                      <p:cBhvr>
+                                        <p:cTn id="10" dur="1" fill="hold">
+                                          <p:stCondLst>
+                                            <p:cond delay="0"/>
+                                          </p:stCondLst>
+                                        </p:cTn>
+                                        <p:tgtEl>
+                                          <p:spTgt spid="423939">
+                                            <p:txEl>
+                                              <p:pRg st="2" end="2"/>
+                                            </p:txEl>
+                                          </p:spTgt>
+                                        </p:tgtEl>
+                                        <p:attrNameLst>
+                                          <p:attrName>style.visibility</p:attrName>
+                                        </p:attrNameLst>
+                                      </p:cBhvr>
+                                      <p:to>
+                                        <p:strVal val="visible"/>
+                                      </p:to>
+                                    </p:set>
+                                  </p:childTnLst>
+                                </p:cTn>
+                              </p:par>
+                            </p:childTnLst>
+                          </p:cTn>
+                        </p:par>
+                      </p:childTnLst>
+                    </p:cTn>
+                  </p:par>
+                </p:childTnLst>
+              </p:cTn>
+              <p:prevCondLst>
+                <p:cond evt="onPrev" delay="0">
+                  <p:tgtEl>
+                    <p:sldTgt/>
+                  </p:tgtEl>
+                </p:cond>
+              </p:prevCondLst>
+              <p:nextCondLst>
+                <p:cond evt="onNext" delay="0">
+                  <p:tgtEl>
+                    <p:sldTgt/>
+                  </p:tgtEl>
+                </p:cond>
+              </p:nextCondLst>
+            </p:seq>
+          </p:childTnLst>
+        </p:cTn>
+      </p:par>
+    </p:tnLst>
+  </p:timing>
 </p:sld>
 </file>
 
@@ -15187,6 +17813,55 @@
                                         <p:tgtEl>
                                           <p:spTgt spid="3">
                                             <p:txEl>
+                                              <p:pRg st="1" end="1"/>
+                                            </p:txEl>
+                                          </p:spTgt>
+                                        </p:tgtEl>
+                                        <p:attrNameLst>
+                                          <p:attrName>style.visibility</p:attrName>
+                                        </p:attrNameLst>
+                                      </p:cBhvr>
+                                      <p:to>
+                                        <p:strVal val="visible"/>
+                                      </p:to>
+                                    </p:set>
+                                  </p:childTnLst>
+                                </p:cTn>
+                              </p:par>
+                            </p:childTnLst>
+                          </p:cTn>
+                        </p:par>
+                      </p:childTnLst>
+                    </p:cTn>
+                  </p:par>
+                  <p:par>
+                    <p:cTn id="7" fill="hold">
+                      <p:stCondLst>
+                        <p:cond delay="indefinite"/>
+                      </p:stCondLst>
+                      <p:childTnLst>
+                        <p:par>
+                          <p:cTn id="8" fill="hold">
+                            <p:stCondLst>
+                              <p:cond delay="0"/>
+                            </p:stCondLst>
+                            <p:childTnLst>
+                              <p:par>
+                                <p:cTn id="9" presetID="1" presetClass="entr" presetSubtype="0" fill="hold" nodeType="clickEffect">
+                                  <p:stCondLst>
+                                    <p:cond delay="0"/>
+                                  </p:stCondLst>
+                                  <p:childTnLst>
+                                    <p:set>
+                                      <p:cBhvr>
+                                        <p:cTn id="10" dur="1" fill="hold">
+                                          <p:stCondLst>
+                                            <p:cond delay="0"/>
+                                          </p:stCondLst>
+                                        </p:cTn>
+                                        <p:tgtEl>
+                                          <p:spTgt spid="3">
+                                            <p:txEl>
                                               <p:pRg st="2" end="2"/>
                                             </p:txEl>
                                           </p:spTgt>
@@ -15203,14 +17878,14 @@
                                 </p:cTn>
                               </p:par>
                               <p:par>
-                                <p:cTn id="7" presetID="1" presetClass="entr" presetSubtype="0" fill="hold" grpId="0" nodeType="withEffect">
+                                <p:cTn id="11" presetID="1" presetClass="entr" presetSubtype="0" fill="hold" grpId="0" nodeType="withEffect">
                                   <p:stCondLst>
                                     <p:cond delay="0"/>
                                   </p:stCondLst>
                                   <p:childTnLst>
                                     <p:set>
                                       <p:cBhvr>
-                                        <p:cTn id="8" dur="1" fill="hold">
+                                        <p:cTn id="12" dur="1" fill="hold">
                                           <p:stCondLst>
                                             <p:cond delay="0"/>
                                           </p:stCondLst>
@@ -15236,26 +17911,26 @@
                     </p:cTn>
                   </p:par>
                   <p:par>
-                    <p:cTn id="9" fill="hold">
+                    <p:cTn id="13" fill="hold">
                       <p:stCondLst>
                         <p:cond delay="indefinite"/>
                       </p:stCondLst>
                       <p:childTnLst>
                         <p:par>
-                          <p:cTn id="10" fill="hold">
+                          <p:cTn id="14" fill="hold">
                             <p:stCondLst>
                               <p:cond delay="0"/>
                             </p:stCondLst>
                             <p:childTnLst>
                               <p:par>
-                                <p:cTn id="11" presetID="1" presetClass="entr" presetSubtype="0" fill="hold" nodeType="clickEffect">
+                                <p:cTn id="15" presetID="1" presetClass="entr" presetSubtype="0" fill="hold" nodeType="clickEffect">
                                   <p:stCondLst>
                                     <p:cond delay="0"/>
                                   </p:stCondLst>
                                   <p:childTnLst>
                                     <p:set>
                                       <p:cBhvr>
-                                        <p:cTn id="12" dur="1" fill="hold">
+                                        <p:cTn id="16" dur="1" fill="hold">
                                           <p:stCondLst>
                                             <p:cond delay="0"/>
                                           </p:stCondLst>
@@ -15279,14 +17954,14 @@
                                 </p:cTn>
                               </p:par>
                               <p:par>
-                                <p:cTn id="13" presetID="1" presetClass="entr" presetSubtype="0" fill="hold" grpId="0" nodeType="withEffect">
+                                <p:cTn id="17" presetID="1" presetClass="entr" presetSubtype="0" fill="hold" grpId="0" nodeType="withEffect">
                                   <p:stCondLst>
                                     <p:cond delay="0"/>
                                   </p:stCondLst>
                                   <p:childTnLst>
                                     <p:set>
                                       <p:cBhvr>
-                                        <p:cTn id="14" dur="1" fill="hold">
+                                        <p:cTn id="18" dur="1" fill="hold">
                                           <p:stCondLst>
                                             <p:cond delay="0"/>
                                           </p:stCondLst>
@@ -16704,6 +19379,343 @@
   <p:clrMapOvr>
     <a:masterClrMapping/>
   </p:clrMapOvr>
+  <p:timing>
+    <p:tnLst>
+      <p:par>
+        <p:cTn id="1" dur="indefinite" restart="never" nodeType="tmRoot">
+          <p:childTnLst>
+            <p:seq concurrent="1" nextAc="seek">
+              <p:cTn id="2" dur="indefinite" nodeType="mainSeq">
+                <p:childTnLst>
+                  <p:par>
+                    <p:cTn id="3" fill="hold">
+                      <p:stCondLst>
+                        <p:cond delay="indefinite"/>
+                        <p:cond evt="onBegin" delay="0">
+                          <p:tn val="2"/>
+                        </p:cond>
+                      </p:stCondLst>
+                      <p:childTnLst>
+                        <p:par>
+                          <p:cTn id="4" fill="hold">
+                            <p:stCondLst>
+                              <p:cond delay="0"/>
+                            </p:stCondLst>
+                            <p:childTnLst>
+                              <p:par>
+                                <p:cTn id="5" presetID="1" presetClass="entr" presetSubtype="0" fill="hold" nodeType="withEffect">
+                                  <p:stCondLst>
+                                    <p:cond delay="0"/>
+                                  </p:stCondLst>
+                                  <p:childTnLst>
+                                    <p:set>
+                                      <p:cBhvr>
+                                        <p:cTn id="6" dur="1" fill="hold">
+                                          <p:stCondLst>
+                                            <p:cond delay="0"/>
+                                          </p:stCondLst>
+                                        </p:cTn>
+                                        <p:tgtEl>
+                                          <p:spTgt spid="3">
+                                            <p:txEl>
+                                              <p:pRg st="0" end="0"/>
+                                            </p:txEl>
+                                          </p:spTgt>
+                                        </p:tgtEl>
+                                        <p:attrNameLst>
+                                          <p:attrName>style.visibility</p:attrName>
+                                        </p:attrNameLst>
+                                      </p:cBhvr>
+                                      <p:to>
+                                        <p:strVal val="visible"/>
+                                      </p:to>
+                                    </p:set>
+                                  </p:childTnLst>
+                                </p:cTn>
+                              </p:par>
+                            </p:childTnLst>
+                          </p:cTn>
+                        </p:par>
+                      </p:childTnLst>
+                    </p:cTn>
+                  </p:par>
+                  <p:par>
+                    <p:cTn id="7" fill="hold">
+                      <p:stCondLst>
+                        <p:cond delay="indefinite"/>
+                      </p:stCondLst>
+                      <p:childTnLst>
+                        <p:par>
+                          <p:cTn id="8" fill="hold">
+                            <p:stCondLst>
+                              <p:cond delay="0"/>
+                            </p:stCondLst>
+                            <p:childTnLst>
+                              <p:par>
+                                <p:cTn id="9" presetID="1" presetClass="entr" presetSubtype="0" fill="hold" grpId="0" nodeType="clickEffect">
+                                  <p:stCondLst>
+                                    <p:cond delay="0"/>
+                                  </p:stCondLst>
+                                  <p:childTnLst>
+                                    <p:set>
+                                      <p:cBhvr>
+                                        <p:cTn id="10" dur="1" fill="hold">
+                                          <p:stCondLst>
+                                            <p:cond delay="0"/>
+                                          </p:stCondLst>
+                                        </p:cTn>
+                                        <p:tgtEl>
+                                          <p:spTgt spid="5"/>
+                                        </p:tgtEl>
+                                        <p:attrNameLst>
+                                          <p:attrName>style.visibility</p:attrName>
+                                        </p:attrNameLst>
+                                      </p:cBhvr>
+                                      <p:to>
+                                        <p:strVal val="visible"/>
+                                      </p:to>
+                                    </p:set>
+                                  </p:childTnLst>
+                                </p:cTn>
+                              </p:par>
+                              <p:par>
+                                <p:cTn id="11" presetID="1" presetClass="entr" presetSubtype="0" fill="hold" grpId="0" nodeType="withEffect">
+                                  <p:stCondLst>
+                                    <p:cond delay="0"/>
+                                  </p:stCondLst>
+                                  <p:childTnLst>
+                                    <p:set>
+                                      <p:cBhvr>
+                                        <p:cTn id="12" dur="1" fill="hold">
+                                          <p:stCondLst>
+                                            <p:cond delay="0"/>
+                                          </p:stCondLst>
+                                        </p:cTn>
+                                        <p:tgtEl>
+                                          <p:spTgt spid="7"/>
+                                        </p:tgtEl>
+                                        <p:attrNameLst>
+                                          <p:attrName>style.visibility</p:attrName>
+                                        </p:attrNameLst>
+                                      </p:cBhvr>
+                                      <p:to>
+                                        <p:strVal val="visible"/>
+                                      </p:to>
+                                    </p:set>
+                                  </p:childTnLst>
+                                </p:cTn>
+                              </p:par>
+                              <p:par>
+                                <p:cTn id="13" presetID="1" presetClass="entr" presetSubtype="0" fill="hold" grpId="0" nodeType="withEffect">
+                                  <p:stCondLst>
+                                    <p:cond delay="0"/>
+                                  </p:stCondLst>
+                                  <p:childTnLst>
+                                    <p:set>
+                                      <p:cBhvr>
+                                        <p:cTn id="14" dur="1" fill="hold">
+                                          <p:stCondLst>
+                                            <p:cond delay="0"/>
+                                          </p:stCondLst>
+                                        </p:cTn>
+                                        <p:tgtEl>
+                                          <p:spTgt spid="6"/>
+                                        </p:tgtEl>
+                                        <p:attrNameLst>
+                                          <p:attrName>style.visibility</p:attrName>
+                                        </p:attrNameLst>
+                                      </p:cBhvr>
+                                      <p:to>
+                                        <p:strVal val="visible"/>
+                                      </p:to>
+                                    </p:set>
+                                  </p:childTnLst>
+                                </p:cTn>
+                              </p:par>
+                              <p:par>
+                                <p:cTn id="15" presetID="1" presetClass="entr" presetSubtype="0" fill="hold" grpId="0" nodeType="withEffect">
+                                  <p:stCondLst>
+                                    <p:cond delay="0"/>
+                                  </p:stCondLst>
+                                  <p:childTnLst>
+                                    <p:set>
+                                      <p:cBhvr>
+                                        <p:cTn id="16" dur="1" fill="hold">
+                                          <p:stCondLst>
+                                            <p:cond delay="0"/>
+                                          </p:stCondLst>
+                                        </p:cTn>
+                                        <p:tgtEl>
+                                          <p:spTgt spid="10"/>
+                                        </p:tgtEl>
+                                        <p:attrNameLst>
+                                          <p:attrName>style.visibility</p:attrName>
+                                        </p:attrNameLst>
+                                      </p:cBhvr>
+                                      <p:to>
+                                        <p:strVal val="visible"/>
+                                      </p:to>
+                                    </p:set>
+                                  </p:childTnLst>
+                                </p:cTn>
+                              </p:par>
+                            </p:childTnLst>
+                          </p:cTn>
+                        </p:par>
+                      </p:childTnLst>
+                    </p:cTn>
+                  </p:par>
+                  <p:par>
+                    <p:cTn id="17" fill="hold">
+                      <p:stCondLst>
+                        <p:cond delay="indefinite"/>
+                      </p:stCondLst>
+                      <p:childTnLst>
+                        <p:par>
+                          <p:cTn id="18" fill="hold">
+                            <p:stCondLst>
+                              <p:cond delay="0"/>
+                            </p:stCondLst>
+                            <p:childTnLst>
+                              <p:par>
+                                <p:cTn id="19" presetID="1" presetClass="entr" presetSubtype="0" fill="hold" nodeType="clickEffect">
+                                  <p:stCondLst>
+                                    <p:cond delay="0"/>
+                                  </p:stCondLst>
+                                  <p:childTnLst>
+                                    <p:set>
+                                      <p:cBhvr>
+                                        <p:cTn id="20" dur="1" fill="hold">
+                                          <p:stCondLst>
+                                            <p:cond delay="0"/>
+                                          </p:stCondLst>
+                                        </p:cTn>
+                                        <p:tgtEl>
+                                          <p:spTgt spid="3">
+                                            <p:txEl>
+                                              <p:pRg st="3" end="3"/>
+                                            </p:txEl>
+                                          </p:spTgt>
+                                        </p:tgtEl>
+                                        <p:attrNameLst>
+                                          <p:attrName>style.visibility</p:attrName>
+                                        </p:attrNameLst>
+                                      </p:cBhvr>
+                                      <p:to>
+                                        <p:strVal val="visible"/>
+                                      </p:to>
+                                    </p:set>
+                                  </p:childTnLst>
+                                </p:cTn>
+                              </p:par>
+                              <p:par>
+                                <p:cTn id="21" presetID="1" presetClass="entr" presetSubtype="0" fill="hold" grpId="0" nodeType="withEffect">
+                                  <p:stCondLst>
+                                    <p:cond delay="0"/>
+                                  </p:stCondLst>
+                                  <p:childTnLst>
+                                    <p:set>
+                                      <p:cBhvr>
+                                        <p:cTn id="22" dur="1" fill="hold">
+                                          <p:stCondLst>
+                                            <p:cond delay="0"/>
+                                          </p:stCondLst>
+                                        </p:cTn>
+                                        <p:tgtEl>
+                                          <p:spTgt spid="8"/>
+                                        </p:tgtEl>
+                                        <p:attrNameLst>
+                                          <p:attrName>style.visibility</p:attrName>
+                                        </p:attrNameLst>
+                                      </p:cBhvr>
+                                      <p:to>
+                                        <p:strVal val="visible"/>
+                                      </p:to>
+                                    </p:set>
+                                  </p:childTnLst>
+                                </p:cTn>
+                              </p:par>
+                            </p:childTnLst>
+                          </p:cTn>
+                        </p:par>
+                      </p:childTnLst>
+                    </p:cTn>
+                  </p:par>
+                  <p:par>
+                    <p:cTn id="23" fill="hold">
+                      <p:stCondLst>
+                        <p:cond delay="indefinite"/>
+                      </p:stCondLst>
+                      <p:childTnLst>
+                        <p:par>
+                          <p:cTn id="24" fill="hold">
+                            <p:stCondLst>
+                              <p:cond delay="0"/>
+                            </p:stCondLst>
+                            <p:childTnLst>
+                              <p:par>
+                                <p:cTn id="25" presetID="1" presetClass="entr" presetSubtype="0" fill="hold" grpId="0" nodeType="clickEffect">
+                                  <p:stCondLst>
+                                    <p:cond delay="0"/>
+                                  </p:stCondLst>
+                                  <p:childTnLst>
+                                    <p:set>
+                                      <p:cBhvr>
+                                        <p:cTn id="26" dur="1" fill="hold">
+                                          <p:stCondLst>
+                                            <p:cond delay="0"/>
+                                          </p:stCondLst>
+                                        </p:cTn>
+                                        <p:tgtEl>
+                                          <p:spTgt spid="13"/>
+                                        </p:tgtEl>
+                                        <p:attrNameLst>
+                                          <p:attrName>style.visibility</p:attrName>
+                                        </p:attrNameLst>
+                                      </p:cBhvr>
+                                      <p:to>
+                                        <p:strVal val="visible"/>
+                                      </p:to>
+                                    </p:set>
+                                  </p:childTnLst>
+                                </p:cTn>
+                              </p:par>
+                            </p:childTnLst>
+                          </p:cTn>
+                        </p:par>
+                      </p:childTnLst>
+                    </p:cTn>
+                  </p:par>
+                </p:childTnLst>
+              </p:cTn>
+              <p:prevCondLst>
+                <p:cond evt="onPrev" delay="0">
+                  <p:tgtEl>
+                    <p:sldTgt/>
+                  </p:tgtEl>
+                </p:cond>
+              </p:prevCondLst>
+              <p:nextCondLst>
+                <p:cond evt="onNext" delay="0">
+                  <p:tgtEl>
+                    <p:sldTgt/>
+                  </p:tgtEl>
+                </p:cond>
+              </p:nextCondLst>
+            </p:seq>
+          </p:childTnLst>
+        </p:cTn>
+      </p:par>
+    </p:tnLst>
+    <p:bldLst>
+      <p:bldP spid="5" grpId="0" animBg="1"/>
+      <p:bldP spid="6" grpId="0" animBg="1"/>
+      <p:bldP spid="7" grpId="0" animBg="1"/>
+      <p:bldP spid="8" grpId="0" animBg="1"/>
+      <p:bldP spid="10" grpId="0" animBg="1"/>
+      <p:bldP spid="13" grpId="0"/>
+    </p:bldLst>
+  </p:timing>
 </p:sld>
 </file>
 
@@ -18227,6 +21239,337 @@
   <p:clrMapOvr>
     <a:masterClrMapping/>
   </p:clrMapOvr>
+  <p:timing>
+    <p:tnLst>
+      <p:par>
+        <p:cTn id="1" dur="indefinite" restart="never" nodeType="tmRoot">
+          <p:childTnLst>
+            <p:seq concurrent="1" nextAc="seek">
+              <p:cTn id="2" dur="indefinite" nodeType="mainSeq">
+                <p:childTnLst>
+                  <p:par>
+                    <p:cTn id="3" fill="hold">
+                      <p:stCondLst>
+                        <p:cond delay="indefinite"/>
+                      </p:stCondLst>
+                      <p:childTnLst>
+                        <p:par>
+                          <p:cTn id="4" fill="hold">
+                            <p:stCondLst>
+                              <p:cond delay="0"/>
+                            </p:stCondLst>
+                            <p:childTnLst>
+                              <p:par>
+                                <p:cTn id="5" presetID="1" presetClass="entr" presetSubtype="0" fill="hold" grpId="0" nodeType="clickEffect">
+                                  <p:stCondLst>
+                                    <p:cond delay="0"/>
+                                  </p:stCondLst>
+                                  <p:childTnLst>
+                                    <p:set>
+                                      <p:cBhvr>
+                                        <p:cTn id="6" dur="1" fill="hold">
+                                          <p:stCondLst>
+                                            <p:cond delay="0"/>
+                                          </p:stCondLst>
+                                        </p:cTn>
+                                        <p:tgtEl>
+                                          <p:spTgt spid="5"/>
+                                        </p:tgtEl>
+                                        <p:attrNameLst>
+                                          <p:attrName>style.visibility</p:attrName>
+                                        </p:attrNameLst>
+                                      </p:cBhvr>
+                                      <p:to>
+                                        <p:strVal val="visible"/>
+                                      </p:to>
+                                    </p:set>
+                                  </p:childTnLst>
+                                </p:cTn>
+                              </p:par>
+                              <p:par>
+                                <p:cTn id="7" presetID="1" presetClass="entr" presetSubtype="0" fill="hold" grpId="0" nodeType="withEffect">
+                                  <p:stCondLst>
+                                    <p:cond delay="0"/>
+                                  </p:stCondLst>
+                                  <p:childTnLst>
+                                    <p:set>
+                                      <p:cBhvr>
+                                        <p:cTn id="8" dur="1" fill="hold">
+                                          <p:stCondLst>
+                                            <p:cond delay="0"/>
+                                          </p:stCondLst>
+                                        </p:cTn>
+                                        <p:tgtEl>
+                                          <p:spTgt spid="7"/>
+                                        </p:tgtEl>
+                                        <p:attrNameLst>
+                                          <p:attrName>style.visibility</p:attrName>
+                                        </p:attrNameLst>
+                                      </p:cBhvr>
+                                      <p:to>
+                                        <p:strVal val="visible"/>
+                                      </p:to>
+                                    </p:set>
+                                  </p:childTnLst>
+                                </p:cTn>
+                              </p:par>
+                              <p:par>
+                                <p:cTn id="9" presetID="1" presetClass="entr" presetSubtype="0" fill="hold" grpId="0" nodeType="withEffect">
+                                  <p:stCondLst>
+                                    <p:cond delay="0"/>
+                                  </p:stCondLst>
+                                  <p:childTnLst>
+                                    <p:set>
+                                      <p:cBhvr>
+                                        <p:cTn id="10" dur="1" fill="hold">
+                                          <p:stCondLst>
+                                            <p:cond delay="0"/>
+                                          </p:stCondLst>
+                                        </p:cTn>
+                                        <p:tgtEl>
+                                          <p:spTgt spid="6"/>
+                                        </p:tgtEl>
+                                        <p:attrNameLst>
+                                          <p:attrName>style.visibility</p:attrName>
+                                        </p:attrNameLst>
+                                      </p:cBhvr>
+                                      <p:to>
+                                        <p:strVal val="visible"/>
+                                      </p:to>
+                                    </p:set>
+                                  </p:childTnLst>
+                                </p:cTn>
+                              </p:par>
+                            </p:childTnLst>
+                          </p:cTn>
+                        </p:par>
+                      </p:childTnLst>
+                    </p:cTn>
+                  </p:par>
+                  <p:par>
+                    <p:cTn id="11" fill="hold">
+                      <p:stCondLst>
+                        <p:cond delay="indefinite"/>
+                      </p:stCondLst>
+                      <p:childTnLst>
+                        <p:par>
+                          <p:cTn id="12" fill="hold">
+                            <p:stCondLst>
+                              <p:cond delay="0"/>
+                            </p:stCondLst>
+                            <p:childTnLst>
+                              <p:par>
+                                <p:cTn id="13" presetID="1" presetClass="entr" presetSubtype="0" fill="hold" grpId="0" nodeType="clickEffect">
+                                  <p:stCondLst>
+                                    <p:cond delay="0"/>
+                                  </p:stCondLst>
+                                  <p:childTnLst>
+                                    <p:set>
+                                      <p:cBhvr>
+                                        <p:cTn id="14" dur="1" fill="hold">
+                                          <p:stCondLst>
+                                            <p:cond delay="0"/>
+                                          </p:stCondLst>
+                                        </p:cTn>
+                                        <p:tgtEl>
+                                          <p:spTgt spid="11"/>
+                                        </p:tgtEl>
+                                        <p:attrNameLst>
+                                          <p:attrName>style.visibility</p:attrName>
+                                        </p:attrNameLst>
+                                      </p:cBhvr>
+                                      <p:to>
+                                        <p:strVal val="visible"/>
+                                      </p:to>
+                                    </p:set>
+                                  </p:childTnLst>
+                                </p:cTn>
+                              </p:par>
+                              <p:par>
+                                <p:cTn id="15" presetID="1" presetClass="entr" presetSubtype="0" fill="hold" grpId="0" nodeType="withEffect">
+                                  <p:stCondLst>
+                                    <p:cond delay="0"/>
+                                  </p:stCondLst>
+                                  <p:childTnLst>
+                                    <p:set>
+                                      <p:cBhvr>
+                                        <p:cTn id="16" dur="1" fill="hold">
+                                          <p:stCondLst>
+                                            <p:cond delay="0"/>
+                                          </p:stCondLst>
+                                        </p:cTn>
+                                        <p:tgtEl>
+                                          <p:spTgt spid="13"/>
+                                        </p:tgtEl>
+                                        <p:attrNameLst>
+                                          <p:attrName>style.visibility</p:attrName>
+                                        </p:attrNameLst>
+                                      </p:cBhvr>
+                                      <p:to>
+                                        <p:strVal val="visible"/>
+                                      </p:to>
+                                    </p:set>
+                                  </p:childTnLst>
+                                </p:cTn>
+                              </p:par>
+                              <p:par>
+                                <p:cTn id="17" presetID="1" presetClass="entr" presetSubtype="0" fill="hold" grpId="0" nodeType="withEffect">
+                                  <p:stCondLst>
+                                    <p:cond delay="0"/>
+                                  </p:stCondLst>
+                                  <p:childTnLst>
+                                    <p:set>
+                                      <p:cBhvr>
+                                        <p:cTn id="18" dur="1" fill="hold">
+                                          <p:stCondLst>
+                                            <p:cond delay="0"/>
+                                          </p:stCondLst>
+                                        </p:cTn>
+                                        <p:tgtEl>
+                                          <p:spTgt spid="12"/>
+                                        </p:tgtEl>
+                                        <p:attrNameLst>
+                                          <p:attrName>style.visibility</p:attrName>
+                                        </p:attrNameLst>
+                                      </p:cBhvr>
+                                      <p:to>
+                                        <p:strVal val="visible"/>
+                                      </p:to>
+                                    </p:set>
+                                  </p:childTnLst>
+                                </p:cTn>
+                              </p:par>
+                            </p:childTnLst>
+                          </p:cTn>
+                        </p:par>
+                      </p:childTnLst>
+                    </p:cTn>
+                  </p:par>
+                  <p:par>
+                    <p:cTn id="19" fill="hold">
+                      <p:stCondLst>
+                        <p:cond delay="indefinite"/>
+                      </p:stCondLst>
+                      <p:childTnLst>
+                        <p:par>
+                          <p:cTn id="20" fill="hold">
+                            <p:stCondLst>
+                              <p:cond delay="0"/>
+                            </p:stCondLst>
+                            <p:childTnLst>
+                              <p:par>
+                                <p:cTn id="21" presetID="1" presetClass="entr" presetSubtype="0" fill="hold" nodeType="clickEffect">
+                                  <p:stCondLst>
+                                    <p:cond delay="0"/>
+                                  </p:stCondLst>
+                                  <p:childTnLst>
+                                    <p:set>
+                                      <p:cBhvr>
+                                        <p:cTn id="22" dur="1" fill="hold">
+                                          <p:stCondLst>
+                                            <p:cond delay="0"/>
+                                          </p:stCondLst>
+                                        </p:cTn>
+                                        <p:tgtEl>
+                                          <p:spTgt spid="3">
+                                            <p:txEl>
+                                              <p:pRg st="3" end="3"/>
+                                            </p:txEl>
+                                          </p:spTgt>
+                                        </p:tgtEl>
+                                        <p:attrNameLst>
+                                          <p:attrName>style.visibility</p:attrName>
+                                        </p:attrNameLst>
+                                      </p:cBhvr>
+                                      <p:to>
+                                        <p:strVal val="visible"/>
+                                      </p:to>
+                                    </p:set>
+                                  </p:childTnLst>
+                                </p:cTn>
+                              </p:par>
+                            </p:childTnLst>
+                          </p:cTn>
+                        </p:par>
+                      </p:childTnLst>
+                    </p:cTn>
+                  </p:par>
+                  <p:par>
+                    <p:cTn id="23" fill="hold">
+                      <p:stCondLst>
+                        <p:cond delay="indefinite"/>
+                      </p:stCondLst>
+                      <p:childTnLst>
+                        <p:par>
+                          <p:cTn id="24" fill="hold">
+                            <p:stCondLst>
+                              <p:cond delay="0"/>
+                            </p:stCondLst>
+                            <p:childTnLst>
+                              <p:par>
+                                <p:cTn id="25" presetID="1" presetClass="entr" presetSubtype="0" fill="hold" grpId="0" nodeType="clickEffect">
+                                  <p:stCondLst>
+                                    <p:cond delay="0"/>
+                                  </p:stCondLst>
+                                  <p:childTnLst>
+                                    <p:set>
+                                      <p:cBhvr>
+                                        <p:cTn id="26" dur="1" fill="hold">
+                                          <p:stCondLst>
+                                            <p:cond delay="0"/>
+                                          </p:stCondLst>
+                                        </p:cTn>
+                                        <p:tgtEl>
+                                          <p:spTgt spid="15"/>
+                                        </p:tgtEl>
+                                        <p:attrNameLst>
+                                          <p:attrName>style.visibility</p:attrName>
+                                        </p:attrNameLst>
+                                      </p:cBhvr>
+                                      <p:to>
+                                        <p:strVal val="visible"/>
+                                      </p:to>
+                                    </p:set>
+                                  </p:childTnLst>
+                                </p:cTn>
+                              </p:par>
+                            </p:childTnLst>
+                          </p:cTn>
+                        </p:par>
+                      </p:childTnLst>
+                    </p:cTn>
+                  </p:par>
+                </p:childTnLst>
+              </p:cTn>
+              <p:prevCondLst>
+                <p:cond evt="onPrev" delay="0">
+                  <p:tgtEl>
+                    <p:sldTgt/>
+                  </p:tgtEl>
+                </p:cond>
+              </p:prevCondLst>
+              <p:nextCondLst>
+                <p:cond evt="onNext" delay="0">
+                  <p:tgtEl>
+                    <p:sldTgt/>
+                  </p:tgtEl>
+                </p:cond>
+              </p:nextCondLst>
+            </p:seq>
+          </p:childTnLst>
+        </p:cTn>
+      </p:par>
+    </p:tnLst>
+    <p:bldLst>
+      <p:bldP spid="5" grpId="0" animBg="1"/>
+      <p:bldP spid="6" grpId="0" animBg="1"/>
+      <p:bldP spid="7" grpId="0" animBg="1"/>
+      <p:bldP spid="11" grpId="0" animBg="1"/>
+      <p:bldP spid="12" grpId="0" animBg="1"/>
+      <p:bldP spid="13" grpId="0" animBg="1"/>
+      <p:bldP spid="15" grpId="0"/>
+    </p:bldLst>
+  </p:timing>
 </p:sld>
 </file>
 
@@ -18297,7 +21640,7 @@
         <p:spPr bwMode="auto">
           <a:xfrm>
             <a:off x="760412" y="1201948"/>
-            <a:ext cx="10668000" cy="3674852"/>
+            <a:ext cx="10668000" cy="5226046"/>
           </a:xfrm>
           <a:prstGeom prst="rect">
             <a:avLst/>
@@ -18432,6 +21775,20 @@
               </a:rPr>
               <a:t> </a:t>
             </a:r>
+          </a:p>
+          <a:p>
+            <a:pPr eaLnBrk="0" hangingPunct="0">
+              <a:lnSpc>
+                <a:spcPct val="120000"/>
+              </a:lnSpc>
+              <a:buClr>
+                <a:schemeClr val="accent5">
+                  <a:lumMod val="40000"/>
+                  <a:lumOff val="60000"/>
+                </a:schemeClr>
+              </a:buClr>
+              <a:buSzPct val="70000"/>
+            </a:pPr>
             <a:r>
               <a:rPr lang="en-US" sz="2800" b="1" noProof="1">
                 <a:solidFill>
@@ -18540,7 +21897,97 @@
                 <a:latin typeface="Consolas" pitchFamily="49" charset="0"/>
                 <a:cs typeface="Consolas" pitchFamily="49" charset="0"/>
               </a:rPr>
-              <a:t>} else {</a:t>
+              <a:t>} </a:t>
+            </a:r>
+            <a:endParaRPr lang="bg-BG" sz="2800" b="1" noProof="1">
+              <a:solidFill>
+                <a:schemeClr val="tx2"/>
+              </a:solidFill>
+              <a:effectLst>
+                <a:outerShdw blurRad="38100" dist="38100" dir="2700000" algn="tl">
+                  <a:srgbClr val="000000">
+                    <a:alpha val="43137"/>
+                  </a:srgbClr>
+                </a:outerShdw>
+              </a:effectLst>
+              <a:latin typeface="Consolas" pitchFamily="49" charset="0"/>
+              <a:cs typeface="Consolas" pitchFamily="49" charset="0"/>
+            </a:endParaRPr>
+          </a:p>
+          <a:p>
+            <a:pPr eaLnBrk="0" hangingPunct="0">
+              <a:lnSpc>
+                <a:spcPct val="120000"/>
+              </a:lnSpc>
+              <a:buClr>
+                <a:schemeClr val="accent5">
+                  <a:lumMod val="40000"/>
+                  <a:lumOff val="60000"/>
+                </a:schemeClr>
+              </a:buClr>
+              <a:buSzPct val="70000"/>
+            </a:pPr>
+            <a:r>
+              <a:rPr lang="en-US" sz="2800" b="1" noProof="1">
+                <a:solidFill>
+                  <a:schemeClr val="tx2"/>
+                </a:solidFill>
+                <a:effectLst>
+                  <a:outerShdw blurRad="38100" dist="38100" dir="2700000" algn="tl">
+                    <a:srgbClr val="000000">
+                      <a:alpha val="43137"/>
+                    </a:srgbClr>
+                  </a:outerShdw>
+                </a:effectLst>
+                <a:latin typeface="Consolas" pitchFamily="49" charset="0"/>
+                <a:cs typeface="Consolas" pitchFamily="49" charset="0"/>
+              </a:rPr>
+              <a:t>else </a:t>
+            </a:r>
+            <a:endParaRPr lang="bg-BG" sz="2800" b="1" noProof="1">
+              <a:solidFill>
+                <a:schemeClr val="tx2"/>
+              </a:solidFill>
+              <a:effectLst>
+                <a:outerShdw blurRad="38100" dist="38100" dir="2700000" algn="tl">
+                  <a:srgbClr val="000000">
+                    <a:alpha val="43137"/>
+                  </a:srgbClr>
+                </a:outerShdw>
+              </a:effectLst>
+              <a:latin typeface="Consolas" pitchFamily="49" charset="0"/>
+              <a:cs typeface="Consolas" pitchFamily="49" charset="0"/>
+            </a:endParaRPr>
+          </a:p>
+          <a:p>
+            <a:pPr eaLnBrk="0" hangingPunct="0">
+              <a:lnSpc>
+                <a:spcPct val="120000"/>
+              </a:lnSpc>
+              <a:buClr>
+                <a:schemeClr val="accent5">
+                  <a:lumMod val="40000"/>
+                  <a:lumOff val="60000"/>
+                </a:schemeClr>
+              </a:buClr>
+              <a:buSzPct val="70000"/>
+            </a:pPr>
+            <a:r>
+              <a:rPr lang="en-US" sz="2800" b="1" noProof="1">
+                <a:solidFill>
+                  <a:schemeClr val="tx2"/>
+                </a:solidFill>
+                <a:effectLst>
+                  <a:outerShdw blurRad="38100" dist="38100" dir="2700000" algn="tl">
+                    <a:srgbClr val="000000">
+                      <a:alpha val="43137"/>
+                    </a:srgbClr>
+                  </a:outerShdw>
+                </a:effectLst>
+                <a:latin typeface="Consolas" pitchFamily="49" charset="0"/>
+                <a:cs typeface="Consolas" pitchFamily="49" charset="0"/>
+              </a:rPr>
+              <a:t>{</a:t>
             </a:r>
           </a:p>
           <a:p>
@@ -18677,6 +22124,369 @@
   <p:clrMapOvr>
     <a:masterClrMapping/>
   </p:clrMapOvr>
+  <p:timing>
+    <p:tnLst>
+      <p:par>
+        <p:cTn id="1" dur="indefinite" restart="never" nodeType="tmRoot">
+          <p:childTnLst>
+            <p:seq concurrent="1" nextAc="seek">
+              <p:cTn id="2" dur="indefinite" nodeType="mainSeq">
+                <p:childTnLst>
+                  <p:par>
+                    <p:cTn id="3" fill="hold">
+                      <p:stCondLst>
+                        <p:cond delay="indefinite"/>
+                      </p:stCondLst>
+                      <p:childTnLst>
+                        <p:par>
+                          <p:cTn id="4" fill="hold">
+                            <p:stCondLst>
+                              <p:cond delay="0"/>
+                            </p:stCondLst>
+                            <p:childTnLst>
+                              <p:par>
+                                <p:cTn id="5" presetID="1" presetClass="entr" presetSubtype="0" fill="hold" nodeType="clickEffect">
+                                  <p:stCondLst>
+                                    <p:cond delay="0"/>
+                                  </p:stCondLst>
+                                  <p:childTnLst>
+                                    <p:set>
+                                      <p:cBhvr>
+                                        <p:cTn id="6" dur="1" fill="hold">
+                                          <p:stCondLst>
+                                            <p:cond delay="0"/>
+                                          </p:stCondLst>
+                                        </p:cTn>
+                                        <p:tgtEl>
+                                          <p:spTgt spid="5">
+                                            <p:txEl>
+                                              <p:pRg st="1" end="1"/>
+                                            </p:txEl>
+                                          </p:spTgt>
+                                        </p:tgtEl>
+                                        <p:attrNameLst>
+                                          <p:attrName>style.visibility</p:attrName>
+                                        </p:attrNameLst>
+                                      </p:cBhvr>
+                                      <p:to>
+                                        <p:strVal val="visible"/>
+                                      </p:to>
+                                    </p:set>
+                                  </p:childTnLst>
+                                </p:cTn>
+                              </p:par>
+                            </p:childTnLst>
+                          </p:cTn>
+                        </p:par>
+                      </p:childTnLst>
+                    </p:cTn>
+                  </p:par>
+                  <p:par>
+                    <p:cTn id="7" fill="hold">
+                      <p:stCondLst>
+                        <p:cond delay="indefinite"/>
+                      </p:stCondLst>
+                      <p:childTnLst>
+                        <p:par>
+                          <p:cTn id="8" fill="hold">
+                            <p:stCondLst>
+                              <p:cond delay="0"/>
+                            </p:stCondLst>
+                            <p:childTnLst>
+                              <p:par>
+                                <p:cTn id="9" presetID="1" presetClass="entr" presetSubtype="0" fill="hold" nodeType="clickEffect">
+                                  <p:stCondLst>
+                                    <p:cond delay="0"/>
+                                  </p:stCondLst>
+                                  <p:childTnLst>
+                                    <p:set>
+                                      <p:cBhvr>
+                                        <p:cTn id="10" dur="1" fill="hold">
+                                          <p:stCondLst>
+                                            <p:cond delay="0"/>
+                                          </p:stCondLst>
+                                        </p:cTn>
+                                        <p:tgtEl>
+                                          <p:spTgt spid="5">
+                                            <p:txEl>
+                                              <p:pRg st="2" end="2"/>
+                                            </p:txEl>
+                                          </p:spTgt>
+                                        </p:tgtEl>
+                                        <p:attrNameLst>
+                                          <p:attrName>style.visibility</p:attrName>
+                                        </p:attrNameLst>
+                                      </p:cBhvr>
+                                      <p:to>
+                                        <p:strVal val="visible"/>
+                                      </p:to>
+                                    </p:set>
+                                  </p:childTnLst>
+                                </p:cTn>
+                              </p:par>
+                              <p:par>
+                                <p:cTn id="11" presetID="1" presetClass="entr" presetSubtype="0" fill="hold" nodeType="withEffect">
+                                  <p:stCondLst>
+                                    <p:cond delay="0"/>
+                                  </p:stCondLst>
+                                  <p:childTnLst>
+                                    <p:set>
+                                      <p:cBhvr>
+                                        <p:cTn id="12" dur="1" fill="hold">
+                                          <p:stCondLst>
+                                            <p:cond delay="0"/>
+                                          </p:stCondLst>
+                                        </p:cTn>
+                                        <p:tgtEl>
+                                          <p:spTgt spid="5">
+                                            <p:txEl>
+                                              <p:pRg st="3" end="3"/>
+                                            </p:txEl>
+                                          </p:spTgt>
+                                        </p:tgtEl>
+                                        <p:attrNameLst>
+                                          <p:attrName>style.visibility</p:attrName>
+                                        </p:attrNameLst>
+                                      </p:cBhvr>
+                                      <p:to>
+                                        <p:strVal val="visible"/>
+                                      </p:to>
+                                    </p:set>
+                                  </p:childTnLst>
+                                </p:cTn>
+                              </p:par>
+                              <p:par>
+                                <p:cTn id="13" presetID="1" presetClass="entr" presetSubtype="0" fill="hold" nodeType="withEffect">
+                                  <p:stCondLst>
+                                    <p:cond delay="0"/>
+                                  </p:stCondLst>
+                                  <p:childTnLst>
+                                    <p:set>
+                                      <p:cBhvr>
+                                        <p:cTn id="14" dur="1" fill="hold">
+                                          <p:stCondLst>
+                                            <p:cond delay="0"/>
+                                          </p:stCondLst>
+                                        </p:cTn>
+                                        <p:tgtEl>
+                                          <p:spTgt spid="5">
+                                            <p:txEl>
+                                              <p:pRg st="4" end="4"/>
+                                            </p:txEl>
+                                          </p:spTgt>
+                                        </p:tgtEl>
+                                        <p:attrNameLst>
+                                          <p:attrName>style.visibility</p:attrName>
+                                        </p:attrNameLst>
+                                      </p:cBhvr>
+                                      <p:to>
+                                        <p:strVal val="visible"/>
+                                      </p:to>
+                                    </p:set>
+                                  </p:childTnLst>
+                                </p:cTn>
+                              </p:par>
+                              <p:par>
+                                <p:cTn id="15" presetID="1" presetClass="entr" presetSubtype="0" fill="hold" nodeType="withEffect">
+                                  <p:stCondLst>
+                                    <p:cond delay="0"/>
+                                  </p:stCondLst>
+                                  <p:childTnLst>
+                                    <p:set>
+                                      <p:cBhvr>
+                                        <p:cTn id="16" dur="1" fill="hold">
+                                          <p:stCondLst>
+                                            <p:cond delay="0"/>
+                                          </p:stCondLst>
+                                        </p:cTn>
+                                        <p:tgtEl>
+                                          <p:spTgt spid="5">
+                                            <p:txEl>
+                                              <p:pRg st="5" end="5"/>
+                                            </p:txEl>
+                                          </p:spTgt>
+                                        </p:tgtEl>
+                                        <p:attrNameLst>
+                                          <p:attrName>style.visibility</p:attrName>
+                                        </p:attrNameLst>
+                                      </p:cBhvr>
+                                      <p:to>
+                                        <p:strVal val="visible"/>
+                                      </p:to>
+                                    </p:set>
+                                  </p:childTnLst>
+                                </p:cTn>
+                              </p:par>
+                            </p:childTnLst>
+                          </p:cTn>
+                        </p:par>
+                      </p:childTnLst>
+                    </p:cTn>
+                  </p:par>
+                  <p:par>
+                    <p:cTn id="17" fill="hold">
+                      <p:stCondLst>
+                        <p:cond delay="indefinite"/>
+                      </p:stCondLst>
+                      <p:childTnLst>
+                        <p:par>
+                          <p:cTn id="18" fill="hold">
+                            <p:stCondLst>
+                              <p:cond delay="0"/>
+                            </p:stCondLst>
+                            <p:childTnLst>
+                              <p:par>
+                                <p:cTn id="19" presetID="1" presetClass="entr" presetSubtype="0" fill="hold" nodeType="clickEffect">
+                                  <p:stCondLst>
+                                    <p:cond delay="0"/>
+                                  </p:stCondLst>
+                                  <p:childTnLst>
+                                    <p:set>
+                                      <p:cBhvr>
+                                        <p:cTn id="20" dur="1" fill="hold">
+                                          <p:stCondLst>
+                                            <p:cond delay="0"/>
+                                          </p:stCondLst>
+                                        </p:cTn>
+                                        <p:tgtEl>
+                                          <p:spTgt spid="5">
+                                            <p:txEl>
+                                              <p:pRg st="6" end="6"/>
+                                            </p:txEl>
+                                          </p:spTgt>
+                                        </p:tgtEl>
+                                        <p:attrNameLst>
+                                          <p:attrName>style.visibility</p:attrName>
+                                        </p:attrNameLst>
+                                      </p:cBhvr>
+                                      <p:to>
+                                        <p:strVal val="visible"/>
+                                      </p:to>
+                                    </p:set>
+                                  </p:childTnLst>
+                                </p:cTn>
+                              </p:par>
+                              <p:par>
+                                <p:cTn id="21" presetID="1" presetClass="entr" presetSubtype="0" fill="hold" nodeType="withEffect">
+                                  <p:stCondLst>
+                                    <p:cond delay="0"/>
+                                  </p:stCondLst>
+                                  <p:childTnLst>
+                                    <p:set>
+                                      <p:cBhvr>
+                                        <p:cTn id="22" dur="1" fill="hold">
+                                          <p:stCondLst>
+                                            <p:cond delay="0"/>
+                                          </p:stCondLst>
+                                        </p:cTn>
+                                        <p:tgtEl>
+                                          <p:spTgt spid="5">
+                                            <p:txEl>
+                                              <p:pRg st="7" end="7"/>
+                                            </p:txEl>
+                                          </p:spTgt>
+                                        </p:tgtEl>
+                                        <p:attrNameLst>
+                                          <p:attrName>style.visibility</p:attrName>
+                                        </p:attrNameLst>
+                                      </p:cBhvr>
+                                      <p:to>
+                                        <p:strVal val="visible"/>
+                                      </p:to>
+                                    </p:set>
+                                  </p:childTnLst>
+                                </p:cTn>
+                              </p:par>
+                              <p:par>
+                                <p:cTn id="23" presetID="1" presetClass="entr" presetSubtype="0" fill="hold" nodeType="withEffect">
+                                  <p:stCondLst>
+                                    <p:cond delay="0"/>
+                                  </p:stCondLst>
+                                  <p:childTnLst>
+                                    <p:set>
+                                      <p:cBhvr>
+                                        <p:cTn id="24" dur="1" fill="hold">
+                                          <p:stCondLst>
+                                            <p:cond delay="0"/>
+                                          </p:stCondLst>
+                                        </p:cTn>
+                                        <p:tgtEl>
+                                          <p:spTgt spid="5">
+                                            <p:txEl>
+                                              <p:pRg st="8" end="8"/>
+                                            </p:txEl>
+                                          </p:spTgt>
+                                        </p:tgtEl>
+                                        <p:attrNameLst>
+                                          <p:attrName>style.visibility</p:attrName>
+                                        </p:attrNameLst>
+                                      </p:cBhvr>
+                                      <p:to>
+                                        <p:strVal val="visible"/>
+                                      </p:to>
+                                    </p:set>
+                                  </p:childTnLst>
+                                </p:cTn>
+                              </p:par>
+                              <p:par>
+                                <p:cTn id="25" presetID="1" presetClass="entr" presetSubtype="0" fill="hold" nodeType="withEffect">
+                                  <p:stCondLst>
+                                    <p:cond delay="0"/>
+                                  </p:stCondLst>
+                                  <p:childTnLst>
+                                    <p:set>
+                                      <p:cBhvr>
+                                        <p:cTn id="26" dur="1" fill="hold">
+                                          <p:stCondLst>
+                                            <p:cond delay="0"/>
+                                          </p:stCondLst>
+                                        </p:cTn>
+                                        <p:tgtEl>
+                                          <p:spTgt spid="5">
+                                            <p:txEl>
+                                              <p:pRg st="9" end="9"/>
+                                            </p:txEl>
+                                          </p:spTgt>
+                                        </p:tgtEl>
+                                        <p:attrNameLst>
+                                          <p:attrName>style.visibility</p:attrName>
+                                        </p:attrNameLst>
+                                      </p:cBhvr>
+                                      <p:to>
+                                        <p:strVal val="visible"/>
+                                      </p:to>
+                                    </p:set>
+                                  </p:childTnLst>
+                                </p:cTn>
+                              </p:par>
+                            </p:childTnLst>
+                          </p:cTn>
+                        </p:par>
+                      </p:childTnLst>
+                    </p:cTn>
+                  </p:par>
+                </p:childTnLst>
+              </p:cTn>
+              <p:prevCondLst>
+                <p:cond evt="onPrev" delay="0">
+                  <p:tgtEl>
+                    <p:sldTgt/>
+                  </p:tgtEl>
+                </p:cond>
+              </p:prevCondLst>
+              <p:nextCondLst>
+                <p:cond evt="onNext" delay="0">
+                  <p:tgtEl>
+                    <p:sldTgt/>
+                  </p:tgtEl>
+                </p:cond>
+              </p:nextCondLst>
+            </p:seq>
+          </p:childTnLst>
+        </p:cTn>
+      </p:par>
+    </p:tnLst>
+  </p:timing>
 </p:sld>
 </file>
 
@@ -19997,6 +23807,291 @@
   <p:clrMapOvr>
     <a:masterClrMapping/>
   </p:clrMapOvr>
+  <p:timing>
+    <p:tnLst>
+      <p:par>
+        <p:cTn id="1" dur="indefinite" restart="never" nodeType="tmRoot">
+          <p:childTnLst>
+            <p:seq concurrent="1" nextAc="seek">
+              <p:cTn id="2" dur="indefinite" nodeType="mainSeq">
+                <p:childTnLst>
+                  <p:par>
+                    <p:cTn id="3" fill="hold">
+                      <p:stCondLst>
+                        <p:cond delay="indefinite"/>
+                      </p:stCondLst>
+                      <p:childTnLst>
+                        <p:par>
+                          <p:cTn id="4" fill="hold">
+                            <p:stCondLst>
+                              <p:cond delay="0"/>
+                            </p:stCondLst>
+                            <p:childTnLst>
+                              <p:par>
+                                <p:cTn id="5" presetID="1" presetClass="entr" presetSubtype="0" fill="hold" nodeType="clickEffect">
+                                  <p:stCondLst>
+                                    <p:cond delay="0"/>
+                                  </p:stCondLst>
+                                  <p:childTnLst>
+                                    <p:set>
+                                      <p:cBhvr>
+                                        <p:cTn id="6" dur="1" fill="hold">
+                                          <p:stCondLst>
+                                            <p:cond delay="0"/>
+                                          </p:stCondLst>
+                                        </p:cTn>
+                                        <p:tgtEl>
+                                          <p:spTgt spid="3">
+                                            <p:txEl>
+                                              <p:pRg st="1" end="1"/>
+                                            </p:txEl>
+                                          </p:spTgt>
+                                        </p:tgtEl>
+                                        <p:attrNameLst>
+                                          <p:attrName>style.visibility</p:attrName>
+                                        </p:attrNameLst>
+                                      </p:cBhvr>
+                                      <p:to>
+                                        <p:strVal val="visible"/>
+                                      </p:to>
+                                    </p:set>
+                                  </p:childTnLst>
+                                </p:cTn>
+                              </p:par>
+                            </p:childTnLst>
+                          </p:cTn>
+                        </p:par>
+                      </p:childTnLst>
+                    </p:cTn>
+                  </p:par>
+                  <p:par>
+                    <p:cTn id="7" fill="hold">
+                      <p:stCondLst>
+                        <p:cond delay="indefinite"/>
+                      </p:stCondLst>
+                      <p:childTnLst>
+                        <p:par>
+                          <p:cTn id="8" fill="hold">
+                            <p:stCondLst>
+                              <p:cond delay="0"/>
+                            </p:stCondLst>
+                            <p:childTnLst>
+                              <p:par>
+                                <p:cTn id="9" presetID="1" presetClass="entr" presetSubtype="0" fill="hold" grpId="0" nodeType="clickEffect">
+                                  <p:stCondLst>
+                                    <p:cond delay="0"/>
+                                  </p:stCondLst>
+                                  <p:childTnLst>
+                                    <p:set>
+                                      <p:cBhvr>
+                                        <p:cTn id="10" dur="1" fill="hold">
+                                          <p:stCondLst>
+                                            <p:cond delay="0"/>
+                                          </p:stCondLst>
+                                        </p:cTn>
+                                        <p:tgtEl>
+                                          <p:spTgt spid="5"/>
+                                        </p:tgtEl>
+                                        <p:attrNameLst>
+                                          <p:attrName>style.visibility</p:attrName>
+                                        </p:attrNameLst>
+                                      </p:cBhvr>
+                                      <p:to>
+                                        <p:strVal val="visible"/>
+                                      </p:to>
+                                    </p:set>
+                                  </p:childTnLst>
+                                </p:cTn>
+                              </p:par>
+                              <p:par>
+                                <p:cTn id="11" presetID="1" presetClass="entr" presetSubtype="0" fill="hold" grpId="0" nodeType="withEffect">
+                                  <p:stCondLst>
+                                    <p:cond delay="0"/>
+                                  </p:stCondLst>
+                                  <p:childTnLst>
+                                    <p:set>
+                                      <p:cBhvr>
+                                        <p:cTn id="12" dur="1" fill="hold">
+                                          <p:stCondLst>
+                                            <p:cond delay="0"/>
+                                          </p:stCondLst>
+                                        </p:cTn>
+                                        <p:tgtEl>
+                                          <p:spTgt spid="7"/>
+                                        </p:tgtEl>
+                                        <p:attrNameLst>
+                                          <p:attrName>style.visibility</p:attrName>
+                                        </p:attrNameLst>
+                                      </p:cBhvr>
+                                      <p:to>
+                                        <p:strVal val="visible"/>
+                                      </p:to>
+                                    </p:set>
+                                  </p:childTnLst>
+                                </p:cTn>
+                              </p:par>
+                              <p:par>
+                                <p:cTn id="13" presetID="1" presetClass="entr" presetSubtype="0" fill="hold" grpId="0" nodeType="withEffect">
+                                  <p:stCondLst>
+                                    <p:cond delay="0"/>
+                                  </p:stCondLst>
+                                  <p:childTnLst>
+                                    <p:set>
+                                      <p:cBhvr>
+                                        <p:cTn id="14" dur="1" fill="hold">
+                                          <p:stCondLst>
+                                            <p:cond delay="0"/>
+                                          </p:stCondLst>
+                                        </p:cTn>
+                                        <p:tgtEl>
+                                          <p:spTgt spid="6"/>
+                                        </p:tgtEl>
+                                        <p:attrNameLst>
+                                          <p:attrName>style.visibility</p:attrName>
+                                        </p:attrNameLst>
+                                      </p:cBhvr>
+                                      <p:to>
+                                        <p:strVal val="visible"/>
+                                      </p:to>
+                                    </p:set>
+                                  </p:childTnLst>
+                                </p:cTn>
+                              </p:par>
+                              <p:par>
+                                <p:cTn id="15" presetID="1" presetClass="entr" presetSubtype="0" fill="hold" grpId="0" nodeType="withEffect">
+                                  <p:stCondLst>
+                                    <p:cond delay="0"/>
+                                  </p:stCondLst>
+                                  <p:childTnLst>
+                                    <p:set>
+                                      <p:cBhvr>
+                                        <p:cTn id="16" dur="1" fill="hold">
+                                          <p:stCondLst>
+                                            <p:cond delay="0"/>
+                                          </p:stCondLst>
+                                        </p:cTn>
+                                        <p:tgtEl>
+                                          <p:spTgt spid="9"/>
+                                        </p:tgtEl>
+                                        <p:attrNameLst>
+                                          <p:attrName>style.visibility</p:attrName>
+                                        </p:attrNameLst>
+                                      </p:cBhvr>
+                                      <p:to>
+                                        <p:strVal val="visible"/>
+                                      </p:to>
+                                    </p:set>
+                                  </p:childTnLst>
+                                </p:cTn>
+                              </p:par>
+                              <p:par>
+                                <p:cTn id="17" presetID="1" presetClass="entr" presetSubtype="0" fill="hold" grpId="0" nodeType="withEffect">
+                                  <p:stCondLst>
+                                    <p:cond delay="0"/>
+                                  </p:stCondLst>
+                                  <p:childTnLst>
+                                    <p:set>
+                                      <p:cBhvr>
+                                        <p:cTn id="18" dur="1" fill="hold">
+                                          <p:stCondLst>
+                                            <p:cond delay="0"/>
+                                          </p:stCondLst>
+                                        </p:cTn>
+                                        <p:tgtEl>
+                                          <p:spTgt spid="10"/>
+                                        </p:tgtEl>
+                                        <p:attrNameLst>
+                                          <p:attrName>style.visibility</p:attrName>
+                                        </p:attrNameLst>
+                                      </p:cBhvr>
+                                      <p:to>
+                                        <p:strVal val="visible"/>
+                                      </p:to>
+                                    </p:set>
+                                  </p:childTnLst>
+                                </p:cTn>
+                              </p:par>
+                            </p:childTnLst>
+                          </p:cTn>
+                        </p:par>
+                      </p:childTnLst>
+                    </p:cTn>
+                  </p:par>
+                  <p:par>
+                    <p:cTn id="19" fill="hold">
+                      <p:stCondLst>
+                        <p:cond delay="indefinite"/>
+                      </p:stCondLst>
+                      <p:childTnLst>
+                        <p:par>
+                          <p:cTn id="20" fill="hold">
+                            <p:stCondLst>
+                              <p:cond delay="0"/>
+                            </p:stCondLst>
+                            <p:childTnLst>
+                              <p:par>
+                                <p:cTn id="21" presetID="1" presetClass="entr" presetSubtype="0" fill="hold" grpId="0" nodeType="clickEffect">
+                                  <p:stCondLst>
+                                    <p:cond delay="0"/>
+                                  </p:stCondLst>
+                                  <p:childTnLst>
+                                    <p:set>
+                                      <p:cBhvr>
+                                        <p:cTn id="22" dur="1" fill="hold">
+                                          <p:stCondLst>
+                                            <p:cond delay="0"/>
+                                          </p:stCondLst>
+                                        </p:cTn>
+                                        <p:tgtEl>
+                                          <p:spTgt spid="12"/>
+                                        </p:tgtEl>
+                                        <p:attrNameLst>
+                                          <p:attrName>style.visibility</p:attrName>
+                                        </p:attrNameLst>
+                                      </p:cBhvr>
+                                      <p:to>
+                                        <p:strVal val="visible"/>
+                                      </p:to>
+                                    </p:set>
+                                  </p:childTnLst>
+                                </p:cTn>
+                              </p:par>
+                            </p:childTnLst>
+                          </p:cTn>
+                        </p:par>
+                      </p:childTnLst>
+                    </p:cTn>
+                  </p:par>
+                </p:childTnLst>
+              </p:cTn>
+              <p:prevCondLst>
+                <p:cond evt="onPrev" delay="0">
+                  <p:tgtEl>
+                    <p:sldTgt/>
+                  </p:tgtEl>
+                </p:cond>
+              </p:prevCondLst>
+              <p:nextCondLst>
+                <p:cond evt="onNext" delay="0">
+                  <p:tgtEl>
+                    <p:sldTgt/>
+                  </p:tgtEl>
+                </p:cond>
+              </p:nextCondLst>
+            </p:seq>
+          </p:childTnLst>
+        </p:cTn>
+      </p:par>
+    </p:tnLst>
+    <p:bldLst>
+      <p:bldP spid="5" grpId="0" animBg="1"/>
+      <p:bldP spid="6" grpId="0" animBg="1"/>
+      <p:bldP spid="7" grpId="0" animBg="1"/>
+      <p:bldP spid="9" grpId="0" animBg="1"/>
+      <p:bldP spid="10" grpId="0" animBg="1"/>
+      <p:bldP spid="12" grpId="0"/>
+    </p:bldLst>
+  </p:timing>
 </p:sld>
 </file>
 
